--- a/help/data-sheets/assets/DMeStandardSupportDatasheet_2022.pptx
+++ b/help/data-sheets/assets/DMeStandardSupportDatasheet_2022.pptx
@@ -553,7 +553,7 @@
           <a:p>
             <a:fld id="{A438815C-EDE5-F947-A55F-7634403F36C4}" type="datetimeFigureOut">
               <a:rPr lang="en-US" smtClean="0"/>
-              <a:t>3/3/2022</a:t>
+              <a:t>3/25/2022</a:t>
             </a:fld>
             <a:endParaRPr lang="en-US" dirty="0"/>
           </a:p>
@@ -1176,7 +1176,7 @@
           <a:p>
             <a:fld id="{1D8BD707-D9CF-40AE-B4C6-C98DA3205C09}" type="datetimeFigureOut">
               <a:rPr lang="en-US"/>
-              <a:t>3/3/2022</a:t>
+              <a:t>3/25/2022</a:t>
             </a:fld>
             <a:endParaRPr lang="en-US" dirty="0"/>
           </a:p>
@@ -1331,7 +1331,7 @@
           <a:p>
             <a:fld id="{1D8BD707-D9CF-40AE-B4C6-C98DA3205C09}" type="datetimeFigureOut">
               <a:rPr lang="en-US"/>
-              <a:t>3/3/2022</a:t>
+              <a:t>3/25/2022</a:t>
             </a:fld>
             <a:endParaRPr lang="en-US" dirty="0"/>
           </a:p>
@@ -1634,7 +1634,7 @@
           <a:p>
             <a:fld id="{1D8BD707-D9CF-40AE-B4C6-C98DA3205C09}" type="datetimeFigureOut">
               <a:rPr lang="en-US"/>
-              <a:t>3/3/2022</a:t>
+              <a:t>3/25/2022</a:t>
             </a:fld>
             <a:endParaRPr lang="en-US" dirty="0"/>
           </a:p>
@@ -1859,7 +1859,7 @@
         </p:nvSpPr>
         <p:spPr>
           <a:xfrm>
-            <a:off x="95250" y="7228840"/>
+            <a:off x="95250" y="7163774"/>
             <a:ext cx="4095750" cy="227626"/>
           </a:xfrm>
           <a:prstGeom prst="rect">
@@ -1881,7 +1881,7 @@
               </a:spcBef>
             </a:pPr>
             <a:r>
-              <a:rPr sz="1400" b="1" u="heavy" spc="10" dirty="0">
+              <a:rPr lang="it-IT" sz="1400" b="1" u="heavy" dirty="0">
                 <a:solidFill>
                   <a:srgbClr val="020302"/>
                 </a:solidFill>
@@ -1893,87 +1893,8 @@
                 <a:latin typeface="Adobe Clean"/>
                 <a:cs typeface="Adobe Clean"/>
               </a:rPr>
-              <a:t>Service </a:t>
+              <a:t>Obiettivi del livello di servizio: risposta iniziale</a:t>
             </a:r>
-            <a:r>
-              <a:rPr lang="en-US" sz="1400" b="1" u="heavy" spc="-10" dirty="0">
-                <a:solidFill>
-                  <a:srgbClr val="020302"/>
-                </a:solidFill>
-                <a:uFill>
-                  <a:solidFill>
-                    <a:srgbClr val="020302"/>
-                  </a:solidFill>
-                </a:uFill>
-                <a:latin typeface="Adobe Clean"/>
-                <a:cs typeface="Adobe Clean"/>
-              </a:rPr>
-              <a:t>Level </a:t>
-            </a:r>
-            <a:r>
-              <a:rPr lang="en-US" sz="1400" b="1" u="heavy" spc="-45" dirty="0">
-                <a:solidFill>
-                  <a:srgbClr val="020302"/>
-                </a:solidFill>
-                <a:uFill>
-                  <a:solidFill>
-                    <a:srgbClr val="020302"/>
-                  </a:solidFill>
-                </a:uFill>
-                <a:latin typeface="Adobe Clean"/>
-                <a:cs typeface="Adobe Clean"/>
-              </a:rPr>
-              <a:t>Targets: </a:t>
-            </a:r>
-            <a:r>
-              <a:rPr lang="en-US" sz="1400" b="1" u="heavy" spc="-10" dirty="0">
-                <a:solidFill>
-                  <a:srgbClr val="020302"/>
-                </a:solidFill>
-                <a:uFill>
-                  <a:solidFill>
-                    <a:srgbClr val="020302"/>
-                  </a:solidFill>
-                </a:uFill>
-                <a:latin typeface="Adobe Clean"/>
-                <a:cs typeface="Adobe Clean"/>
-              </a:rPr>
-              <a:t>Initial</a:t>
-            </a:r>
-            <a:r>
-              <a:rPr lang="en-US" sz="1400" b="1" u="heavy" spc="-140" dirty="0">
-                <a:solidFill>
-                  <a:srgbClr val="020302"/>
-                </a:solidFill>
-                <a:uFill>
-                  <a:solidFill>
-                    <a:srgbClr val="020302"/>
-                  </a:solidFill>
-                </a:uFill>
-                <a:latin typeface="Adobe Clean"/>
-                <a:cs typeface="Adobe Clean"/>
-              </a:rPr>
-              <a:t> </a:t>
-            </a:r>
-            <a:r>
-              <a:rPr lang="en-US" sz="1400" b="1" u="heavy" spc="-15" dirty="0">
-                <a:solidFill>
-                  <a:srgbClr val="020302"/>
-                </a:solidFill>
-                <a:uFill>
-                  <a:solidFill>
-                    <a:srgbClr val="020302"/>
-                  </a:solidFill>
-                </a:uFill>
-                <a:latin typeface="Adobe Clean"/>
-                <a:cs typeface="Adobe Clean"/>
-              </a:rPr>
-              <a:t>Response</a:t>
-            </a:r>
-            <a:endParaRPr sz="1400" dirty="0">
-              <a:latin typeface="Adobe Clean"/>
-              <a:cs typeface="Adobe Clean"/>
-            </a:endParaRPr>
           </a:p>
         </p:txBody>
       </p:sp>
@@ -2015,7 +1936,7 @@
         <p:spPr>
           <a:xfrm>
             <a:off x="102031" y="580032"/>
-            <a:ext cx="6134100" cy="1127232"/>
+            <a:ext cx="5841569" cy="1281120"/>
           </a:xfrm>
           <a:prstGeom prst="rect">
             <a:avLst/>
@@ -2036,7 +1957,7 @@
               </a:spcBef>
             </a:pPr>
             <a:r>
-              <a:rPr lang="en-US" sz="1200" b="1" dirty="0">
+              <a:rPr lang="it-IT" sz="1200" b="1" dirty="0">
                 <a:solidFill>
                   <a:schemeClr val="bg1"/>
                 </a:solidFill>
@@ -2044,7 +1965,7 @@
               <a:t>Standard</a:t>
             </a:r>
             <a:r>
-              <a:rPr lang="en-US" sz="1200" dirty="0">
+              <a:rPr lang="it-IT" sz="1200" dirty="0">
                 <a:solidFill>
                   <a:schemeClr val="bg1"/>
                 </a:solidFill>
@@ -2052,12 +1973,6 @@
               </a:rPr>
               <a:t> | Business | Enterprise | Elite</a:t>
             </a:r>
-            <a:endParaRPr lang="en-US" sz="900" dirty="0">
-              <a:solidFill>
-                <a:schemeClr val="bg1"/>
-              </a:solidFill>
-              <a:latin typeface="Adobe Clean Light" panose="020B0303020404020204" pitchFamily="34" charset="0"/>
-            </a:endParaRPr>
           </a:p>
           <a:p>
             <a:pPr marL="12700" marR="5080">
@@ -2069,16 +1984,16 @@
               </a:spcBef>
             </a:pPr>
             <a:r>
-              <a:rPr lang="en-US" sz="1000" dirty="0">
+              <a:rPr lang="it-IT" sz="1000" dirty="0">
                 <a:solidFill>
                   <a:schemeClr val="bg1"/>
                 </a:solidFill>
                 <a:latin typeface="Adobe Clean SemiLight"/>
               </a:rPr>
-              <a:t>Adobe provides a comprehensive range of technical resources to help support your business included as part of your Adobe enterprise subscription. Standard support includes 24x7 access to our self-help support resources including articles on HelpX and engagement with other customers on Adobe Community. You can take advantage of our detailed and in-depth technical product documentation and current release notes published on </a:t>
+              <a:t>Adobe offre una gamma completa di risorse tecniche per assistere la tua azienda, incluse nell’abbonamento Adobe Enterprise. Il supporto standard include l’accesso 24x7 alle nostre risorse di assistenza autonoma, compresi gli articoli su HelpX e il coinvolgimento con altri clienti su Adobe Community. Puoi usufruire di documentazione tecnica dettagliata e note sulla versione sempre aggiornate pubblicate sul sito </a:t>
             </a:r>
             <a:r>
-              <a:rPr lang="en-US" sz="1000" u="sng" dirty="0">
+              <a:rPr lang="it-IT" sz="1000" u="sng" dirty="0">
                 <a:solidFill>
                   <a:schemeClr val="bg1"/>
                 </a:solidFill>
@@ -2094,7 +2009,7 @@
               <a:t>http://www.adobe.com</a:t>
             </a:r>
             <a:r>
-              <a:rPr lang="en-US" sz="1000" u="sng" dirty="0">
+              <a:rPr lang="it-IT" sz="1000" u="sng" dirty="0">
                 <a:solidFill>
                   <a:schemeClr val="bg1"/>
                 </a:solidFill>
@@ -2103,21 +2018,14 @@
               <a:t>. </a:t>
             </a:r>
             <a:r>
-              <a:rPr lang="en-US" sz="1000" dirty="0">
+              <a:rPr lang="it-IT" sz="1000" dirty="0">
                 <a:solidFill>
                   <a:schemeClr val="bg1"/>
                 </a:solidFill>
                 <a:latin typeface="Adobe Clean SemiLight"/>
               </a:rPr>
-              <a:t>Our standard support also includes 24x7 access for Authorized Users (Admins) to our technical support teams via chat or telephone as well as the ability to log requests for assistance via our support web portal. </a:t>
+              <a:t>Il nostro supporto standard include anche l’accesso 24x7 per gli utenti autorizzati (Admin) ai nostri team di supporto tecnico via chat o telefono, nonché la possibilità di registrare le richieste di assistenza tramite il nostro portale web di supporto. </a:t>
             </a:r>
-            <a:endParaRPr lang="en-US" sz="1000" dirty="0">
-              <a:solidFill>
-                <a:schemeClr val="bg1"/>
-              </a:solidFill>
-              <a:latin typeface="Adobe Clean Light" panose="020B0303020404020204" pitchFamily="34" charset="0"/>
-              <a:cs typeface="AdobeClean-Light"/>
-            </a:endParaRPr>
           </a:p>
         </p:txBody>
       </p:sp>
@@ -2159,7 +2067,7 @@
           <p:nvPr>
             <p:extLst>
               <p:ext uri="{D42A27DB-BD31-4B8C-83A1-F6EECF244321}">
-                <p14:modId xmlns:p14="http://schemas.microsoft.com/office/powerpoint/2010/main" val="3167048013"/>
+                <p14:modId xmlns:p14="http://schemas.microsoft.com/office/powerpoint/2010/main" val="4115462331"/>
               </p:ext>
             </p:extLst>
           </p:nvPr>
@@ -2175,35 +2083,35 @@
                 <a:tableStyleId>{2D5ABB26-0587-4C30-8999-92F81FD0307C}</a:tableStyleId>
               </a:tblPr>
               <a:tblGrid>
-                <a:gridCol w="1176619">
+                <a:gridCol w="819150">
                   <a:extLst>
                     <a:ext uri="{9D8B030D-6E8A-4147-A177-3AD203B41FA5}">
                       <a16:colId xmlns:a16="http://schemas.microsoft.com/office/drawing/2014/main" val="1674920574"/>
                     </a:ext>
                   </a:extLst>
                 </a:gridCol>
-                <a:gridCol w="2667002">
+                <a:gridCol w="2667000">
                   <a:extLst>
                     <a:ext uri="{9D8B030D-6E8A-4147-A177-3AD203B41FA5}">
                       <a16:colId xmlns:a16="http://schemas.microsoft.com/office/drawing/2014/main" val="20001"/>
                     </a:ext>
                   </a:extLst>
                 </a:gridCol>
-                <a:gridCol w="1019735">
+                <a:gridCol w="1066800">
                   <a:extLst>
                     <a:ext uri="{9D8B030D-6E8A-4147-A177-3AD203B41FA5}">
                       <a16:colId xmlns:a16="http://schemas.microsoft.com/office/drawing/2014/main" val="20002"/>
                     </a:ext>
                   </a:extLst>
                 </a:gridCol>
-                <a:gridCol w="941294">
+                <a:gridCol w="1143000">
                   <a:extLst>
                     <a:ext uri="{9D8B030D-6E8A-4147-A177-3AD203B41FA5}">
                       <a16:colId xmlns:a16="http://schemas.microsoft.com/office/drawing/2014/main" val="20003"/>
                     </a:ext>
                   </a:extLst>
                 </a:gridCol>
-                <a:gridCol w="175111">
+                <a:gridCol w="283811">
                   <a:extLst>
                     <a:ext uri="{9D8B030D-6E8A-4147-A177-3AD203B41FA5}">
                       <a16:colId xmlns:a16="http://schemas.microsoft.com/office/drawing/2014/main" val="4086914696"/>
@@ -2260,29 +2168,15 @@
                         </a:spcBef>
                       </a:pPr>
                       <a:r>
-                        <a:rPr lang="en-US" sz="1000" spc="0" dirty="0">
+                        <a:rPr lang="it-IT" sz="1000">
                           <a:solidFill>
                             <a:srgbClr val="404040"/>
                           </a:solidFill>
                           <a:latin typeface="Adobe Clean"/>
                           <a:cs typeface="Adobe Clean"/>
                         </a:rPr>
-                        <a:t>Standard </a:t>
+                        <a:t>Supporto Standard</a:t>
                       </a:r>
-                      <a:r>
-                        <a:rPr sz="1000" spc="0" dirty="0">
-                          <a:solidFill>
-                            <a:srgbClr val="404040"/>
-                          </a:solidFill>
-                          <a:latin typeface="Adobe Clean"/>
-                          <a:cs typeface="Adobe Clean"/>
-                        </a:rPr>
-                        <a:t>Support</a:t>
-                      </a:r>
-                      <a:endParaRPr sz="1000" spc="0" dirty="0">
-                        <a:latin typeface="Adobe Clean"/>
-                        <a:cs typeface="Adobe Clean"/>
-                      </a:endParaRPr>
                     </a:p>
                   </a:txBody>
                   <a:tcPr marL="0" marR="0" marT="7620" marB="0" anchor="ctr">
@@ -2317,39 +2211,113 @@
                         </a:spcBef>
                       </a:pPr>
                       <a:r>
-                        <a:rPr sz="1000" spc="0" dirty="0">
+                        <a:rPr lang="it-IT" sz="1000">
                           <a:solidFill>
                             <a:srgbClr val="FFFFFF"/>
                           </a:solidFill>
                           <a:latin typeface="Adobe Clean"/>
                           <a:cs typeface="Adobe Clean"/>
                         </a:rPr>
-                        <a:t>Business</a:t>
+                        <a:t>Supporto Business</a:t>
                       </a:r>
+                    </a:p>
+                  </a:txBody>
+                  <a:tcPr marL="0" marR="0" marT="7620" marB="0" anchor="ctr">
+                    <a:lnL w="3175">
+                      <a:solidFill>
+                        <a:srgbClr val="B7B8B8"/>
+                      </a:solidFill>
+                      <a:prstDash val="solid"/>
+                    </a:lnL>
+                    <a:lnR w="3175">
+                      <a:solidFill>
+                        <a:srgbClr val="B7B8B8"/>
+                      </a:solidFill>
+                      <a:prstDash val="solid"/>
+                    </a:lnR>
+                    <a:lnB w="76200">
+                      <a:solidFill>
+                        <a:srgbClr val="ACD2FF"/>
+                      </a:solidFill>
+                      <a:prstDash val="solid"/>
+                    </a:lnB>
+                    <a:solidFill>
+                      <a:srgbClr val="7D7D7D"/>
+                    </a:solidFill>
+                  </a:tcPr>
+                </a:tc>
+                <a:tc gridSpan="2">
+                  <a:txBody>
+                    <a:bodyPr/>
+                    <a:lstStyle/>
+                    <a:p>
+                      <a:pPr marL="2540" algn="ctr">
+                        <a:lnSpc>
+                          <a:spcPct val="100000"/>
+                        </a:lnSpc>
+                        <a:spcBef>
+                          <a:spcPts val="0"/>
+                        </a:spcBef>
+                      </a:pPr>
                       <a:r>
-                        <a:rPr lang="en-US" sz="1000" spc="0" dirty="0">
+                        <a:rPr lang="it-IT" sz="1000" dirty="0">
                           <a:solidFill>
                             <a:srgbClr val="FFFFFF"/>
                           </a:solidFill>
                           <a:latin typeface="Adobe Clean"/>
                           <a:cs typeface="Adobe Clean"/>
                         </a:rPr>
-                        <a:t> </a:t>
+                        <a:t>Supporto Enterprise</a:t>
                       </a:r>
+                    </a:p>
+                  </a:txBody>
+                  <a:tcPr marL="0" marR="0" marT="7620" marB="0" anchor="ctr">
+                    <a:lnL w="3175">
+                      <a:solidFill>
+                        <a:srgbClr val="B7B8B8"/>
+                      </a:solidFill>
+                      <a:prstDash val="solid"/>
+                    </a:lnL>
+                    <a:lnR w="3175">
+                      <a:solidFill>
+                        <a:srgbClr val="B7B8B8"/>
+                      </a:solidFill>
+                      <a:prstDash val="solid"/>
+                    </a:lnR>
+                    <a:lnB w="76200">
+                      <a:solidFill>
+                        <a:srgbClr val="2E8FFF"/>
+                      </a:solidFill>
+                      <a:prstDash val="solid"/>
+                    </a:lnB>
+                    <a:solidFill>
+                      <a:srgbClr val="404040"/>
+                    </a:solidFill>
+                  </a:tcPr>
+                </a:tc>
+                <a:tc hMerge="1">
+                  <a:txBody>
+                    <a:bodyPr/>
+                    <a:lstStyle/>
+                    <a:p>
+                      <a:pPr marL="635" algn="ctr">
+                        <a:lnSpc>
+                          <a:spcPct val="100000"/>
+                        </a:lnSpc>
+                        <a:spcBef>
+                          <a:spcPts val="60"/>
+                        </a:spcBef>
+                      </a:pPr>
                       <a:r>
-                        <a:rPr sz="1000" spc="0" dirty="0">
+                        <a:rPr lang="it-IT" sz="900">
                           <a:solidFill>
                             <a:srgbClr val="FFFFFF"/>
                           </a:solidFill>
                           <a:latin typeface="Adobe Clean"/>
                           <a:cs typeface="Adobe Clean"/>
                         </a:rPr>
-                        <a:t>Support</a:t>
+                        <a:t>Supporto Enterprise</a:t>
                       </a:r>
-                      <a:endParaRPr sz="1000" spc="0" dirty="0">
-                        <a:latin typeface="Adobe Clean"/>
-                        <a:cs typeface="Adobe Clean"/>
-                      </a:endParaRPr>
                     </a:p>
                   </a:txBody>
                   <a:tcPr marL="0" marR="0" marT="7620" marB="0" anchor="ctr">
@@ -2367,21 +2335,21 @@
                     </a:lnR>
                     <a:lnB w="76200">
                       <a:solidFill>
-                        <a:srgbClr val="ACD2FF"/>
+                        <a:srgbClr val="2E8FFF"/>
                       </a:solidFill>
                       <a:prstDash val="solid"/>
                     </a:lnB>
                     <a:solidFill>
-                      <a:srgbClr val="7D7D7D"/>
+                      <a:srgbClr val="404040"/>
                     </a:solidFill>
                   </a:tcPr>
                 </a:tc>
-                <a:tc gridSpan="2">
-                  <a:txBody>
-                    <a:bodyPr/>
-                    <a:lstStyle/>
-                    <a:p>
-                      <a:pPr marL="2540" algn="ctr">
+                <a:tc>
+                  <a:txBody>
+                    <a:bodyPr/>
+                    <a:lstStyle/>
+                    <a:p>
+                      <a:pPr marL="635" algn="ctr">
                         <a:lnSpc>
                           <a:spcPct val="100000"/>
                         </a:lnSpc>
@@ -2390,165 +2358,15 @@
                         </a:spcBef>
                       </a:pPr>
                       <a:r>
-                        <a:rPr lang="en-US" sz="1000" spc="0" dirty="0">
+                        <a:rPr lang="it-IT" sz="1000">
                           <a:solidFill>
                             <a:srgbClr val="FFFFFF"/>
                           </a:solidFill>
                           <a:latin typeface="Adobe Clean"/>
                           <a:cs typeface="Adobe Clean"/>
                         </a:rPr>
-                        <a:t>Enterprise Support</a:t>
+                        <a:t>Supporto Elite</a:t>
                       </a:r>
-                      <a:endParaRPr sz="1000" spc="0" dirty="0">
-                        <a:latin typeface="Adobe Clean"/>
-                        <a:cs typeface="Adobe Clean"/>
-                      </a:endParaRPr>
-                    </a:p>
-                  </a:txBody>
-                  <a:tcPr marL="0" marR="0" marT="7620" marB="0" anchor="ctr">
-                    <a:lnL w="3175">
-                      <a:solidFill>
-                        <a:srgbClr val="B7B8B8"/>
-                      </a:solidFill>
-                      <a:prstDash val="solid"/>
-                    </a:lnL>
-                    <a:lnR w="3175">
-                      <a:solidFill>
-                        <a:srgbClr val="B7B8B8"/>
-                      </a:solidFill>
-                      <a:prstDash val="solid"/>
-                    </a:lnR>
-                    <a:lnB w="76200">
-                      <a:solidFill>
-                        <a:srgbClr val="2E8FFF"/>
-                      </a:solidFill>
-                      <a:prstDash val="solid"/>
-                    </a:lnB>
-                    <a:solidFill>
-                      <a:srgbClr val="404040"/>
-                    </a:solidFill>
-                  </a:tcPr>
-                </a:tc>
-                <a:tc hMerge="1">
-                  <a:txBody>
-                    <a:bodyPr/>
-                    <a:lstStyle/>
-                    <a:p>
-                      <a:pPr marL="635" algn="ctr">
-                        <a:lnSpc>
-                          <a:spcPct val="100000"/>
-                        </a:lnSpc>
-                        <a:spcBef>
-                          <a:spcPts val="60"/>
-                        </a:spcBef>
-                      </a:pPr>
-                      <a:r>
-                        <a:rPr sz="900" spc="-20">
-                          <a:solidFill>
-                            <a:srgbClr val="FFFFFF"/>
-                          </a:solidFill>
-                          <a:latin typeface="Adobe Clean"/>
-                          <a:cs typeface="Adobe Clean"/>
-                        </a:rPr>
-                        <a:t>Enterprise</a:t>
-                      </a:r>
-                      <a:r>
-                        <a:rPr lang="en-US" sz="900" spc="-20">
-                          <a:solidFill>
-                            <a:srgbClr val="FFFFFF"/>
-                          </a:solidFill>
-                          <a:latin typeface="Adobe Clean"/>
-                          <a:cs typeface="Adobe Clean"/>
-                        </a:rPr>
-                        <a:t> </a:t>
-                      </a:r>
-                      <a:r>
-                        <a:rPr sz="900" spc="-20">
-                          <a:solidFill>
-                            <a:srgbClr val="FFFFFF"/>
-                          </a:solidFill>
-                          <a:latin typeface="Adobe Clean"/>
-                          <a:cs typeface="Adobe Clean"/>
-                        </a:rPr>
-                        <a:t>Support</a:t>
-                      </a:r>
-                      <a:endParaRPr sz="900">
-                        <a:latin typeface="Adobe Clean"/>
-                        <a:cs typeface="Adobe Clean"/>
-                      </a:endParaRPr>
-                    </a:p>
-                  </a:txBody>
-                  <a:tcPr marL="0" marR="0" marT="7620" marB="0" anchor="ctr">
-                    <a:lnL w="3175">
-                      <a:solidFill>
-                        <a:srgbClr val="B7B8B8"/>
-                      </a:solidFill>
-                      <a:prstDash val="solid"/>
-                    </a:lnL>
-                    <a:lnR w="3175">
-                      <a:solidFill>
-                        <a:srgbClr val="B7B8B8"/>
-                      </a:solidFill>
-                      <a:prstDash val="solid"/>
-                    </a:lnR>
-                    <a:lnB w="76200">
-                      <a:solidFill>
-                        <a:srgbClr val="2E8FFF"/>
-                      </a:solidFill>
-                      <a:prstDash val="solid"/>
-                    </a:lnB>
-                    <a:solidFill>
-                      <a:srgbClr val="404040"/>
-                    </a:solidFill>
-                  </a:tcPr>
-                </a:tc>
-                <a:tc>
-                  <a:txBody>
-                    <a:bodyPr/>
-                    <a:lstStyle/>
-                    <a:p>
-                      <a:pPr marL="635" algn="ctr">
-                        <a:lnSpc>
-                          <a:spcPct val="100000"/>
-                        </a:lnSpc>
-                        <a:spcBef>
-                          <a:spcPts val="60"/>
-                        </a:spcBef>
-                      </a:pPr>
-                      <a:r>
-                        <a:rPr sz="1000" spc="0" dirty="0">
-                          <a:solidFill>
-                            <a:srgbClr val="FFFFFF"/>
-                          </a:solidFill>
-                          <a:latin typeface="Adobe Clean"/>
-                          <a:cs typeface="Adobe Clean"/>
-                        </a:rPr>
-                        <a:t>Elite</a:t>
-                      </a:r>
-                      <a:r>
-                        <a:rPr lang="en-US" sz="1000" spc="0" dirty="0">
-                          <a:solidFill>
-                            <a:srgbClr val="FFFFFF"/>
-                          </a:solidFill>
-                          <a:latin typeface="Adobe Clean"/>
-                          <a:cs typeface="Adobe Clean"/>
-                        </a:rPr>
-                        <a:t> </a:t>
-                      </a:r>
-                      <a:r>
-                        <a:rPr sz="1000" spc="0" dirty="0">
-                          <a:solidFill>
-                            <a:srgbClr val="FFFFFF"/>
-                          </a:solidFill>
-                          <a:latin typeface="Adobe Clean"/>
-                          <a:cs typeface="Adobe Clean"/>
-                        </a:rPr>
-                        <a:t>Support</a:t>
-                      </a:r>
-                      <a:endParaRPr sz="1000" spc="0" dirty="0">
-                        <a:latin typeface="Adobe Clean"/>
-                        <a:cs typeface="Adobe Clean"/>
-                      </a:endParaRPr>
                     </a:p>
                   </a:txBody>
                   <a:tcPr marL="0" marR="0" marT="7620" marB="0" anchor="ctr">
@@ -2601,7 +2419,7 @@
                     <a:bodyPr/>
                     <a:lstStyle/>
                     <a:p>
-                      <a:pPr marL="255904" marR="248920" indent="-25400">
+                      <a:pPr marL="255904" marR="248920" indent="-25400" algn="l" rtl="0">
                         <a:lnSpc>
                           <a:spcPct val="100000"/>
                         </a:lnSpc>
@@ -2646,7 +2464,7 @@
                     <a:bodyPr/>
                     <a:lstStyle/>
                     <a:p>
-                      <a:pPr marL="934085">
+                      <a:pPr marL="0" indent="0" algn="ctr">
                         <a:lnSpc>
                           <a:spcPct val="100000"/>
                         </a:lnSpc>
@@ -2655,49 +2473,15 @@
                         </a:spcBef>
                       </a:pPr>
                       <a:r>
-                        <a:rPr lang="en-US" sz="1000" b="1" i="1" spc="0" dirty="0">
+                        <a:rPr lang="it-IT" sz="1000" b="1" i="1" dirty="0">
                           <a:solidFill>
                             <a:srgbClr val="FFFFFF"/>
                           </a:solidFill>
                           <a:latin typeface="Adobe Clean" panose="020B0503020404020204" pitchFamily="34" charset="0"/>
                           <a:cs typeface="Adobe Clean"/>
                         </a:rPr>
-                        <a:t>Paid</a:t>
+                        <a:t>Livelli di supporto a pagamento ($)</a:t>
                       </a:r>
-                      <a:r>
-                        <a:rPr sz="1000" b="1" i="1" spc="0" dirty="0">
-                          <a:solidFill>
-                            <a:srgbClr val="FFFFFF"/>
-                          </a:solidFill>
-                          <a:latin typeface="Adobe Clean" panose="020B0503020404020204" pitchFamily="34" charset="0"/>
-                          <a:cs typeface="Adobe Clean"/>
-                        </a:rPr>
-                        <a:t> Support Levels</a:t>
-                      </a:r>
-                      <a:r>
-                        <a:rPr lang="en-US" sz="1000" b="1" i="1" spc="0" dirty="0">
-                          <a:solidFill>
-                            <a:srgbClr val="FFFFFF"/>
-                          </a:solidFill>
-                          <a:latin typeface="Adobe Clean" panose="020B0503020404020204" pitchFamily="34" charset="0"/>
-                          <a:cs typeface="Adobe Clean"/>
-                        </a:rPr>
-                        <a:t> </a:t>
-                      </a:r>
-                      <a:r>
-                        <a:rPr sz="1000" b="1" i="1" spc="0" dirty="0">
-                          <a:solidFill>
-                            <a:srgbClr val="FFFFFF"/>
-                          </a:solidFill>
-                          <a:latin typeface="Adobe Clean" panose="020B0503020404020204" pitchFamily="34" charset="0"/>
-                          <a:cs typeface="Adobe Clean"/>
-                        </a:rPr>
-                        <a:t>($)</a:t>
-                      </a:r>
-                      <a:endParaRPr sz="1000" b="1" spc="0" dirty="0">
-                        <a:latin typeface="Adobe Clean" panose="020B0503020404020204" pitchFamily="34" charset="0"/>
-                        <a:cs typeface="Adobe Clean"/>
-                      </a:endParaRPr>
                     </a:p>
                   </a:txBody>
                   <a:tcPr marL="0" marR="0" marT="82550" marB="0" anchor="ctr">
@@ -2784,22 +2568,15 @@
                         </a:spcBef>
                       </a:pPr>
                       <a:r>
-                        <a:rPr lang="en-US" sz="1200" b="1" i="0" spc="0" dirty="0">
+                        <a:rPr lang="it-IT" sz="1200" b="1" i="0">
                           <a:solidFill>
                             <a:schemeClr val="bg1"/>
                           </a:solidFill>
                           <a:latin typeface="Adobe Clean" panose="020B0503020404020204" pitchFamily="34" charset="0"/>
                           <a:cs typeface="AdobeClean-Light"/>
                         </a:rPr>
-                        <a:t>Assigned Experts</a:t>
+                        <a:t>Esperti assegnati</a:t>
                       </a:r>
-                      <a:endParaRPr sz="1200" b="1" i="0" spc="0" dirty="0">
-                        <a:solidFill>
-                          <a:schemeClr val="bg1"/>
-                        </a:solidFill>
-                        <a:latin typeface="Adobe Clean" panose="020B0503020404020204" pitchFamily="34" charset="0"/>
-                        <a:cs typeface="AdobeClean-Light"/>
-                      </a:endParaRPr>
                     </a:p>
                   </a:txBody>
                   <a:tcPr marL="0" marR="0" marT="58419" marB="0" anchor="ctr">
@@ -2846,29 +2623,15 @@
                         </a:spcBef>
                       </a:pPr>
                       <a:r>
-                        <a:rPr sz="1100" b="0" i="0" spc="0" dirty="0">
+                        <a:rPr lang="it-IT" sz="1100" b="0" i="0">
                           <a:solidFill>
                             <a:srgbClr val="020302"/>
                           </a:solidFill>
                           <a:latin typeface="Adobe Clean Light" panose="020B0303020404020204" pitchFamily="34" charset="0"/>
                           <a:cs typeface="AdobeClean-Light"/>
                         </a:rPr>
-                        <a:t>Account </a:t>
+                        <a:t>Account Support Lead</a:t>
                       </a:r>
-                      <a:r>
-                        <a:rPr lang="en-US" sz="1100" b="0" i="0" spc="0" dirty="0">
-                          <a:solidFill>
-                            <a:srgbClr val="020302"/>
-                          </a:solidFill>
-                          <a:latin typeface="Adobe Clean Light" panose="020B0303020404020204" pitchFamily="34" charset="0"/>
-                          <a:cs typeface="AdobeClean-Light"/>
-                        </a:rPr>
-                        <a:t>Support Lead</a:t>
-                      </a:r>
-                      <a:endParaRPr sz="1100" b="0" i="0" spc="0" dirty="0">
-                        <a:latin typeface="Adobe Clean Light" panose="020B0303020404020204" pitchFamily="34" charset="0"/>
-                        <a:cs typeface="AdobeClean-Light"/>
-                      </a:endParaRPr>
                     </a:p>
                   </a:txBody>
                   <a:tcPr marL="0" marR="0" marT="58419" marB="0">
@@ -2897,7 +2660,7 @@
                     <a:bodyPr/>
                     <a:lstStyle/>
                     <a:p>
-                      <a:pPr>
+                      <a:pPr algn="l" rtl="0">
                         <a:lnSpc>
                           <a:spcPct val="100000"/>
                         </a:lnSpc>
@@ -2945,7 +2708,7 @@
                         </a:spcBef>
                       </a:pPr>
                       <a:r>
-                        <a:rPr sz="1100" spc="0" dirty="0">
+                        <a:rPr lang="it-IT" sz="1100">
                           <a:solidFill>
                             <a:srgbClr val="020302"/>
                           </a:solidFill>
@@ -2954,10 +2717,6 @@
                         </a:rPr>
                         <a:t></a:t>
                       </a:r>
-                      <a:endParaRPr sz="1100" spc="0" dirty="0">
-                        <a:latin typeface="Wingdings"/>
-                        <a:cs typeface="Wingdings"/>
-                      </a:endParaRPr>
                     </a:p>
                   </a:txBody>
                   <a:tcPr marL="0" marR="0" marT="59690" marB="0">
@@ -2974,7 +2733,7 @@
                     <a:bodyPr/>
                     <a:lstStyle/>
                     <a:p>
-                      <a:pPr algn="ctr">
+                      <a:pPr algn="l" rtl="0">
                         <a:lnSpc>
                           <a:spcPct val="100000"/>
                         </a:lnSpc>
@@ -3005,7 +2764,7 @@
                     <a:bodyPr/>
                     <a:lstStyle/>
                     <a:p>
-                      <a:pPr>
+                      <a:pPr algn="l" rtl="0">
                         <a:lnSpc>
                           <a:spcPct val="100000"/>
                         </a:lnSpc>
@@ -3030,7 +2789,7 @@
                     <a:bodyPr/>
                     <a:lstStyle/>
                     <a:p>
-                      <a:pPr>
+                      <a:pPr algn="l" rtl="0">
                         <a:lnSpc>
                           <a:spcPct val="100000"/>
                         </a:lnSpc>
@@ -3068,7 +2827,7 @@
                     <a:bodyPr/>
                     <a:lstStyle/>
                     <a:p>
-                      <a:pPr marL="50800">
+                      <a:pPr marL="50800" algn="l" rtl="0">
                         <a:lnSpc>
                           <a:spcPct val="100000"/>
                         </a:lnSpc>
@@ -3114,7 +2873,7 @@
                         </a:spcBef>
                       </a:pPr>
                       <a:r>
-                        <a:rPr sz="1100" b="0" i="0" spc="0" dirty="0">
+                        <a:rPr lang="it-IT" sz="1100" b="0" i="0">
                           <a:solidFill>
                             <a:srgbClr val="020302"/>
                           </a:solidFill>
@@ -3123,10 +2882,6 @@
                         </a:rPr>
                         <a:t>Named Support Engineer</a:t>
                       </a:r>
-                      <a:endParaRPr sz="1100" b="0" i="0" spc="0" dirty="0">
-                        <a:latin typeface="Adobe Clean Light"/>
-                        <a:cs typeface="AdobeClean-Light"/>
-                      </a:endParaRPr>
                     </a:p>
                   </a:txBody>
                   <a:tcPr marL="0" marR="0" marT="58419" marB="0">
@@ -3149,7 +2904,7 @@
                     <a:bodyPr/>
                     <a:lstStyle/>
                     <a:p>
-                      <a:pPr>
+                      <a:pPr algn="l" rtl="0">
                         <a:lnSpc>
                           <a:spcPct val="100000"/>
                         </a:lnSpc>
@@ -3182,7 +2937,7 @@
                     <a:bodyPr/>
                     <a:lstStyle/>
                     <a:p>
-                      <a:pPr>
+                      <a:pPr algn="l" rtl="0">
                         <a:lnSpc>
                           <a:spcPct val="100000"/>
                         </a:lnSpc>
@@ -3200,7 +2955,7 @@
                     <a:bodyPr/>
                     <a:lstStyle/>
                     <a:p>
-                      <a:pPr>
+                      <a:pPr algn="l" rtl="0">
                         <a:lnSpc>
                           <a:spcPct val="100000"/>
                         </a:lnSpc>
@@ -3227,7 +2982,7 @@
                         </a:spcBef>
                       </a:pPr>
                       <a:r>
-                        <a:rPr sz="1100" spc="0" dirty="0">
+                        <a:rPr lang="it-IT" sz="1100">
                           <a:solidFill>
                             <a:srgbClr val="020302"/>
                           </a:solidFill>
@@ -3236,10 +2991,6 @@
                         </a:rPr>
                         <a:t></a:t>
                       </a:r>
-                      <a:endParaRPr sz="1100" spc="0" dirty="0">
-                        <a:latin typeface="Wingdings"/>
-                        <a:cs typeface="Wingdings"/>
-                      </a:endParaRPr>
                     </a:p>
                   </a:txBody>
                   <a:tcPr marL="0" marR="0" marT="59055" marB="0"/>
@@ -3258,7 +3009,7 @@
                         </a:spcBef>
                       </a:pPr>
                       <a:r>
-                        <a:rPr sz="1100" spc="0" dirty="0">
+                        <a:rPr lang="it-IT" sz="1100">
                           <a:solidFill>
                             <a:srgbClr val="020302"/>
                           </a:solidFill>
@@ -3267,10 +3018,6 @@
                         </a:rPr>
                         <a:t></a:t>
                       </a:r>
-                      <a:endParaRPr sz="1100" spc="0" dirty="0">
-                        <a:latin typeface="Wingdings"/>
-                        <a:cs typeface="Wingdings"/>
-                      </a:endParaRPr>
                     </a:p>
                   </a:txBody>
                   <a:tcPr marL="0" marR="0" marT="59055" marB="0">
@@ -3294,7 +3041,7 @@
                     <a:bodyPr/>
                     <a:lstStyle/>
                     <a:p>
-                      <a:pPr marL="50800">
+                      <a:pPr marL="50800" algn="l" rtl="0">
                         <a:lnSpc>
                           <a:spcPct val="100000"/>
                         </a:lnSpc>
@@ -3352,7 +3099,7 @@
                         </a:spcBef>
                       </a:pPr>
                       <a:r>
-                        <a:rPr sz="1100" b="0" i="0" spc="0" dirty="0">
+                        <a:rPr lang="it-IT" sz="1100" b="0" i="0">
                           <a:solidFill>
                             <a:srgbClr val="020302"/>
                           </a:solidFill>
@@ -3361,10 +3108,6 @@
                         </a:rPr>
                         <a:t>Technical Account Manager</a:t>
                       </a:r>
-                      <a:endParaRPr sz="1100" b="0" i="0" spc="0" dirty="0">
-                        <a:latin typeface="Adobe Clean Light"/>
-                        <a:cs typeface="AdobeClean-Light"/>
-                      </a:endParaRPr>
                     </a:p>
                   </a:txBody>
                   <a:tcPr marL="0" marR="0" marT="63500" marB="0">
@@ -3393,7 +3136,7 @@
                     <a:bodyPr/>
                     <a:lstStyle/>
                     <a:p>
-                      <a:pPr>
+                      <a:pPr algn="l" rtl="0">
                         <a:lnSpc>
                           <a:spcPct val="100000"/>
                         </a:lnSpc>
@@ -3435,7 +3178,7 @@
                     <a:bodyPr/>
                     <a:lstStyle/>
                     <a:p>
-                      <a:pPr>
+                      <a:pPr algn="l" rtl="0">
                         <a:lnSpc>
                           <a:spcPct val="100000"/>
                         </a:lnSpc>
@@ -3463,7 +3206,7 @@
                     <a:bodyPr/>
                     <a:lstStyle/>
                     <a:p>
-                      <a:pPr>
+                      <a:pPr algn="l" rtl="0">
                         <a:lnSpc>
                           <a:spcPct val="100000"/>
                         </a:lnSpc>
@@ -3491,7 +3234,7 @@
                     <a:bodyPr/>
                     <a:lstStyle/>
                     <a:p>
-                      <a:pPr>
+                      <a:pPr algn="l" rtl="0">
                         <a:lnSpc>
                           <a:spcPct val="100000"/>
                         </a:lnSpc>
@@ -3528,7 +3271,7 @@
                         </a:spcBef>
                       </a:pPr>
                       <a:r>
-                        <a:rPr sz="1100" spc="0" dirty="0">
+                        <a:rPr lang="it-IT" sz="1100">
                           <a:solidFill>
                             <a:srgbClr val="020302"/>
                           </a:solidFill>
@@ -3537,10 +3280,6 @@
                         </a:rPr>
                         <a:t></a:t>
                       </a:r>
-                      <a:endParaRPr sz="1100" spc="0" dirty="0">
-                        <a:latin typeface="Wingdings"/>
-                        <a:cs typeface="Wingdings"/>
-                      </a:endParaRPr>
                     </a:p>
                   </a:txBody>
                   <a:tcPr marL="0" marR="0" marT="64135" marB="0">
@@ -3582,22 +3321,15 @@
                         </a:spcBef>
                       </a:pPr>
                       <a:r>
-                        <a:rPr lang="en-US" sz="1200" b="1" i="0" spc="0" dirty="0">
+                        <a:rPr lang="it-IT" sz="1200" b="1" i="0">
                           <a:solidFill>
                             <a:schemeClr val="bg1"/>
                           </a:solidFill>
                           <a:latin typeface="Adobe Clean" panose="020B0503020404020204" pitchFamily="34" charset="0"/>
                           <a:cs typeface="AdobeClean-Light"/>
                         </a:rPr>
-                        <a:t>Support Services</a:t>
+                        <a:t>Servizi di assistenza</a:t>
                       </a:r>
-                      <a:endParaRPr sz="1200" b="1" i="0" spc="0" dirty="0">
-                        <a:solidFill>
-                          <a:schemeClr val="bg1"/>
-                        </a:solidFill>
-                        <a:latin typeface="Adobe Clean" panose="020B0503020404020204" pitchFamily="34" charset="0"/>
-                        <a:cs typeface="AdobeClean-Light"/>
-                      </a:endParaRPr>
                     </a:p>
                   </a:txBody>
                   <a:tcPr marL="0" marR="0" marT="57150" marB="0" anchor="ctr">
@@ -3653,19 +3385,15 @@
                         </a:spcBef>
                       </a:pPr>
                       <a:r>
-                        <a:rPr lang="en-US" sz="1100" b="0" i="0" spc="0" dirty="0">
+                        <a:rPr lang="it-IT" sz="1100" b="0" i="0">
                           <a:solidFill>
                             <a:srgbClr val="020302"/>
                           </a:solidFill>
                           <a:latin typeface="Adobe Clean Light"/>
                           <a:cs typeface="AdobeClean-Light"/>
                         </a:rPr>
-                        <a:t>24x7 Self-Help Support </a:t>
+                        <a:t>Supporto di assistenza autonoma 24x7 </a:t>
                       </a:r>
-                      <a:endParaRPr lang="en-US" sz="1100" b="0" i="0" spc="0" dirty="0">
-                        <a:latin typeface="Adobe Clean Light" panose="020B0303020404020204" pitchFamily="34" charset="0"/>
-                        <a:cs typeface="AdobeClean-Light"/>
-                      </a:endParaRPr>
                     </a:p>
                   </a:txBody>
                   <a:tcPr marL="0" marR="0" marT="57150" marB="0">
@@ -3706,7 +3434,7 @@
                         </a:spcBef>
                       </a:pPr>
                       <a:r>
-                        <a:rPr sz="1100" spc="0" dirty="0">
+                        <a:rPr lang="it-IT" sz="1100">
                           <a:solidFill>
                             <a:srgbClr val="020302"/>
                           </a:solidFill>
@@ -3715,10 +3443,6 @@
                         </a:rPr>
                         <a:t></a:t>
                       </a:r>
-                      <a:endParaRPr sz="1100" spc="0" dirty="0">
-                        <a:latin typeface="Wingdings"/>
-                        <a:cs typeface="Wingdings"/>
-                      </a:endParaRPr>
                     </a:p>
                   </a:txBody>
                   <a:tcPr marL="0" marR="0" marT="58419" marB="0">
@@ -3758,7 +3482,7 @@
                         </a:spcBef>
                       </a:pPr>
                       <a:r>
-                        <a:rPr sz="1100" spc="0" dirty="0">
+                        <a:rPr lang="it-IT" sz="1100">
                           <a:solidFill>
                             <a:srgbClr val="020302"/>
                           </a:solidFill>
@@ -3767,10 +3491,6 @@
                         </a:rPr>
                         <a:t></a:t>
                       </a:r>
-                      <a:endParaRPr sz="1100" spc="0" dirty="0">
-                        <a:latin typeface="Wingdings"/>
-                        <a:cs typeface="Wingdings"/>
-                      </a:endParaRPr>
                     </a:p>
                   </a:txBody>
                   <a:tcPr marL="0" marR="0" marT="58419" marB="0">
@@ -3787,7 +3507,7 @@
                     <a:bodyPr/>
                     <a:lstStyle/>
                     <a:p>
-                      <a:pPr algn="ctr">
+                      <a:pPr algn="l" rtl="0">
                         <a:lnSpc>
                           <a:spcPct val="100000"/>
                         </a:lnSpc>
@@ -3827,7 +3547,7 @@
                         </a:spcBef>
                       </a:pPr>
                       <a:r>
-                        <a:rPr sz="1100" spc="0" dirty="0">
+                        <a:rPr lang="it-IT" sz="1100">
                           <a:solidFill>
                             <a:srgbClr val="020302"/>
                           </a:solidFill>
@@ -3836,10 +3556,6 @@
                         </a:rPr>
                         <a:t></a:t>
                       </a:r>
-                      <a:endParaRPr sz="1100" spc="0" dirty="0">
-                        <a:latin typeface="Wingdings"/>
-                        <a:cs typeface="Wingdings"/>
-                      </a:endParaRPr>
                     </a:p>
                   </a:txBody>
                   <a:tcPr marL="0" marR="0" marT="58419" marB="0">
@@ -3865,7 +3581,7 @@
                         </a:spcBef>
                       </a:pPr>
                       <a:r>
-                        <a:rPr sz="1100" spc="0" dirty="0">
+                        <a:rPr lang="it-IT" sz="1100">
                           <a:solidFill>
                             <a:srgbClr val="020302"/>
                           </a:solidFill>
@@ -3874,10 +3590,6 @@
                         </a:rPr>
                         <a:t></a:t>
                       </a:r>
-                      <a:endParaRPr sz="1100" spc="0" dirty="0">
-                        <a:latin typeface="Wingdings"/>
-                        <a:cs typeface="Wingdings"/>
-                      </a:endParaRPr>
                     </a:p>
                   </a:txBody>
                   <a:tcPr marL="0" marR="0" marT="58419" marB="0">
@@ -3907,7 +3619,7 @@
                     <a:bodyPr/>
                     <a:lstStyle/>
                     <a:p>
-                      <a:pPr marL="50800">
+                      <a:pPr marL="50800" algn="l" rtl="0">
                         <a:lnSpc>
                           <a:spcPct val="100000"/>
                         </a:lnSpc>
@@ -3956,19 +3668,15 @@
                         </a:spcBef>
                       </a:pPr>
                       <a:r>
-                        <a:rPr lang="en-US" sz="1100" b="0" i="0" spc="0" dirty="0">
+                        <a:rPr lang="it-IT" sz="1100" b="0" i="0">
                           <a:solidFill>
                             <a:srgbClr val="020302"/>
                           </a:solidFill>
                           <a:latin typeface="Adobe Clean Light" panose="020B0303020404020204" pitchFamily="34" charset="0"/>
                           <a:cs typeface="AdobeClean-Light"/>
                         </a:rPr>
-                        <a:t>24x7 Support via Chat / Phone</a:t>
+                        <a:t>Supporto 24x7 via chat/telefono</a:t>
                       </a:r>
-                      <a:endParaRPr sz="1100" b="0" i="0" spc="0" dirty="0">
-                        <a:latin typeface="Adobe Clean Light" panose="020B0303020404020204" pitchFamily="34" charset="0"/>
-                        <a:cs typeface="AdobeClean-Light"/>
-                      </a:endParaRPr>
                     </a:p>
                   </a:txBody>
                   <a:tcPr marL="0" marR="0" marT="57785" marB="0">
@@ -4003,7 +3711,7 @@
                         </a:spcBef>
                       </a:pPr>
                       <a:r>
-                        <a:rPr sz="1100" spc="0" dirty="0">
+                        <a:rPr lang="it-IT" sz="1100">
                           <a:solidFill>
                             <a:srgbClr val="020302"/>
                           </a:solidFill>
@@ -4012,10 +3720,6 @@
                         </a:rPr>
                         <a:t></a:t>
                       </a:r>
-                      <a:endParaRPr sz="1100" spc="0" dirty="0">
-                        <a:latin typeface="Wingdings"/>
-                        <a:cs typeface="Wingdings"/>
-                      </a:endParaRPr>
                     </a:p>
                   </a:txBody>
                   <a:tcPr marL="0" marR="0" marT="58419" marB="0">
@@ -4049,7 +3753,7 @@
                         </a:spcBef>
                       </a:pPr>
                       <a:r>
-                        <a:rPr sz="1100" spc="0" dirty="0">
+                        <a:rPr lang="it-IT" sz="1100">
                           <a:solidFill>
                             <a:srgbClr val="020302"/>
                           </a:solidFill>
@@ -4058,10 +3762,6 @@
                         </a:rPr>
                         <a:t></a:t>
                       </a:r>
-                      <a:endParaRPr sz="1100" spc="0" dirty="0">
-                        <a:latin typeface="Wingdings"/>
-                        <a:cs typeface="Wingdings"/>
-                      </a:endParaRPr>
                     </a:p>
                   </a:txBody>
                   <a:tcPr marL="0" marR="0" marT="58419" marB="0"/>
@@ -4071,7 +3771,7 @@
                     <a:bodyPr/>
                     <a:lstStyle/>
                     <a:p>
-                      <a:pPr algn="ctr">
+                      <a:pPr algn="l" rtl="0">
                         <a:lnSpc>
                           <a:spcPct val="100000"/>
                         </a:lnSpc>
@@ -4101,7 +3801,7 @@
                         </a:spcBef>
                       </a:pPr>
                       <a:r>
-                        <a:rPr sz="1100" spc="0" dirty="0">
+                        <a:rPr lang="it-IT" sz="1100">
                           <a:solidFill>
                             <a:srgbClr val="020302"/>
                           </a:solidFill>
@@ -4110,10 +3810,6 @@
                         </a:rPr>
                         <a:t></a:t>
                       </a:r>
-                      <a:endParaRPr sz="1100" spc="0" dirty="0">
-                        <a:latin typeface="Wingdings"/>
-                        <a:cs typeface="Wingdings"/>
-                      </a:endParaRPr>
                     </a:p>
                   </a:txBody>
                   <a:tcPr marL="0" marR="0" marT="58419" marB="0"/>
@@ -4132,7 +3828,7 @@
                         </a:spcBef>
                       </a:pPr>
                       <a:r>
-                        <a:rPr sz="1100" spc="0" dirty="0">
+                        <a:rPr lang="it-IT" sz="1100">
                           <a:solidFill>
                             <a:srgbClr val="020302"/>
                           </a:solidFill>
@@ -4141,10 +3837,6 @@
                         </a:rPr>
                         <a:t></a:t>
                       </a:r>
-                      <a:endParaRPr sz="1100" spc="0" dirty="0">
-                        <a:latin typeface="Wingdings"/>
-                        <a:cs typeface="Wingdings"/>
-                      </a:endParaRPr>
                     </a:p>
                   </a:txBody>
                   <a:tcPr marL="0" marR="0" marT="58419" marB="0">
@@ -4168,7 +3860,7 @@
                     <a:bodyPr/>
                     <a:lstStyle/>
                     <a:p>
-                      <a:pPr marL="50800">
+                      <a:pPr marL="50800" algn="l" rtl="0">
                         <a:lnSpc>
                           <a:spcPct val="100000"/>
                         </a:lnSpc>
@@ -4217,16 +3909,12 @@
                         </a:spcBef>
                       </a:pPr>
                       <a:r>
-                        <a:rPr lang="en-US" sz="1100" b="0" i="0" spc="0" dirty="0">
+                        <a:rPr lang="it-IT" sz="1100" b="0" i="0">
                           <a:latin typeface="Adobe Clean Light"/>
                           <a:cs typeface="AdobeClean-Light"/>
                         </a:rPr>
-                        <a:t>Web Case Submissions </a:t>
+                        <a:t>Presentazioni dei casi sul web </a:t>
                       </a:r>
-                      <a:endParaRPr sz="1100" b="0" i="0" spc="0" dirty="0">
-                        <a:latin typeface="Adobe Clean Light" panose="020B0303020404020204" pitchFamily="34" charset="0"/>
-                        <a:cs typeface="AdobeClean-Light"/>
-                      </a:endParaRPr>
                     </a:p>
                   </a:txBody>
                   <a:tcPr marL="0" marR="0" marT="57785" marB="0">
@@ -4261,7 +3949,7 @@
                         </a:spcBef>
                       </a:pPr>
                       <a:r>
-                        <a:rPr sz="1100" spc="0" dirty="0">
+                        <a:rPr lang="it-IT" sz="1100">
                           <a:solidFill>
                             <a:srgbClr val="020302"/>
                           </a:solidFill>
@@ -4270,10 +3958,6 @@
                         </a:rPr>
                         <a:t></a:t>
                       </a:r>
-                      <a:endParaRPr sz="1100" spc="0" dirty="0">
-                        <a:latin typeface="Wingdings"/>
-                        <a:cs typeface="Wingdings"/>
-                      </a:endParaRPr>
                     </a:p>
                   </a:txBody>
                   <a:tcPr marL="0" marR="0" marT="58419" marB="0">
@@ -4307,7 +3991,7 @@
                         </a:spcBef>
                       </a:pPr>
                       <a:r>
-                        <a:rPr sz="1100" spc="0" dirty="0">
+                        <a:rPr lang="it-IT" sz="1100">
                           <a:solidFill>
                             <a:srgbClr val="020302"/>
                           </a:solidFill>
@@ -4316,10 +4000,6 @@
                         </a:rPr>
                         <a:t></a:t>
                       </a:r>
-                      <a:endParaRPr sz="1100" spc="0" dirty="0">
-                        <a:latin typeface="Wingdings"/>
-                        <a:cs typeface="Wingdings"/>
-                      </a:endParaRPr>
                     </a:p>
                   </a:txBody>
                   <a:tcPr marL="0" marR="0" marT="58419" marB="0"/>
@@ -4329,7 +4009,7 @@
                     <a:bodyPr/>
                     <a:lstStyle/>
                     <a:p>
-                      <a:pPr algn="ctr">
+                      <a:pPr algn="l" rtl="0">
                         <a:lnSpc>
                           <a:spcPct val="100000"/>
                         </a:lnSpc>
@@ -4359,7 +4039,7 @@
                         </a:spcBef>
                       </a:pPr>
                       <a:r>
-                        <a:rPr sz="1100" spc="0" dirty="0">
+                        <a:rPr lang="it-IT" sz="1100">
                           <a:solidFill>
                             <a:srgbClr val="020302"/>
                           </a:solidFill>
@@ -4368,10 +4048,6 @@
                         </a:rPr>
                         <a:t></a:t>
                       </a:r>
-                      <a:endParaRPr sz="1100" spc="0" dirty="0">
-                        <a:latin typeface="Wingdings"/>
-                        <a:cs typeface="Wingdings"/>
-                      </a:endParaRPr>
                     </a:p>
                   </a:txBody>
                   <a:tcPr marL="0" marR="0" marT="58419" marB="0"/>
@@ -4390,7 +4066,7 @@
                         </a:spcBef>
                       </a:pPr>
                       <a:r>
-                        <a:rPr sz="1100" spc="0" dirty="0">
+                        <a:rPr lang="it-IT" sz="1100">
                           <a:solidFill>
                             <a:srgbClr val="020302"/>
                           </a:solidFill>
@@ -4399,10 +4075,6 @@
                         </a:rPr>
                         <a:t></a:t>
                       </a:r>
-                      <a:endParaRPr sz="1100" spc="0" dirty="0">
-                        <a:latin typeface="Wingdings"/>
-                        <a:cs typeface="Wingdings"/>
-                      </a:endParaRPr>
                     </a:p>
                   </a:txBody>
                   <a:tcPr marL="0" marR="0" marT="58419" marB="0">
@@ -4426,7 +4098,7 @@
                     <a:bodyPr/>
                     <a:lstStyle/>
                     <a:p>
-                      <a:pPr marL="50800">
+                      <a:pPr marL="50800" algn="l" rtl="0">
                         <a:lnSpc>
                           <a:spcPct val="100000"/>
                         </a:lnSpc>
@@ -4484,19 +4156,15 @@
                         </a:spcBef>
                       </a:pPr>
                       <a:r>
-                        <a:rPr lang="en-US" sz="1100" b="0" i="0" spc="0" dirty="0">
+                        <a:rPr lang="it-IT" sz="1100" b="0" i="0">
                           <a:solidFill>
                             <a:srgbClr val="020302"/>
                           </a:solidFill>
                           <a:latin typeface="Adobe Clean Light"/>
                           <a:cs typeface="AdobeClean-Light"/>
                         </a:rPr>
-                        <a:t>Priority Case Routing</a:t>
+                        <a:t>Instradamento dei casi prioritari</a:t>
                       </a:r>
-                      <a:endParaRPr sz="1100" b="0" i="0" spc="0" dirty="0">
-                        <a:latin typeface="Adobe Clean Light"/>
-                        <a:cs typeface="AdobeClean-Light"/>
-                      </a:endParaRPr>
                     </a:p>
                   </a:txBody>
                   <a:tcPr marL="0" marR="0" marT="58419" marB="0">
@@ -4525,7 +4193,7 @@
                     <a:bodyPr/>
                     <a:lstStyle/>
                     <a:p>
-                      <a:pPr>
+                      <a:pPr algn="l" rtl="0">
                         <a:lnSpc>
                           <a:spcPct val="100000"/>
                         </a:lnSpc>
@@ -4567,7 +4235,7 @@
                         </a:spcBef>
                       </a:pPr>
                       <a:r>
-                        <a:rPr sz="1100" spc="0" dirty="0">
+                        <a:rPr lang="it-IT" sz="1100">
                           <a:solidFill>
                             <a:srgbClr val="020302"/>
                           </a:solidFill>
@@ -4576,10 +4244,6 @@
                         </a:rPr>
                         <a:t></a:t>
                       </a:r>
-                      <a:endParaRPr sz="1100" spc="0" dirty="0">
-                        <a:latin typeface="Wingdings"/>
-                        <a:cs typeface="Wingdings"/>
-                      </a:endParaRPr>
                     </a:p>
                   </a:txBody>
                   <a:tcPr marL="0" marR="0" marT="59690" marB="0"/>
@@ -4589,7 +4253,7 @@
                     <a:bodyPr/>
                     <a:lstStyle/>
                     <a:p>
-                      <a:pPr algn="ctr">
+                      <a:pPr algn="l" rtl="0">
                         <a:lnSpc>
                           <a:spcPct val="100000"/>
                         </a:lnSpc>
@@ -4619,7 +4283,7 @@
                         </a:spcBef>
                       </a:pPr>
                       <a:r>
-                        <a:rPr sz="1100" spc="0" dirty="0">
+                        <a:rPr lang="it-IT" sz="1100">
                           <a:solidFill>
                             <a:srgbClr val="020302"/>
                           </a:solidFill>
@@ -4628,10 +4292,6 @@
                         </a:rPr>
                         <a:t></a:t>
                       </a:r>
-                      <a:endParaRPr sz="1100" spc="0" dirty="0">
-                        <a:latin typeface="Wingdings"/>
-                        <a:cs typeface="Wingdings"/>
-                      </a:endParaRPr>
                     </a:p>
                   </a:txBody>
                   <a:tcPr marL="0" marR="0" marT="59690" marB="0"/>
@@ -4650,7 +4310,7 @@
                         </a:spcBef>
                       </a:pPr>
                       <a:r>
-                        <a:rPr sz="1100" spc="0" dirty="0">
+                        <a:rPr lang="it-IT" sz="1100">
                           <a:solidFill>
                             <a:srgbClr val="020302"/>
                           </a:solidFill>
@@ -4659,10 +4319,6 @@
                         </a:rPr>
                         <a:t></a:t>
                       </a:r>
-                      <a:endParaRPr sz="1100" spc="0" dirty="0">
-                        <a:latin typeface="Wingdings"/>
-                        <a:cs typeface="Wingdings"/>
-                      </a:endParaRPr>
                     </a:p>
                   </a:txBody>
                   <a:tcPr marL="0" marR="0" marT="59690" marB="0">
@@ -4686,7 +4342,7 @@
                     <a:bodyPr/>
                     <a:lstStyle/>
                     <a:p>
-                      <a:pPr marL="50800">
+                      <a:pPr marL="50800" algn="l" rtl="0">
                         <a:lnSpc>
                           <a:spcPct val="100000"/>
                         </a:lnSpc>
@@ -4753,11 +4409,11 @@
                         <a:defRPr/>
                       </a:pPr>
                       <a:r>
-                        <a:rPr lang="en-US" sz="1100" b="0" i="0" spc="0" dirty="0">
+                        <a:rPr lang="it-IT" sz="1100" b="0" i="0">
                           <a:latin typeface="Adobe Clean Light"/>
                           <a:cs typeface="AdobeClean-Light"/>
                         </a:rPr>
-                        <a:t>Accelerated Issue Prioritization</a:t>
+                        <a:t>Prioritizzazione accelerata dei problemi</a:t>
                       </a:r>
                     </a:p>
                   </a:txBody>
@@ -4787,7 +4443,7 @@
                     <a:bodyPr/>
                     <a:lstStyle/>
                     <a:p>
-                      <a:pPr>
+                      <a:pPr algn="l" rtl="0">
                         <a:lnSpc>
                           <a:spcPct val="100000"/>
                         </a:lnSpc>
@@ -4829,7 +4485,7 @@
                         </a:spcBef>
                       </a:pPr>
                       <a:r>
-                        <a:rPr sz="1100" spc="0" dirty="0">
+                        <a:rPr lang="it-IT" sz="1100">
                           <a:solidFill>
                             <a:srgbClr val="020302"/>
                           </a:solidFill>
@@ -4838,10 +4494,6 @@
                         </a:rPr>
                         <a:t></a:t>
                       </a:r>
-                      <a:endParaRPr sz="1100" spc="0" dirty="0">
-                        <a:latin typeface="Wingdings"/>
-                        <a:cs typeface="Wingdings"/>
-                      </a:endParaRPr>
                     </a:p>
                   </a:txBody>
                   <a:tcPr marL="0" marR="0" marT="58419" marB="0"/>
@@ -4851,7 +4503,7 @@
                     <a:bodyPr/>
                     <a:lstStyle/>
                     <a:p>
-                      <a:pPr algn="ctr">
+                      <a:pPr algn="l" rtl="0">
                         <a:lnSpc>
                           <a:spcPct val="100000"/>
                         </a:lnSpc>
@@ -4881,7 +4533,7 @@
                         </a:spcBef>
                       </a:pPr>
                       <a:r>
-                        <a:rPr sz="1100" spc="0" dirty="0">
+                        <a:rPr lang="it-IT" sz="1100">
                           <a:solidFill>
                             <a:srgbClr val="020302"/>
                           </a:solidFill>
@@ -4890,10 +4542,6 @@
                         </a:rPr>
                         <a:t></a:t>
                       </a:r>
-                      <a:endParaRPr sz="1100" spc="0" dirty="0">
-                        <a:latin typeface="Wingdings"/>
-                        <a:cs typeface="Wingdings"/>
-                      </a:endParaRPr>
                     </a:p>
                   </a:txBody>
                   <a:tcPr marL="0" marR="0" marT="59690" marB="0"/>
@@ -4912,7 +4560,7 @@
                         </a:spcBef>
                       </a:pPr>
                       <a:r>
-                        <a:rPr sz="1100" spc="0" dirty="0">
+                        <a:rPr lang="it-IT" sz="1100">
                           <a:solidFill>
                             <a:srgbClr val="020302"/>
                           </a:solidFill>
@@ -4921,10 +4569,6 @@
                         </a:rPr>
                         <a:t></a:t>
                       </a:r>
-                      <a:endParaRPr sz="1100" spc="0" dirty="0">
-                        <a:latin typeface="Wingdings"/>
-                        <a:cs typeface="Wingdings"/>
-                      </a:endParaRPr>
                     </a:p>
                   </a:txBody>
                   <a:tcPr marL="0" marR="0" marT="59690" marB="0">
@@ -4967,16 +4611,12 @@
                         </a:spcBef>
                       </a:pPr>
                       <a:r>
-                        <a:rPr lang="en-US" sz="1100" b="0" i="0" spc="0" dirty="0">
+                        <a:rPr lang="it-IT" sz="1100" b="0" i="0">
                           <a:latin typeface="Adobe Clean Light"/>
                           <a:cs typeface="AdobeClean-Light"/>
                         </a:rPr>
-                        <a:t>Escalation Management</a:t>
+                        <a:t>Gestione delle escalation</a:t>
                       </a:r>
-                      <a:endParaRPr sz="1100" b="0" i="0" spc="0" dirty="0">
-                        <a:latin typeface="Adobe Clean Light"/>
-                        <a:cs typeface="AdobeClean-Light"/>
-                      </a:endParaRPr>
                     </a:p>
                   </a:txBody>
                   <a:tcPr marL="0" marR="0" marT="57150" marB="0">
@@ -5005,7 +4645,7 @@
                     <a:bodyPr/>
                     <a:lstStyle/>
                     <a:p>
-                      <a:pPr>
+                      <a:pPr algn="l" rtl="0">
                         <a:lnSpc>
                           <a:spcPct val="100000"/>
                         </a:lnSpc>
@@ -5047,7 +4687,7 @@
                         </a:spcBef>
                       </a:pPr>
                       <a:r>
-                        <a:rPr sz="1100" spc="0" dirty="0">
+                        <a:rPr lang="it-IT" sz="1100">
                           <a:solidFill>
                             <a:srgbClr val="020302"/>
                           </a:solidFill>
@@ -5056,10 +4696,6 @@
                         </a:rPr>
                         <a:t></a:t>
                       </a:r>
-                      <a:endParaRPr sz="1100" spc="0" dirty="0">
-                        <a:latin typeface="Wingdings"/>
-                        <a:cs typeface="Wingdings"/>
-                      </a:endParaRPr>
                     </a:p>
                   </a:txBody>
                   <a:tcPr marL="0" marR="0" marT="59690" marB="0"/>
@@ -5069,7 +4705,7 @@
                     <a:bodyPr/>
                     <a:lstStyle/>
                     <a:p>
-                      <a:pPr algn="ctr">
+                      <a:pPr algn="l" rtl="0">
                         <a:lnSpc>
                           <a:spcPct val="100000"/>
                         </a:lnSpc>
@@ -5099,7 +4735,7 @@
                         </a:spcBef>
                       </a:pPr>
                       <a:r>
-                        <a:rPr sz="1100" spc="0" dirty="0">
+                        <a:rPr lang="it-IT" sz="1100">
                           <a:solidFill>
                             <a:srgbClr val="020302"/>
                           </a:solidFill>
@@ -5108,10 +4744,6 @@
                         </a:rPr>
                         <a:t></a:t>
                       </a:r>
-                      <a:endParaRPr sz="1100" spc="0" dirty="0">
-                        <a:latin typeface="Wingdings"/>
-                        <a:cs typeface="Wingdings"/>
-                      </a:endParaRPr>
                     </a:p>
                   </a:txBody>
                   <a:tcPr marL="0" marR="0" marT="59690" marB="0"/>
@@ -5130,7 +4762,7 @@
                         </a:spcBef>
                       </a:pPr>
                       <a:r>
-                        <a:rPr sz="1100" spc="0" dirty="0">
+                        <a:rPr lang="it-IT" sz="1100">
                           <a:solidFill>
                             <a:srgbClr val="020302"/>
                           </a:solidFill>
@@ -5139,10 +4771,6 @@
                         </a:rPr>
                         <a:t></a:t>
                       </a:r>
-                      <a:endParaRPr sz="1100" spc="0" dirty="0">
-                        <a:latin typeface="Wingdings"/>
-                        <a:cs typeface="Wingdings"/>
-                      </a:endParaRPr>
                     </a:p>
                   </a:txBody>
                   <a:tcPr marL="0" marR="0" marT="59690" marB="0">
@@ -5185,16 +4813,12 @@
                         </a:spcBef>
                       </a:pPr>
                       <a:r>
-                        <a:rPr lang="en-US" sz="1100" b="0" i="0" spc="0" dirty="0">
+                        <a:rPr lang="it-IT" sz="1100" b="0" i="0">
                           <a:latin typeface="Adobe Clean Light"/>
                           <a:cs typeface="AdobeClean-Light"/>
                         </a:rPr>
-                        <a:t>Proactive Case Monitoring</a:t>
+                        <a:t>Monitoraggio proattivo dei casi</a:t>
                       </a:r>
-                      <a:endParaRPr sz="1100" b="0" i="0" spc="0" dirty="0">
-                        <a:latin typeface="Adobe Clean Light"/>
-                        <a:cs typeface="AdobeClean-Light"/>
-                      </a:endParaRPr>
                     </a:p>
                   </a:txBody>
                   <a:tcPr marL="0" marR="0" marT="57150" marB="0">
@@ -5223,7 +4847,7 @@
                     <a:bodyPr/>
                     <a:lstStyle/>
                     <a:p>
-                      <a:pPr>
+                      <a:pPr algn="l" rtl="0">
                         <a:lnSpc>
                           <a:spcPct val="100000"/>
                         </a:lnSpc>
@@ -5256,7 +4880,7 @@
                     <a:bodyPr/>
                     <a:lstStyle/>
                     <a:p>
-                      <a:pPr>
+                      <a:pPr algn="l" rtl="0">
                         <a:lnSpc>
                           <a:spcPct val="100000"/>
                         </a:lnSpc>
@@ -5302,7 +4926,7 @@
                         <a:defRPr/>
                       </a:pPr>
                       <a:r>
-                        <a:rPr lang="en-US" sz="1100" spc="0" dirty="0">
+                        <a:rPr lang="it-IT" sz="1100">
                           <a:solidFill>
                             <a:srgbClr val="020302"/>
                           </a:solidFill>
@@ -5311,10 +4935,6 @@
                         </a:rPr>
                         <a:t></a:t>
                       </a:r>
-                      <a:endParaRPr lang="en-US" sz="1100" spc="0" dirty="0">
-                        <a:latin typeface="Wingdings"/>
-                        <a:cs typeface="Wingdings"/>
-                      </a:endParaRPr>
                     </a:p>
                   </a:txBody>
                   <a:tcPr marL="0" marR="0" marT="57150" marB="0"/>
@@ -5342,7 +4962,7 @@
                         <a:defRPr/>
                       </a:pPr>
                       <a:r>
-                        <a:rPr lang="en-US" sz="1100" spc="0" dirty="0">
+                        <a:rPr lang="it-IT" sz="1100">
                           <a:solidFill>
                             <a:srgbClr val="020302"/>
                           </a:solidFill>
@@ -5351,10 +4971,6 @@
                         </a:rPr>
                         <a:t></a:t>
                       </a:r>
-                      <a:endParaRPr lang="en-US" sz="1100" spc="0" dirty="0">
-                        <a:latin typeface="Wingdings"/>
-                        <a:cs typeface="Wingdings"/>
-                      </a:endParaRPr>
                     </a:p>
                   </a:txBody>
                   <a:tcPr marL="0" marR="0" marT="57150" marB="0">
@@ -5378,7 +4994,7 @@
                     <a:bodyPr/>
                     <a:lstStyle/>
                     <a:p>
-                      <a:pPr marL="48895">
+                      <a:pPr marL="48895" algn="l" rtl="0">
                         <a:lnSpc>
                           <a:spcPct val="100000"/>
                         </a:lnSpc>
@@ -5427,19 +5043,15 @@
                         </a:spcBef>
                       </a:pPr>
                       <a:r>
-                        <a:rPr lang="en-US" sz="1100" b="0" i="0" spc="0">
+                        <a:rPr lang="it-IT" sz="1100" b="0" i="0">
                           <a:solidFill>
                             <a:srgbClr val="020302"/>
                           </a:solidFill>
                           <a:latin typeface="Adobe Clean Light"/>
                           <a:cs typeface="AdobeClean-Light"/>
                         </a:rPr>
-                        <a:t>In-Region Support Option</a:t>
+                        <a:t>Opzione di assistenza nell’area geografica</a:t>
                       </a:r>
-                      <a:endParaRPr sz="1100" b="0" i="0" spc="0" dirty="0">
-                        <a:latin typeface="Adobe Clean Light" panose="020B0303020404020204" pitchFamily="34" charset="0"/>
-                        <a:cs typeface="AdobeClean-Light"/>
-                      </a:endParaRPr>
                     </a:p>
                   </a:txBody>
                   <a:tcPr marL="0" marR="0" marT="58419" marB="0">
@@ -5462,7 +5074,7 @@
                     <a:bodyPr/>
                     <a:lstStyle/>
                     <a:p>
-                      <a:pPr>
+                      <a:pPr algn="l" rtl="0">
                         <a:lnSpc>
                           <a:spcPct val="100000"/>
                         </a:lnSpc>
@@ -5495,7 +5107,7 @@
                     <a:bodyPr/>
                     <a:lstStyle/>
                     <a:p>
-                      <a:pPr>
+                      <a:pPr algn="l" rtl="0">
                         <a:lnSpc>
                           <a:spcPct val="100000"/>
                         </a:lnSpc>
@@ -5513,7 +5125,7 @@
                     <a:bodyPr/>
                     <a:lstStyle/>
                     <a:p>
-                      <a:pPr>
+                      <a:pPr algn="l" rtl="0">
                         <a:lnSpc>
                           <a:spcPct val="100000"/>
                         </a:lnSpc>
@@ -5549,7 +5161,7 @@
                         <a:defRPr/>
                       </a:pPr>
                       <a:r>
-                        <a:rPr lang="en-US" sz="1100" spc="0" dirty="0">
+                        <a:rPr lang="it-IT" sz="1100">
                           <a:solidFill>
                             <a:srgbClr val="020302"/>
                           </a:solidFill>
@@ -5558,10 +5170,6 @@
                         </a:rPr>
                         <a:t></a:t>
                       </a:r>
-                      <a:endParaRPr lang="en-US" sz="1100" spc="0" dirty="0">
-                        <a:latin typeface="Wingdings"/>
-                        <a:cs typeface="Wingdings"/>
-                      </a:endParaRPr>
                     </a:p>
                   </a:txBody>
                   <a:tcPr marL="0" marR="0" marT="0" marB="0" anchor="ctr"/>
@@ -5580,7 +5188,7 @@
                         </a:spcBef>
                       </a:pPr>
                       <a:r>
-                        <a:rPr sz="1100" spc="0" dirty="0">
+                        <a:rPr lang="it-IT" sz="1100">
                           <a:solidFill>
                             <a:srgbClr val="020302"/>
                           </a:solidFill>
@@ -5589,10 +5197,6 @@
                         </a:rPr>
                         <a:t></a:t>
                       </a:r>
-                      <a:endParaRPr sz="1100" spc="0" dirty="0">
-                        <a:latin typeface="Wingdings"/>
-                        <a:cs typeface="Wingdings"/>
-                      </a:endParaRPr>
                     </a:p>
                   </a:txBody>
                   <a:tcPr marL="0" marR="0" marT="59055" marB="0">
@@ -5616,7 +5220,7 @@
                     <a:bodyPr/>
                     <a:lstStyle/>
                     <a:p>
-                      <a:pPr marL="48895">
+                      <a:pPr marL="48895" algn="l" rtl="0">
                         <a:lnSpc>
                           <a:spcPct val="100000"/>
                         </a:lnSpc>
@@ -5674,19 +5278,15 @@
                         </a:spcBef>
                       </a:pPr>
                       <a:r>
-                        <a:rPr lang="en-US" sz="1100" b="0" i="0" spc="0" dirty="0">
+                        <a:rPr lang="it-IT" sz="1100" b="0" i="0">
                           <a:solidFill>
                             <a:srgbClr val="020302"/>
                           </a:solidFill>
                           <a:latin typeface="Adobe Clean Light"/>
                           <a:cs typeface="AdobeClean-Light"/>
                         </a:rPr>
-                        <a:t>Service Reviews</a:t>
+                        <a:t>Valutazioni dei servizi</a:t>
                       </a:r>
-                      <a:endParaRPr sz="1100" b="0" i="0" spc="0" dirty="0">
-                        <a:latin typeface="Adobe Clean Light"/>
-                        <a:cs typeface="AdobeClean-Light"/>
-                      </a:endParaRPr>
                     </a:p>
                   </a:txBody>
                   <a:tcPr marL="0" marR="0" marT="59055" marB="0">
@@ -5715,7 +5315,7 @@
                     <a:bodyPr/>
                     <a:lstStyle/>
                     <a:p>
-                      <a:pPr>
+                      <a:pPr algn="l" rtl="0">
                         <a:lnSpc>
                           <a:spcPct val="100000"/>
                         </a:lnSpc>
@@ -5748,7 +5348,7 @@
                     <a:bodyPr/>
                     <a:lstStyle/>
                     <a:p>
-                      <a:pPr>
+                      <a:pPr algn="l" rtl="0">
                         <a:lnSpc>
                           <a:spcPct val="100000"/>
                         </a:lnSpc>
@@ -5766,7 +5366,7 @@
                     <a:bodyPr/>
                     <a:lstStyle/>
                     <a:p>
-                      <a:pPr>
+                      <a:pPr algn="l" rtl="0">
                         <a:lnSpc>
                           <a:spcPct val="100000"/>
                         </a:lnSpc>
@@ -5793,70 +5393,42 @@
                         </a:spcBef>
                       </a:pPr>
                       <a:r>
-                        <a:rPr sz="1100" spc="0" dirty="0">
+                        <a:rPr lang="it-IT" sz="1100">
                           <a:solidFill>
                             <a:srgbClr val="020302"/>
                           </a:solidFill>
                           <a:latin typeface="AdobeClean-Light"/>
                           <a:cs typeface="AdobeClean-Light"/>
                         </a:rPr>
-                        <a:t>2</a:t>
+                        <a:t>2/anno</a:t>
                       </a:r>
+                    </a:p>
+                  </a:txBody>
+                  <a:tcPr marL="0" marR="0" marT="57150" marB="0"/>
+                </a:tc>
+                <a:tc>
+                  <a:txBody>
+                    <a:bodyPr/>
+                    <a:lstStyle/>
+                    <a:p>
+                      <a:pPr algn="ctr">
+                        <a:lnSpc>
+                          <a:spcPct val="100000"/>
+                        </a:lnSpc>
+                        <a:spcBef>
+                          <a:spcPts val="450"/>
+                        </a:spcBef>
+                      </a:pPr>
                       <a:r>
-                        <a:rPr lang="en-US" sz="1100" spc="0" dirty="0">
+                        <a:rPr lang="it-IT" sz="1100">
                           <a:solidFill>
                             <a:srgbClr val="020302"/>
                           </a:solidFill>
                           <a:latin typeface="AdobeClean-Light"/>
                           <a:cs typeface="AdobeClean-Light"/>
                         </a:rPr>
-                        <a:t>/year</a:t>
+                        <a:t>4/anno</a:t>
                       </a:r>
-                      <a:endParaRPr sz="1100" spc="0" dirty="0">
-                        <a:latin typeface="AdobeClean-Light"/>
-                        <a:cs typeface="AdobeClean-Light"/>
-                      </a:endParaRPr>
-                    </a:p>
-                  </a:txBody>
-                  <a:tcPr marL="0" marR="0" marT="57150" marB="0"/>
-                </a:tc>
-                <a:tc>
-                  <a:txBody>
-                    <a:bodyPr/>
-                    <a:lstStyle/>
-                    <a:p>
-                      <a:pPr algn="ctr">
-                        <a:lnSpc>
-                          <a:spcPct val="100000"/>
-                        </a:lnSpc>
-                        <a:spcBef>
-                          <a:spcPts val="450"/>
-                        </a:spcBef>
-                      </a:pPr>
-                      <a:r>
-                        <a:rPr sz="1100" spc="0" dirty="0">
-                          <a:solidFill>
-                            <a:srgbClr val="020302"/>
-                          </a:solidFill>
-                          <a:latin typeface="AdobeClean-Light"/>
-                          <a:cs typeface="AdobeClean-Light"/>
-                        </a:rPr>
-                        <a:t>4</a:t>
-                      </a:r>
-                      <a:r>
-                        <a:rPr lang="en-US" sz="1100" spc="0" dirty="0">
-                          <a:solidFill>
-                            <a:srgbClr val="020302"/>
-                          </a:solidFill>
-                          <a:latin typeface="AdobeClean-Light"/>
-                          <a:cs typeface="AdobeClean-Light"/>
-                        </a:rPr>
-                        <a:t>/year</a:t>
-                      </a:r>
-                      <a:endParaRPr sz="1100" spc="0" dirty="0">
-                        <a:latin typeface="AdobeClean-Light"/>
-                        <a:cs typeface="AdobeClean-Light"/>
-                      </a:endParaRPr>
                     </a:p>
                   </a:txBody>
                   <a:tcPr marL="0" marR="0" marT="57150" marB="0">
@@ -5880,7 +5452,7 @@
                     <a:bodyPr/>
                     <a:lstStyle/>
                     <a:p>
-                      <a:pPr marL="49530">
+                      <a:pPr marL="49530" algn="l" rtl="0">
                         <a:lnSpc>
                           <a:spcPct val="100000"/>
                         </a:lnSpc>
@@ -5929,16 +5501,12 @@
                         </a:spcBef>
                       </a:pPr>
                       <a:r>
-                        <a:rPr lang="en-US" sz="1100" b="0" i="0" spc="0" dirty="0">
+                        <a:rPr lang="it-IT" sz="1100" b="0" i="0">
                           <a:latin typeface="Adobe Clean Light"/>
                           <a:cs typeface="AdobeClean-Light"/>
                         </a:rPr>
-                        <a:t>Case Reviews</a:t>
+                        <a:t>Valutazioni dei casi</a:t>
                       </a:r>
-                      <a:endParaRPr sz="1100" b="0" i="0" spc="0" dirty="0">
-                        <a:latin typeface="Adobe Clean Light"/>
-                        <a:cs typeface="AdobeClean-Light"/>
-                      </a:endParaRPr>
                     </a:p>
                   </a:txBody>
                   <a:tcPr marL="0" marR="0" marT="63500" marB="0">
@@ -5961,7 +5529,7 @@
                     <a:bodyPr/>
                     <a:lstStyle/>
                     <a:p>
-                      <a:pPr>
+                      <a:pPr algn="l" rtl="0">
                         <a:lnSpc>
                           <a:spcPct val="100000"/>
                         </a:lnSpc>
@@ -5994,7 +5562,7 @@
                     <a:bodyPr/>
                     <a:lstStyle/>
                     <a:p>
-                      <a:pPr>
+                      <a:pPr algn="l" rtl="0">
                         <a:lnSpc>
                           <a:spcPct val="100000"/>
                         </a:lnSpc>
@@ -6012,7 +5580,7 @@
                     <a:bodyPr/>
                     <a:lstStyle/>
                     <a:p>
-                      <a:pPr>
+                      <a:pPr algn="l" rtl="0">
                         <a:lnSpc>
                           <a:spcPct val="100000"/>
                         </a:lnSpc>
@@ -6039,16 +5607,12 @@
                         </a:spcBef>
                       </a:pPr>
                       <a:r>
-                        <a:rPr lang="en-US" sz="1100" spc="0" dirty="0">
+                        <a:rPr lang="it-IT" sz="1100">
                           <a:latin typeface="AdobeClean-Light"/>
                           <a:cs typeface="AdobeClean-Light"/>
                         </a:rPr>
-                        <a:t>1/month</a:t>
+                        <a:t>1/mese</a:t>
                       </a:r>
-                      <a:endParaRPr sz="1100" spc="0" dirty="0">
-                        <a:latin typeface="AdobeClean-Light"/>
-                        <a:cs typeface="AdobeClean-Light"/>
-                      </a:endParaRPr>
                     </a:p>
                   </a:txBody>
                   <a:tcPr marL="0" marR="0" marT="57150" marB="0"/>
@@ -6067,16 +5631,12 @@
                         </a:spcBef>
                       </a:pPr>
                       <a:r>
-                        <a:rPr lang="en-US" sz="1100" spc="0" dirty="0">
+                        <a:rPr lang="it-IT" sz="1100">
                           <a:latin typeface="AdobeClean-Light"/>
                           <a:cs typeface="AdobeClean-Light"/>
                         </a:rPr>
-                        <a:t>2/month</a:t>
+                        <a:t>2/mese</a:t>
                       </a:r>
-                      <a:endParaRPr sz="1100" spc="0" dirty="0">
-                        <a:latin typeface="AdobeClean-Light"/>
-                        <a:cs typeface="AdobeClean-Light"/>
-                      </a:endParaRPr>
                     </a:p>
                   </a:txBody>
                   <a:tcPr marL="0" marR="0" marT="57150" marB="0">
@@ -6128,11 +5688,11 @@
                         <a:defRPr/>
                       </a:pPr>
                       <a:r>
-                        <a:rPr lang="en-US" sz="1100" b="0" i="0" spc="0" dirty="0">
+                        <a:rPr lang="it-IT" sz="1100" b="0" i="0">
                           <a:latin typeface="Adobe Clean Light" panose="020B0303020404020204" pitchFamily="34" charset="0"/>
                           <a:cs typeface="AdobeClean-Light"/>
                         </a:rPr>
-                        <a:t>Solution Review</a:t>
+                        <a:t>Valutazione delle soluzioni</a:t>
                       </a:r>
                     </a:p>
                   </a:txBody>
@@ -6162,7 +5722,7 @@
                     <a:bodyPr/>
                     <a:lstStyle/>
                     <a:p>
-                      <a:pPr>
+                      <a:pPr algn="l" rtl="0">
                         <a:lnSpc>
                           <a:spcPct val="100000"/>
                         </a:lnSpc>
@@ -6195,7 +5755,7 @@
                     <a:bodyPr/>
                     <a:lstStyle/>
                     <a:p>
-                      <a:pPr>
+                      <a:pPr algn="l" rtl="0">
                         <a:lnSpc>
                           <a:spcPct val="100000"/>
                         </a:lnSpc>
@@ -6223,7 +5783,7 @@
                     <a:bodyPr/>
                     <a:lstStyle/>
                     <a:p>
-                      <a:pPr>
+                      <a:pPr algn="l" rtl="0">
                         <a:lnSpc>
                           <a:spcPct val="100000"/>
                         </a:lnSpc>
@@ -6259,7 +5819,7 @@
                         <a:defRPr/>
                       </a:pPr>
                       <a:r>
-                        <a:rPr lang="en-US" sz="1100" spc="0" dirty="0">
+                        <a:rPr lang="it-IT" sz="1100">
                           <a:solidFill>
                             <a:srgbClr val="020302"/>
                           </a:solidFill>
@@ -6268,10 +5828,6 @@
                         </a:rPr>
                         <a:t></a:t>
                       </a:r>
-                      <a:endParaRPr lang="en-US" sz="1100" spc="0" dirty="0">
-                        <a:latin typeface="Wingdings"/>
-                        <a:cs typeface="Wingdings"/>
-                      </a:endParaRPr>
                     </a:p>
                   </a:txBody>
                   <a:tcPr marL="0" marR="0" marT="64135" marB="0">
@@ -6321,16 +5877,12 @@
                         <a:buNone/>
                       </a:pPr>
                       <a:r>
-                        <a:rPr lang="en-US" sz="1100" b="0" i="0" spc="0" dirty="0">
+                        <a:rPr lang="it-IT" sz="1100" b="0" i="0">
                           <a:latin typeface="Adobe Clean Light"/>
                           <a:cs typeface="AdobeClean-Light"/>
                         </a:rPr>
-                        <a:t>Roadmap Review </a:t>
+                        <a:t>Valutazione delle roadmap </a:t>
                       </a:r>
-                      <a:endParaRPr lang="en-US" sz="1100" b="0" i="0" spc="0" dirty="0">
-                        <a:latin typeface="Adobe Clean Light" panose="020B0303020404020204" pitchFamily="34" charset="0"/>
-                        <a:cs typeface="AdobeClean-Light"/>
-                      </a:endParaRPr>
                     </a:p>
                   </a:txBody>
                   <a:tcPr marL="0" marR="0" marT="63500" marB="0">
@@ -6359,7 +5911,7 @@
                     <a:bodyPr/>
                     <a:lstStyle/>
                     <a:p>
-                      <a:pPr>
+                      <a:pPr algn="l" rtl="0">
                         <a:lnSpc>
                           <a:spcPct val="100000"/>
                         </a:lnSpc>
@@ -6392,7 +5944,7 @@
                     <a:bodyPr/>
                     <a:lstStyle/>
                     <a:p>
-                      <a:pPr>
+                      <a:pPr algn="l" rtl="0">
                         <a:lnSpc>
                           <a:spcPct val="100000"/>
                         </a:lnSpc>
@@ -6420,7 +5972,7 @@
                     <a:bodyPr/>
                     <a:lstStyle/>
                     <a:p>
-                      <a:pPr>
+                      <a:pPr algn="l" rtl="0">
                         <a:lnSpc>
                           <a:spcPct val="100000"/>
                         </a:lnSpc>
@@ -6456,7 +6008,7 @@
                         <a:defRPr/>
                       </a:pPr>
                       <a:r>
-                        <a:rPr lang="en-US" sz="1100" spc="0" dirty="0">
+                        <a:rPr lang="it-IT" sz="1100">
                           <a:solidFill>
                             <a:srgbClr val="020302"/>
                           </a:solidFill>
@@ -6465,10 +6017,6 @@
                         </a:rPr>
                         <a:t></a:t>
                       </a:r>
-                      <a:endParaRPr lang="en-US" sz="1100" spc="0" dirty="0">
-                        <a:latin typeface="Wingdings"/>
-                        <a:cs typeface="Wingdings"/>
-                      </a:endParaRPr>
                     </a:p>
                   </a:txBody>
                   <a:tcPr marL="0" marR="0" marT="64135" marB="0">
@@ -6518,19 +6066,15 @@
                         <a:buNone/>
                       </a:pPr>
                       <a:r>
-                        <a:rPr lang="en-US" sz="1100" b="0" i="0" spc="0" dirty="0">
+                        <a:rPr lang="it-IT" sz="1100" b="0" i="0">
                           <a:solidFill>
                             <a:srgbClr val="020302"/>
                           </a:solidFill>
                           <a:latin typeface="Adobe Clean Light"/>
                           <a:cs typeface="AdobeClean-Light"/>
                         </a:rPr>
-                        <a:t>Additional Named Support Contacts </a:t>
+                        <a:t>Contatti di supporto designati aggiuntivi </a:t>
                       </a:r>
-                      <a:endParaRPr lang="en-US" sz="1100" b="0" i="0" spc="0" dirty="0">
-                        <a:latin typeface="Adobe Clean Light" panose="020B0303020404020204" pitchFamily="34" charset="0"/>
-                        <a:cs typeface="AdobeClean-Light"/>
-                      </a:endParaRPr>
                     </a:p>
                   </a:txBody>
                   <a:tcPr marL="0" marR="0" marT="63500" marB="0">
@@ -6559,7 +6103,7 @@
                     <a:bodyPr/>
                     <a:lstStyle/>
                     <a:p>
-                      <a:pPr>
+                      <a:pPr algn="l" rtl="0">
                         <a:lnSpc>
                           <a:spcPct val="100000"/>
                         </a:lnSpc>
@@ -6592,7 +6136,7 @@
                     <a:bodyPr/>
                     <a:lstStyle/>
                     <a:p>
-                      <a:pPr>
+                      <a:pPr algn="l" rtl="0">
                         <a:lnSpc>
                           <a:spcPct val="100000"/>
                         </a:lnSpc>
@@ -6620,7 +6164,7 @@
                     <a:bodyPr/>
                     <a:lstStyle/>
                     <a:p>
-                      <a:pPr>
+                      <a:pPr algn="l" rtl="0">
                         <a:lnSpc>
                           <a:spcPct val="100000"/>
                         </a:lnSpc>
@@ -6656,7 +6200,7 @@
                         <a:defRPr/>
                       </a:pPr>
                       <a:r>
-                        <a:rPr lang="en-US" sz="1100" spc="0" dirty="0">
+                        <a:rPr lang="it-IT" sz="1100">
                           <a:solidFill>
                             <a:srgbClr val="020302"/>
                           </a:solidFill>
@@ -6665,10 +6209,6 @@
                         </a:rPr>
                         <a:t></a:t>
                       </a:r>
-                      <a:endParaRPr lang="en-US" sz="1100" spc="0" dirty="0">
-                        <a:latin typeface="Wingdings"/>
-                        <a:cs typeface="Wingdings"/>
-                      </a:endParaRPr>
                     </a:p>
                   </a:txBody>
                   <a:tcPr marL="0" marR="0" marT="64135" marB="0">
@@ -6711,16 +6251,12 @@
                         </a:spcBef>
                       </a:pPr>
                       <a:r>
-                        <a:rPr lang="en-US" sz="1100" b="0" i="0" spc="0" dirty="0">
+                        <a:rPr lang="it-IT" sz="1100" b="0" i="0">
                           <a:latin typeface="Adobe Clean Light"/>
                           <a:cs typeface="AdobeClean-Light"/>
                         </a:rPr>
-                        <a:t>Upgrade/Migration Planning</a:t>
+                        <a:t>Pianificazione dell’aggiornamento/migrazione</a:t>
                       </a:r>
-                      <a:endParaRPr sz="1100" b="0" i="0" spc="0" dirty="0">
-                        <a:latin typeface="Adobe Clean Light"/>
-                        <a:cs typeface="AdobeClean-Light"/>
-                      </a:endParaRPr>
                     </a:p>
                   </a:txBody>
                   <a:tcPr marL="0" marR="0" marT="63500" marB="0">
@@ -6749,7 +6285,7 @@
                     <a:bodyPr/>
                     <a:lstStyle/>
                     <a:p>
-                      <a:pPr>
+                      <a:pPr algn="l" rtl="0">
                         <a:lnSpc>
                           <a:spcPct val="100000"/>
                         </a:lnSpc>
@@ -6782,7 +6318,7 @@
                     <a:bodyPr/>
                     <a:lstStyle/>
                     <a:p>
-                      <a:pPr>
+                      <a:pPr algn="l" rtl="0">
                         <a:lnSpc>
                           <a:spcPct val="100000"/>
                         </a:lnSpc>
@@ -6810,7 +6346,7 @@
                     <a:bodyPr/>
                     <a:lstStyle/>
                     <a:p>
-                      <a:pPr>
+                      <a:pPr algn="l" rtl="0">
                         <a:lnSpc>
                           <a:spcPct val="100000"/>
                         </a:lnSpc>
@@ -6846,7 +6382,7 @@
                         <a:defRPr/>
                       </a:pPr>
                       <a:r>
-                        <a:rPr lang="en-US" sz="1100" spc="0" dirty="0">
+                        <a:rPr lang="it-IT" sz="1100">
                           <a:solidFill>
                             <a:srgbClr val="020302"/>
                           </a:solidFill>
@@ -6855,10 +6391,6 @@
                         </a:rPr>
                         <a:t></a:t>
                       </a:r>
-                      <a:endParaRPr lang="en-US" sz="1100" spc="0" dirty="0">
-                        <a:latin typeface="Wingdings"/>
-                        <a:cs typeface="Wingdings"/>
-                      </a:endParaRPr>
                     </a:p>
                   </a:txBody>
                   <a:tcPr marL="0" marR="0" marT="64135" marB="0">
@@ -6901,16 +6433,12 @@
                         </a:spcBef>
                       </a:pPr>
                       <a:r>
-                        <a:rPr lang="en-US" sz="1100" b="0" i="0" spc="0" dirty="0">
+                        <a:rPr lang="it-IT" sz="1100" b="0" i="0">
                           <a:latin typeface="Adobe Clean Light"/>
                           <a:cs typeface="AdobeClean-Light"/>
                         </a:rPr>
-                        <a:t>Release Preparation and Planning</a:t>
+                        <a:t>Preparazione e pianificazione del rilascio</a:t>
                       </a:r>
-                      <a:endParaRPr sz="1100" b="0" i="0" spc="0" dirty="0">
-                        <a:latin typeface="Adobe Clean Light"/>
-                        <a:cs typeface="AdobeClean-Light"/>
-                      </a:endParaRPr>
                     </a:p>
                   </a:txBody>
                   <a:tcPr marL="0" marR="0" marT="63500" marB="0">
@@ -6939,7 +6467,7 @@
                     <a:bodyPr/>
                     <a:lstStyle/>
                     <a:p>
-                      <a:pPr>
+                      <a:pPr algn="l" rtl="0">
                         <a:lnSpc>
                           <a:spcPct val="100000"/>
                         </a:lnSpc>
@@ -6972,7 +6500,7 @@
                     <a:bodyPr/>
                     <a:lstStyle/>
                     <a:p>
-                      <a:pPr>
+                      <a:pPr algn="l" rtl="0">
                         <a:lnSpc>
                           <a:spcPct val="100000"/>
                         </a:lnSpc>
@@ -7000,7 +6528,7 @@
                     <a:bodyPr/>
                     <a:lstStyle/>
                     <a:p>
-                      <a:pPr>
+                      <a:pPr algn="l" rtl="0">
                         <a:lnSpc>
                           <a:spcPct val="100000"/>
                         </a:lnSpc>
@@ -7036,7 +6564,7 @@
                         <a:defRPr/>
                       </a:pPr>
                       <a:r>
-                        <a:rPr lang="en-US" sz="1100" spc="0" dirty="0">
+                        <a:rPr lang="it-IT" sz="1100">
                           <a:solidFill>
                             <a:srgbClr val="020302"/>
                           </a:solidFill>
@@ -7045,10 +6573,6 @@
                         </a:rPr>
                         <a:t></a:t>
                       </a:r>
-                      <a:endParaRPr lang="en-US" sz="1100" spc="0" dirty="0">
-                        <a:latin typeface="Wingdings"/>
-                        <a:cs typeface="Wingdings"/>
-                      </a:endParaRPr>
                     </a:p>
                   </a:txBody>
                   <a:tcPr marL="0" marR="0" marT="64135" marB="0">
@@ -7072,7 +6596,7 @@
                     <a:bodyPr/>
                     <a:lstStyle/>
                     <a:p>
-                      <a:pPr marL="49530">
+                      <a:pPr marL="49530" algn="l" rtl="0">
                         <a:lnSpc>
                           <a:spcPct val="100000"/>
                         </a:lnSpc>
@@ -7139,16 +6663,12 @@
                         </a:spcBef>
                       </a:pPr>
                       <a:r>
-                        <a:rPr lang="en-US" sz="1100" b="0" i="0" spc="0" dirty="0">
+                        <a:rPr lang="it-IT" sz="1100" b="0" i="0">
                           <a:latin typeface="Adobe Clean Light" panose="020B0303020404020204" pitchFamily="34" charset="0"/>
                           <a:cs typeface="AdobeClean-Light"/>
                         </a:rPr>
-                        <a:t>Executive Sponsor</a:t>
+                        <a:t>Sponsor esecutivo</a:t>
                       </a:r>
-                      <a:endParaRPr sz="1100" b="0" i="0" spc="0" dirty="0">
-                        <a:latin typeface="Adobe Clean Light" panose="020B0303020404020204" pitchFamily="34" charset="0"/>
-                        <a:cs typeface="AdobeClean-Light"/>
-                      </a:endParaRPr>
                     </a:p>
                   </a:txBody>
                   <a:tcPr marL="0" marR="0" marT="67310" marB="0">
@@ -7183,7 +6703,7 @@
                     <a:bodyPr/>
                     <a:lstStyle/>
                     <a:p>
-                      <a:pPr>
+                      <a:pPr algn="l" rtl="0">
                         <a:lnSpc>
                           <a:spcPct val="100000"/>
                         </a:lnSpc>
@@ -7222,7 +6742,7 @@
                     <a:bodyPr/>
                     <a:lstStyle/>
                     <a:p>
-                      <a:pPr>
+                      <a:pPr algn="l" rtl="0">
                         <a:lnSpc>
                           <a:spcPct val="100000"/>
                         </a:lnSpc>
@@ -7247,7 +6767,7 @@
                     <a:bodyPr/>
                     <a:lstStyle/>
                     <a:p>
-                      <a:pPr>
+                      <a:pPr algn="l" rtl="0">
                         <a:lnSpc>
                           <a:spcPct val="100000"/>
                         </a:lnSpc>
@@ -7275,7 +6795,7 @@
                     <a:bodyPr/>
                     <a:lstStyle/>
                     <a:p>
-                      <a:pPr algn="ctr">
+                      <a:pPr algn="l" rtl="0">
                         <a:lnSpc>
                           <a:spcPct val="100000"/>
                         </a:lnSpc>
@@ -7312,7 +6832,7 @@
                         </a:spcBef>
                       </a:pPr>
                       <a:r>
-                        <a:rPr sz="1100" spc="0" dirty="0">
+                        <a:rPr lang="it-IT" sz="1100" dirty="0">
                           <a:solidFill>
                             <a:srgbClr val="020302"/>
                           </a:solidFill>
@@ -7321,10 +6841,6 @@
                         </a:rPr>
                         <a:t></a:t>
                       </a:r>
-                      <a:endParaRPr sz="1100" spc="0" dirty="0">
-                        <a:latin typeface="Wingdings"/>
-                        <a:cs typeface="Wingdings"/>
-                      </a:endParaRPr>
                     </a:p>
                   </a:txBody>
                   <a:tcPr marL="0" marR="0" marT="62230" marB="0">
@@ -7364,8 +6880,8 @@
         </p:nvSpPr>
         <p:spPr>
           <a:xfrm>
-            <a:off x="137890" y="9852238"/>
-            <a:ext cx="2270125" cy="132729"/>
+            <a:off x="137889" y="9852238"/>
+            <a:ext cx="2926080" cy="132729"/>
           </a:xfrm>
           <a:prstGeom prst="rect">
             <a:avLst/>
@@ -7386,24 +6902,8 @@
               </a:spcBef>
             </a:pPr>
             <a:r>
-              <a:rPr spc="-5" dirty="0"/>
-              <a:t>©202</a:t>
-            </a:r>
-            <a:r>
-              <a:rPr lang="en-US" spc="-5" dirty="0"/>
-              <a:t>2</a:t>
-            </a:r>
-            <a:r>
-              <a:rPr spc="-5" dirty="0"/>
-              <a:t> Adobe. All Rights Reserved. Adobe</a:t>
-            </a:r>
-            <a:r>
-              <a:rPr spc="60" dirty="0"/>
-              <a:t> </a:t>
-            </a:r>
-            <a:r>
-              <a:rPr spc="-5" dirty="0"/>
-              <a:t>Confidential.</a:t>
+              <a:rPr lang="it-IT" dirty="0"/>
+              <a:t>©2022 Adobe. All Rights Reserved. Adobe Confidential.</a:t>
             </a:r>
           </a:p>
         </p:txBody>
@@ -7417,14 +6917,14 @@
           <p:nvPr>
             <p:extLst>
               <p:ext uri="{D42A27DB-BD31-4B8C-83A1-F6EECF244321}">
-                <p14:modId xmlns:p14="http://schemas.microsoft.com/office/powerpoint/2010/main" val="2735922411"/>
+                <p14:modId xmlns:p14="http://schemas.microsoft.com/office/powerpoint/2010/main" val="2287468089"/>
               </p:ext>
             </p:extLst>
           </p:nvPr>
         </p:nvGraphicFramePr>
         <p:xfrm>
-          <a:off x="95250" y="7483227"/>
-          <a:ext cx="7600951" cy="2361428"/>
+          <a:off x="95250" y="7417187"/>
+          <a:ext cx="7600951" cy="2412229"/>
         </p:xfrm>
         <a:graphic>
           <a:graphicData uri="http://schemas.openxmlformats.org/drawingml/2006/table">
@@ -7484,19 +6984,15 @@
                         </a:spcBef>
                       </a:pPr>
                       <a:r>
-                        <a:rPr sz="1000" spc="0" dirty="0">
+                        <a:rPr lang="it-IT" sz="1000">
                           <a:solidFill>
                             <a:srgbClr val="020302"/>
                           </a:solidFill>
                           <a:latin typeface="Adobe Clean"/>
                           <a:cs typeface="Adobe Clean"/>
                         </a:rPr>
-                        <a:t>Priority</a:t>
+                        <a:t>Priorità</a:t>
                       </a:r>
-                      <a:endParaRPr sz="1000" spc="0" dirty="0">
-                        <a:latin typeface="Adobe Clean"/>
-                        <a:cs typeface="Adobe Clean"/>
-                      </a:endParaRPr>
                     </a:p>
                   </a:txBody>
                   <a:tcPr marL="0" marR="0" marT="7620" marB="0" anchor="ctr">
@@ -7543,49 +7039,15 @@
                         </a:spcBef>
                       </a:pPr>
                       <a:r>
-                        <a:rPr lang="en-US" sz="900" spc="0" dirty="0">
+                        <a:rPr lang="it-IT" sz="900">
                           <a:solidFill>
                             <a:srgbClr val="020302"/>
                           </a:solidFill>
                           <a:latin typeface="Adobe Clean"/>
                           <a:cs typeface="Adobe Clean"/>
                         </a:rPr>
-                        <a:t>Standard</a:t>
+                        <a:t>Supporto Standard</a:t>
                       </a:r>
-                      <a:r>
-                        <a:rPr sz="900" spc="0" dirty="0">
-                          <a:solidFill>
-                            <a:srgbClr val="020302"/>
-                          </a:solidFill>
-                          <a:latin typeface="Adobe Clean"/>
-                          <a:cs typeface="Adobe Clean"/>
-                        </a:rPr>
-                        <a:t> </a:t>
-                      </a:r>
-                      <a:r>
-                        <a:rPr lang="en-US" sz="900" spc="0" dirty="0">
-                          <a:solidFill>
-                            <a:srgbClr val="020302"/>
-                          </a:solidFill>
-                          <a:latin typeface="Adobe Clean"/>
-                          <a:cs typeface="Adobe Clean"/>
-                        </a:rPr>
-                        <a:t> </a:t>
-                      </a:r>
-                      <a:r>
-                        <a:rPr sz="900" spc="0" dirty="0">
-                          <a:solidFill>
-                            <a:srgbClr val="020302"/>
-                          </a:solidFill>
-                          <a:latin typeface="Adobe Clean"/>
-                          <a:cs typeface="Adobe Clean"/>
-                        </a:rPr>
-                        <a:t>Support</a:t>
-                      </a:r>
-                      <a:endParaRPr sz="900" spc="0" dirty="0">
-                        <a:latin typeface="Adobe Clean"/>
-                        <a:cs typeface="Adobe Clean"/>
-                      </a:endParaRPr>
                     </a:p>
                   </a:txBody>
                   <a:tcPr marL="0" marR="0" marT="0" marB="0" anchor="ctr">
@@ -7635,197 +7097,125 @@
                         </a:spcBef>
                       </a:pPr>
                       <a:r>
-                        <a:rPr sz="900" spc="0" dirty="0">
+                        <a:rPr lang="it-IT" sz="900">
                           <a:solidFill>
                             <a:srgbClr val="FFFFFF"/>
                           </a:solidFill>
                           <a:latin typeface="Adobe Clean"/>
                           <a:cs typeface="Adobe Clean"/>
                         </a:rPr>
-                        <a:t>Business</a:t>
+                        <a:t>Supporto Business</a:t>
                       </a:r>
+                    </a:p>
+                  </a:txBody>
+                  <a:tcPr marL="0" marR="0" marT="0" marB="0" anchor="ctr">
+                    <a:lnL w="3175">
+                      <a:solidFill>
+                        <a:srgbClr val="B7B8B8"/>
+                      </a:solidFill>
+                      <a:prstDash val="solid"/>
+                    </a:lnL>
+                    <a:lnR w="3175">
+                      <a:solidFill>
+                        <a:srgbClr val="B7B8B8"/>
+                      </a:solidFill>
+                      <a:prstDash val="solid"/>
+                    </a:lnR>
+                    <a:lnT w="3175">
+                      <a:solidFill>
+                        <a:srgbClr val="B7B8B8"/>
+                      </a:solidFill>
+                      <a:prstDash val="solid"/>
+                    </a:lnT>
+                    <a:lnB w="76200">
+                      <a:solidFill>
+                        <a:srgbClr val="ACD2FF"/>
+                      </a:solidFill>
+                      <a:prstDash val="solid"/>
+                    </a:lnB>
+                    <a:solidFill>
+                      <a:srgbClr val="7D7D7D"/>
+                    </a:solidFill>
+                  </a:tcPr>
+                </a:tc>
+                <a:tc>
+                  <a:txBody>
+                    <a:bodyPr/>
+                    <a:lstStyle/>
+                    <a:p>
+                      <a:pPr marL="0" algn="ctr">
+                        <a:lnSpc>
+                          <a:spcPct val="100000"/>
+                        </a:lnSpc>
+                        <a:spcBef>
+                          <a:spcPts val="60"/>
+                        </a:spcBef>
+                      </a:pPr>
                       <a:r>
-                        <a:rPr lang="en-US" sz="900" spc="0" dirty="0">
+                        <a:rPr lang="it-IT" sz="900">
                           <a:solidFill>
                             <a:srgbClr val="FFFFFF"/>
                           </a:solidFill>
                           <a:latin typeface="Adobe Clean"/>
                           <a:cs typeface="Adobe Clean"/>
                         </a:rPr>
-                        <a:t> </a:t>
+                        <a:t>Supporto Enterprise</a:t>
                       </a:r>
+                    </a:p>
+                  </a:txBody>
+                  <a:tcPr marL="0" marR="0" marT="0" marB="0" anchor="ctr">
+                    <a:lnL w="3175">
+                      <a:solidFill>
+                        <a:srgbClr val="B7B8B8"/>
+                      </a:solidFill>
+                      <a:prstDash val="solid"/>
+                    </a:lnL>
+                    <a:lnR w="3175">
+                      <a:solidFill>
+                        <a:srgbClr val="B7B8B8"/>
+                      </a:solidFill>
+                      <a:prstDash val="solid"/>
+                    </a:lnR>
+                    <a:lnT w="3175">
+                      <a:solidFill>
+                        <a:srgbClr val="B7B8B8"/>
+                      </a:solidFill>
+                      <a:prstDash val="solid"/>
+                    </a:lnT>
+                    <a:lnB w="76200">
+                      <a:solidFill>
+                        <a:srgbClr val="2E8FFF"/>
+                      </a:solidFill>
+                      <a:prstDash val="solid"/>
+                    </a:lnB>
+                    <a:solidFill>
+                      <a:srgbClr val="404040"/>
+                    </a:solidFill>
+                  </a:tcPr>
+                </a:tc>
+                <a:tc>
+                  <a:txBody>
+                    <a:bodyPr/>
+                    <a:lstStyle/>
+                    <a:p>
+                      <a:pPr marL="0" algn="ctr">
+                        <a:lnSpc>
+                          <a:spcPct val="100000"/>
+                        </a:lnSpc>
+                        <a:spcBef>
+                          <a:spcPts val="60"/>
+                        </a:spcBef>
+                      </a:pPr>
                       <a:r>
-                        <a:rPr sz="900" spc="0" dirty="0">
+                        <a:rPr lang="it-IT" sz="900">
                           <a:solidFill>
                             <a:srgbClr val="FFFFFF"/>
                           </a:solidFill>
                           <a:latin typeface="Adobe Clean"/>
                           <a:cs typeface="Adobe Clean"/>
                         </a:rPr>
-                        <a:t>Support</a:t>
+                        <a:t>Supporto Elite</a:t>
                       </a:r>
-                      <a:endParaRPr sz="900" spc="0" dirty="0">
-                        <a:latin typeface="Adobe Clean"/>
-                        <a:cs typeface="Adobe Clean"/>
-                      </a:endParaRPr>
-                    </a:p>
-                  </a:txBody>
-                  <a:tcPr marL="0" marR="0" marT="0" marB="0" anchor="ctr">
-                    <a:lnL w="3175">
-                      <a:solidFill>
-                        <a:srgbClr val="B7B8B8"/>
-                      </a:solidFill>
-                      <a:prstDash val="solid"/>
-                    </a:lnL>
-                    <a:lnR w="3175">
-                      <a:solidFill>
-                        <a:srgbClr val="B7B8B8"/>
-                      </a:solidFill>
-                      <a:prstDash val="solid"/>
-                    </a:lnR>
-                    <a:lnT w="3175">
-                      <a:solidFill>
-                        <a:srgbClr val="B7B8B8"/>
-                      </a:solidFill>
-                      <a:prstDash val="solid"/>
-                    </a:lnT>
-                    <a:lnB w="76200">
-                      <a:solidFill>
-                        <a:srgbClr val="ACD2FF"/>
-                      </a:solidFill>
-                      <a:prstDash val="solid"/>
-                    </a:lnB>
-                    <a:solidFill>
-                      <a:srgbClr val="7D7D7D"/>
-                    </a:solidFill>
-                  </a:tcPr>
-                </a:tc>
-                <a:tc>
-                  <a:txBody>
-                    <a:bodyPr/>
-                    <a:lstStyle/>
-                    <a:p>
-                      <a:pPr marL="0" algn="ctr">
-                        <a:lnSpc>
-                          <a:spcPct val="100000"/>
-                        </a:lnSpc>
-                        <a:spcBef>
-                          <a:spcPts val="60"/>
-                        </a:spcBef>
-                      </a:pPr>
-                      <a:r>
-                        <a:rPr sz="900" spc="0" dirty="0">
-                          <a:solidFill>
-                            <a:srgbClr val="FFFFFF"/>
-                          </a:solidFill>
-                          <a:latin typeface="Adobe Clean"/>
-                          <a:cs typeface="Adobe Clean"/>
-                        </a:rPr>
-                        <a:t>Enterprise </a:t>
-                      </a:r>
-                      <a:r>
-                        <a:rPr lang="en-US" sz="900" spc="0" dirty="0">
-                          <a:solidFill>
-                            <a:srgbClr val="FFFFFF"/>
-                          </a:solidFill>
-                          <a:latin typeface="Adobe Clean"/>
-                          <a:cs typeface="Adobe Clean"/>
-                        </a:rPr>
-                        <a:t> </a:t>
-                      </a:r>
-                      <a:r>
-                        <a:rPr sz="900" spc="0" dirty="0">
-                          <a:solidFill>
-                            <a:srgbClr val="FFFFFF"/>
-                          </a:solidFill>
-                          <a:latin typeface="Adobe Clean"/>
-                          <a:cs typeface="Adobe Clean"/>
-                        </a:rPr>
-                        <a:t>Support</a:t>
-                      </a:r>
-                      <a:endParaRPr sz="900" spc="0" dirty="0">
-                        <a:latin typeface="Adobe Clean"/>
-                        <a:cs typeface="Adobe Clean"/>
-                      </a:endParaRPr>
-                    </a:p>
-                  </a:txBody>
-                  <a:tcPr marL="0" marR="0" marT="0" marB="0" anchor="ctr">
-                    <a:lnL w="3175">
-                      <a:solidFill>
-                        <a:srgbClr val="B7B8B8"/>
-                      </a:solidFill>
-                      <a:prstDash val="solid"/>
-                    </a:lnL>
-                    <a:lnR w="3175">
-                      <a:solidFill>
-                        <a:srgbClr val="B7B8B8"/>
-                      </a:solidFill>
-                      <a:prstDash val="solid"/>
-                    </a:lnR>
-                    <a:lnT w="3175">
-                      <a:solidFill>
-                        <a:srgbClr val="B7B8B8"/>
-                      </a:solidFill>
-                      <a:prstDash val="solid"/>
-                    </a:lnT>
-                    <a:lnB w="76200">
-                      <a:solidFill>
-                        <a:srgbClr val="2E8FFF"/>
-                      </a:solidFill>
-                      <a:prstDash val="solid"/>
-                    </a:lnB>
-                    <a:solidFill>
-                      <a:srgbClr val="404040"/>
-                    </a:solidFill>
-                  </a:tcPr>
-                </a:tc>
-                <a:tc>
-                  <a:txBody>
-                    <a:bodyPr/>
-                    <a:lstStyle/>
-                    <a:p>
-                      <a:pPr marL="0" algn="ctr">
-                        <a:lnSpc>
-                          <a:spcPct val="100000"/>
-                        </a:lnSpc>
-                        <a:spcBef>
-                          <a:spcPts val="60"/>
-                        </a:spcBef>
-                      </a:pPr>
-                      <a:r>
-                        <a:rPr sz="900" spc="0" dirty="0">
-                          <a:solidFill>
-                            <a:srgbClr val="FFFFFF"/>
-                          </a:solidFill>
-                          <a:latin typeface="Adobe Clean"/>
-                          <a:cs typeface="Adobe Clean"/>
-                        </a:rPr>
-                        <a:t>Elite</a:t>
-                      </a:r>
-                      <a:r>
-                        <a:rPr lang="en-US" sz="900" spc="0" dirty="0">
-                          <a:solidFill>
-                            <a:srgbClr val="FFFFFF"/>
-                          </a:solidFill>
-                          <a:latin typeface="Adobe Clean"/>
-                          <a:cs typeface="Adobe Clean"/>
-                        </a:rPr>
-                        <a:t> </a:t>
-                      </a:r>
-                      <a:r>
-                        <a:rPr sz="900" spc="0" dirty="0">
-                          <a:solidFill>
-                            <a:srgbClr val="FFFFFF"/>
-                          </a:solidFill>
-                          <a:latin typeface="Adobe Clean"/>
-                          <a:cs typeface="Adobe Clean"/>
-                        </a:rPr>
-                        <a:t>Support</a:t>
-                      </a:r>
-                      <a:endParaRPr sz="900" spc="0" dirty="0">
-                        <a:latin typeface="Adobe Clean"/>
-                        <a:cs typeface="Adobe Clean"/>
-                      </a:endParaRPr>
                     </a:p>
                   </a:txBody>
                   <a:tcPr marL="0" marR="0" marT="0" marB="0" anchor="ctr">
@@ -7879,19 +7269,15 @@
                         </a:spcBef>
                       </a:pPr>
                       <a:r>
-                        <a:rPr sz="900" b="1" spc="0" dirty="0">
+                        <a:rPr lang="it-IT" sz="850" b="1">
                           <a:solidFill>
                             <a:srgbClr val="020302"/>
                           </a:solidFill>
                           <a:latin typeface="Adobe Clean"/>
                           <a:cs typeface="Adobe Clean"/>
                         </a:rPr>
-                        <a:t>PRIORITY 1</a:t>
+                        <a:t>PRIORITÀ 1</a:t>
                       </a:r>
-                      <a:endParaRPr sz="900" spc="0" dirty="0">
-                        <a:latin typeface="Adobe Clean"/>
-                        <a:cs typeface="Adobe Clean"/>
-                      </a:endParaRPr>
                     </a:p>
                     <a:p>
                       <a:pPr marL="50800" marR="387985">
@@ -7903,19 +7289,14 @@
                         </a:spcBef>
                       </a:pPr>
                       <a:r>
-                        <a:rPr lang="en-US" sz="900" b="0" i="0" spc="0" dirty="0">
+                        <a:rPr lang="it-IT" sz="850" b="0" i="0">
                           <a:solidFill>
                             <a:srgbClr val="000000"/>
                           </a:solidFill>
-                          <a:effectLst/>
                           <a:latin typeface="Adobe Clean Light" panose="020B0303020404020204" pitchFamily="34" charset="0"/>
                         </a:rPr>
-                        <a:t>Customer's production business functions are down or have significant data loss or service degradation and immediate attention is required to restore functionality and usability. </a:t>
+                        <a:t>Le funzioni operative nell’ambiente di produzione del cliente non sono disponibili oppure si verificano problemi significativi di perdita di dati o deterioramento del servizio ed è richiesto un intervento immediato per ripristinare funzionalità e usabilità. </a:t>
                       </a:r>
-                      <a:endParaRPr sz="900" spc="0" dirty="0">
-                        <a:latin typeface="AdobeClean-Light"/>
-                        <a:cs typeface="AdobeClean-Light"/>
-                      </a:endParaRPr>
                     </a:p>
                   </a:txBody>
                   <a:tcPr marL="0" marR="0" marT="0" marB="0" anchor="ctr">
@@ -7962,14 +7343,14 @@
                         </a:spcBef>
                       </a:pPr>
                       <a:r>
-                        <a:rPr lang="en-US" sz="900" spc="0" dirty="0">
+                        <a:rPr lang="it-IT" sz="850">
                           <a:solidFill>
                             <a:srgbClr val="020302"/>
                           </a:solidFill>
                           <a:latin typeface="AdobeClean-Light"/>
                           <a:cs typeface="AdobeClean-Light"/>
                         </a:rPr>
-                        <a:t>24x7 /</a:t>
+                        <a:t>24x7/</a:t>
                       </a:r>
                     </a:p>
                     <a:p>
@@ -7982,19 +7363,15 @@
                         </a:spcBef>
                       </a:pPr>
                       <a:r>
-                        <a:rPr lang="en-US" sz="900" spc="0" dirty="0">
+                        <a:rPr lang="it-IT" sz="850">
                           <a:solidFill>
                             <a:srgbClr val="020302"/>
                           </a:solidFill>
                           <a:latin typeface="AdobeClean-Light"/>
                           <a:cs typeface="AdobeClean-Light"/>
                         </a:rPr>
-                        <a:t> 30 minutes</a:t>
+                        <a:t> 30 minuti</a:t>
                       </a:r>
-                      <a:endParaRPr lang="en-US" sz="900" spc="0" dirty="0">
-                        <a:latin typeface="AdobeClean-Light"/>
-                        <a:cs typeface="AdobeClean-Light"/>
-                      </a:endParaRPr>
                     </a:p>
                   </a:txBody>
                   <a:tcPr marL="0" marR="0" marT="0" marB="0" anchor="ctr">
@@ -8039,10 +7416,10 @@
                         <a:tabLst/>
                       </a:pPr>
                       <a:r>
-                        <a:rPr lang="en-US" sz="900" i="0" spc="0" dirty="0">
+                        <a:rPr lang="it-IT" sz="850" i="0" dirty="0">
                           <a:latin typeface="AdobeClean-Light"/>
                         </a:rPr>
-                        <a:t>Customers who purchase a Support Plan for applicable Adobe Products and Services receive priority case routing that fast-tracks cases to Adobe’s Support Engineers. </a:t>
+                        <a:t>I clienti che acquistano un piano di supporto per i prodotti e i servizi Adobe applicabili ricevono l’instradamento prioritario dei casi, che consente di trasmetterli rapidamente ai tecnici del supporto Adobe. </a:t>
                       </a:r>
                     </a:p>
                   </a:txBody>
@@ -8090,7 +7467,7 @@
                         </a:spcBef>
                       </a:pPr>
                       <a:r>
-                        <a:rPr sz="900" spc="0">
+                        <a:rPr lang="it-IT" sz="900">
                           <a:solidFill>
                             <a:srgbClr val="020302"/>
                           </a:solidFill>
@@ -8100,10 +7477,52 @@
                           <a:latin typeface="AdobeClean-Light"/>
                           <a:cs typeface="AdobeClean-Light"/>
                         </a:rPr>
-                        <a:t>24x7 /  </a:t>
+                        <a:t>24x7/           30 minuti</a:t>
                       </a:r>
+                    </a:p>
+                  </a:txBody>
+                  <a:tcPr marL="0" marR="0" marT="0" marB="0" anchor="ctr">
+                    <a:lnL w="3175">
+                      <a:solidFill>
+                        <a:srgbClr val="B7B8B8"/>
+                      </a:solidFill>
+                      <a:prstDash val="solid"/>
+                    </a:lnL>
+                    <a:lnR w="3175">
+                      <a:solidFill>
+                        <a:srgbClr val="B7B8B8"/>
+                      </a:solidFill>
+                      <a:prstDash val="solid"/>
+                    </a:lnR>
+                    <a:lnT w="76200">
+                      <a:solidFill>
+                        <a:srgbClr val="2E8FFF"/>
+                      </a:solidFill>
+                      <a:prstDash val="solid"/>
+                    </a:lnT>
+                    <a:lnB w="3175">
+                      <a:solidFill>
+                        <a:srgbClr val="B7B8B8"/>
+                      </a:solidFill>
+                      <a:prstDash val="solid"/>
+                    </a:lnB>
+                  </a:tcPr>
+                </a:tc>
+                <a:tc rowSpan="4" hMerge="1">
+                  <a:txBody>
+                    <a:bodyPr/>
+                    <a:lstStyle/>
+                    <a:p>
+                      <a:pPr marL="0" marR="271780" indent="103505" algn="ctr">
+                        <a:lnSpc>
+                          <a:spcPct val="100000"/>
+                        </a:lnSpc>
+                        <a:spcBef>
+                          <a:spcPts val="670"/>
+                        </a:spcBef>
+                      </a:pPr>
                       <a:r>
-                        <a:rPr lang="en-US" sz="900" spc="0">
+                        <a:rPr lang="it-IT" sz="900">
                           <a:solidFill>
                             <a:srgbClr val="020302"/>
                           </a:solidFill>
@@ -8113,168 +7532,8 @@
                           <a:latin typeface="AdobeClean-Light"/>
                           <a:cs typeface="AdobeClean-Light"/>
                         </a:rPr>
-                        <a:t>         </a:t>
+                        <a:t>24x7/         15 minuti</a:t>
                       </a:r>
-                      <a:r>
-                        <a:rPr sz="900" spc="0">
-                          <a:solidFill>
-                            <a:srgbClr val="020302"/>
-                          </a:solidFill>
-                          <a:highlight>
-                            <a:srgbClr val="FFFF00"/>
-                          </a:highlight>
-                          <a:latin typeface="AdobeClean-Light"/>
-                          <a:cs typeface="AdobeClean-Light"/>
-                        </a:rPr>
-                        <a:t>30</a:t>
-                      </a:r>
-                      <a:r>
-                        <a:rPr lang="en-US" sz="900" spc="0">
-                          <a:solidFill>
-                            <a:srgbClr val="020302"/>
-                          </a:solidFill>
-                          <a:highlight>
-                            <a:srgbClr val="FFFF00"/>
-                          </a:highlight>
-                          <a:latin typeface="AdobeClean-Light"/>
-                          <a:cs typeface="AdobeClean-Light"/>
-                        </a:rPr>
-                        <a:t> </a:t>
-                      </a:r>
-                      <a:r>
-                        <a:rPr sz="900" spc="0">
-                          <a:solidFill>
-                            <a:srgbClr val="020302"/>
-                          </a:solidFill>
-                          <a:highlight>
-                            <a:srgbClr val="FFFF00"/>
-                          </a:highlight>
-                          <a:latin typeface="AdobeClean-Light"/>
-                          <a:cs typeface="AdobeClean-Light"/>
-                        </a:rPr>
-                        <a:t>minutes</a:t>
-                      </a:r>
-                      <a:endParaRPr sz="900" spc="0">
-                        <a:highlight>
-                          <a:srgbClr val="FFFF00"/>
-                        </a:highlight>
-                        <a:latin typeface="AdobeClean-Light"/>
-                        <a:cs typeface="AdobeClean-Light"/>
-                      </a:endParaRPr>
-                    </a:p>
-                  </a:txBody>
-                  <a:tcPr marL="0" marR="0" marT="0" marB="0" anchor="ctr">
-                    <a:lnL w="3175">
-                      <a:solidFill>
-                        <a:srgbClr val="B7B8B8"/>
-                      </a:solidFill>
-                      <a:prstDash val="solid"/>
-                    </a:lnL>
-                    <a:lnR w="3175">
-                      <a:solidFill>
-                        <a:srgbClr val="B7B8B8"/>
-                      </a:solidFill>
-                      <a:prstDash val="solid"/>
-                    </a:lnR>
-                    <a:lnT w="76200">
-                      <a:solidFill>
-                        <a:srgbClr val="2E8FFF"/>
-                      </a:solidFill>
-                      <a:prstDash val="solid"/>
-                    </a:lnT>
-                    <a:lnB w="3175">
-                      <a:solidFill>
-                        <a:srgbClr val="B7B8B8"/>
-                      </a:solidFill>
-                      <a:prstDash val="solid"/>
-                    </a:lnB>
-                  </a:tcPr>
-                </a:tc>
-                <a:tc rowSpan="4" hMerge="1">
-                  <a:txBody>
-                    <a:bodyPr/>
-                    <a:lstStyle/>
-                    <a:p>
-                      <a:pPr marL="0" marR="271780" indent="103505" algn="ctr">
-                        <a:lnSpc>
-                          <a:spcPct val="100000"/>
-                        </a:lnSpc>
-                        <a:spcBef>
-                          <a:spcPts val="670"/>
-                        </a:spcBef>
-                      </a:pPr>
-                      <a:r>
-                        <a:rPr sz="900" spc="0">
-                          <a:solidFill>
-                            <a:srgbClr val="020302"/>
-                          </a:solidFill>
-                          <a:highlight>
-                            <a:srgbClr val="FFFF00"/>
-                          </a:highlight>
-                          <a:latin typeface="AdobeClean-Light"/>
-                          <a:cs typeface="AdobeClean-Light"/>
-                        </a:rPr>
-                        <a:t>24x7 / </a:t>
-                      </a:r>
-                      <a:r>
-                        <a:rPr lang="en-US" sz="900" spc="0">
-                          <a:solidFill>
-                            <a:srgbClr val="020302"/>
-                          </a:solidFill>
-                          <a:highlight>
-                            <a:srgbClr val="FFFF00"/>
-                          </a:highlight>
-                          <a:latin typeface="AdobeClean-Light"/>
-                          <a:cs typeface="AdobeClean-Light"/>
-                        </a:rPr>
-                        <a:t>       </a:t>
-                      </a:r>
-                      <a:r>
-                        <a:rPr sz="900" spc="0">
-                          <a:solidFill>
-                            <a:srgbClr val="020302"/>
-                          </a:solidFill>
-                          <a:highlight>
-                            <a:srgbClr val="FFFF00"/>
-                          </a:highlight>
-                          <a:latin typeface="AdobeClean-Light"/>
-                          <a:cs typeface="AdobeClean-Light"/>
-                        </a:rPr>
-                        <a:t> 15</a:t>
-                      </a:r>
-                      <a:r>
-                        <a:rPr lang="en-US" sz="900" spc="0">
-                          <a:solidFill>
-                            <a:srgbClr val="020302"/>
-                          </a:solidFill>
-                          <a:highlight>
-                            <a:srgbClr val="FFFF00"/>
-                          </a:highlight>
-                          <a:latin typeface="AdobeClean-Light"/>
-                          <a:cs typeface="AdobeClean-Light"/>
-                        </a:rPr>
-                        <a:t> </a:t>
-                      </a:r>
-                      <a:r>
-                        <a:rPr sz="900" spc="0">
-                          <a:solidFill>
-                            <a:srgbClr val="020302"/>
-                          </a:solidFill>
-                          <a:highlight>
-                            <a:srgbClr val="FFFF00"/>
-                          </a:highlight>
-                          <a:latin typeface="AdobeClean-Light"/>
-                          <a:cs typeface="AdobeClean-Light"/>
-                        </a:rPr>
-                        <a:t>minutes</a:t>
-                      </a:r>
-                      <a:endParaRPr sz="900" spc="0">
-                        <a:highlight>
-                          <a:srgbClr val="FFFF00"/>
-                        </a:highlight>
-                        <a:latin typeface="AdobeClean-Light"/>
-                        <a:cs typeface="AdobeClean-Light"/>
-                      </a:endParaRPr>
                     </a:p>
                   </a:txBody>
                   <a:tcPr marL="0" marR="0" marT="0" marB="0" anchor="ctr">
@@ -8325,19 +7584,15 @@
                         </a:spcBef>
                       </a:pPr>
                       <a:r>
-                        <a:rPr sz="900" b="1" spc="0" dirty="0">
+                        <a:rPr lang="it-IT" sz="850" b="1">
                           <a:solidFill>
                             <a:srgbClr val="020302"/>
                           </a:solidFill>
                           <a:latin typeface="Adobe Clean"/>
                           <a:cs typeface="Adobe Clean"/>
                         </a:rPr>
-                        <a:t>PRIORITY 2</a:t>
+                        <a:t>PRIORITÀ 2</a:t>
                       </a:r>
-                      <a:endParaRPr sz="900" spc="0" dirty="0">
-                        <a:latin typeface="Adobe Clean"/>
-                        <a:cs typeface="Adobe Clean"/>
-                      </a:endParaRPr>
                     </a:p>
                     <a:p>
                       <a:pPr marL="50165" marR="203200" indent="0" defTabSz="914400" eaLnBrk="1" fontAlgn="auto" latinLnBrk="0" hangingPunct="1">
@@ -8358,19 +7613,14 @@
                         <a:defRPr/>
                       </a:pPr>
                       <a:r>
-                        <a:rPr lang="en-US" sz="900" b="0" i="0" spc="0" dirty="0">
+                        <a:rPr lang="it-IT" sz="850" b="0" i="0">
                           <a:solidFill>
                             <a:srgbClr val="000000"/>
                           </a:solidFill>
-                          <a:effectLst/>
                           <a:latin typeface="Adobe Clean Light" panose="020B0303020404020204" pitchFamily="34" charset="0"/>
                         </a:rPr>
-                        <a:t>Customer's business functions have major service degradation or potential data loss, or a major feature is impacted.  </a:t>
+                        <a:t>Le funzioni operative del cliente hanno subìto notevoli deterioramenti del servizio o potenziale perdita di dati, oppure un problema interessa una funzione importante.  </a:t>
                       </a:r>
-                      <a:endParaRPr sz="900" b="0" i="0" spc="0" dirty="0">
-                        <a:latin typeface="Adobe Clean Light" panose="020B0303020404020204" pitchFamily="34" charset="0"/>
-                        <a:cs typeface="AdobeClean-Light"/>
-                      </a:endParaRPr>
                     </a:p>
                   </a:txBody>
                   <a:tcPr marL="0" marR="0" marT="0" marB="0" anchor="ctr">
@@ -8417,14 +7667,14 @@
                         </a:spcBef>
                       </a:pPr>
                       <a:r>
-                        <a:rPr lang="en-US" sz="900" spc="0" dirty="0">
+                        <a:rPr lang="it-IT" sz="850" dirty="0">
                           <a:solidFill>
                             <a:srgbClr val="020302"/>
                           </a:solidFill>
                           <a:latin typeface="AdobeClean-Light"/>
                           <a:cs typeface="AdobeClean-Light"/>
                         </a:rPr>
-                        <a:t>      24x7 /</a:t>
+                        <a:t>      24x7/</a:t>
                       </a:r>
                     </a:p>
                     <a:p>
@@ -8437,19 +7687,15 @@
                         </a:spcBef>
                       </a:pPr>
                       <a:r>
-                        <a:rPr lang="en-US" sz="900" spc="0" dirty="0">
+                        <a:rPr lang="it-IT" sz="850" dirty="0">
                           <a:solidFill>
                             <a:srgbClr val="020302"/>
                           </a:solidFill>
                           <a:latin typeface="AdobeClean-Light"/>
                           <a:cs typeface="AdobeClean-Light"/>
                         </a:rPr>
-                        <a:t>     1 hour</a:t>
+                        <a:t>     1 ora</a:t>
                       </a:r>
-                      <a:endParaRPr lang="en-US" sz="900" spc="0" dirty="0">
-                        <a:latin typeface="AdobeClean-Light"/>
-                        <a:cs typeface="AdobeClean-Light"/>
-                      </a:endParaRPr>
                     </a:p>
                   </a:txBody>
                   <a:tcPr marL="0" marR="0" marT="0" marB="0" anchor="ctr">
@@ -8484,7 +7730,7 @@
                     <a:bodyPr/>
                     <a:lstStyle/>
                     <a:p>
-                      <a:pPr marL="0" marR="184785" indent="-194310" algn="ctr">
+                      <a:pPr marL="0" marR="184785" indent="-194310" algn="l" rtl="0">
                         <a:lnSpc>
                           <a:spcPct val="100000"/>
                         </a:lnSpc>
@@ -8536,7 +7782,7 @@
                     <a:bodyPr/>
                     <a:lstStyle/>
                     <a:p>
-                      <a:pPr marL="0" marR="325755" indent="-5715" algn="ctr">
+                      <a:pPr marL="0" marR="325755" indent="-5715" algn="l" rtl="0">
                         <a:lnSpc>
                           <a:spcPct val="100000"/>
                         </a:lnSpc>
@@ -8585,7 +7831,7 @@
                     <a:bodyPr/>
                     <a:lstStyle/>
                     <a:p>
-                      <a:pPr marL="0" marR="259079" indent="111760" algn="ctr">
+                      <a:pPr marL="0" marR="259079" indent="111760" algn="l" rtl="0">
                         <a:lnSpc>
                           <a:spcPct val="100000"/>
                         </a:lnSpc>
@@ -8650,29 +7896,15 @@
                         </a:spcBef>
                       </a:pPr>
                       <a:r>
-                        <a:rPr sz="900" b="1" spc="0" dirty="0">
+                        <a:rPr lang="it-IT" sz="850" b="1">
                           <a:solidFill>
                             <a:srgbClr val="020302"/>
                           </a:solidFill>
                           <a:latin typeface="Adobe Clean"/>
                           <a:cs typeface="Adobe Clean"/>
                         </a:rPr>
-                        <a:t>PRIORITY</a:t>
+                        <a:t>PRIORITÀ 3</a:t>
                       </a:r>
-                      <a:r>
-                        <a:rPr lang="en-US" sz="900" b="1" spc="0" dirty="0">
-                          <a:solidFill>
-                            <a:srgbClr val="020302"/>
-                          </a:solidFill>
-                          <a:latin typeface="Adobe Clean"/>
-                          <a:cs typeface="Adobe Clean"/>
-                        </a:rPr>
-                        <a:t> 3</a:t>
-                      </a:r>
-                      <a:endParaRPr lang="en-US" sz="900" spc="0" dirty="0">
-                        <a:latin typeface="Adobe Clean"/>
-                        <a:cs typeface="Adobe Clean"/>
-                      </a:endParaRPr>
                     </a:p>
                     <a:p>
                       <a:pPr marL="49530" marR="212090" indent="-2540" defTabSz="914400" eaLnBrk="1" fontAlgn="auto" latinLnBrk="0" hangingPunct="1">
@@ -8693,26 +7925,21 @@
                         <a:defRPr/>
                       </a:pPr>
                       <a:r>
-                        <a:rPr kumimoji="0" lang="en-US" sz="900" b="0" i="0" u="none" strike="noStrike" kern="1200" cap="none" spc="0" normalizeH="0" baseline="0" noProof="0" dirty="0">
+                        <a:rPr kumimoji="0" lang="it-IT" sz="850" b="0" i="0" u="none" strike="noStrike" cap="none" normalizeH="0" baseline="0" noProof="0">
                           <a:ln>
                             <a:noFill/>
                           </a:ln>
                           <a:solidFill>
                             <a:srgbClr val="000000"/>
                           </a:solidFill>
-                          <a:effectLst/>
                           <a:uLnTx/>
                           <a:uFillTx/>
                           <a:latin typeface="Adobe Clean Light" panose="020B0303020404020204" pitchFamily="34" charset="0"/>
                           <a:ea typeface="+mn-ea"/>
                           <a:cs typeface="+mn-cs"/>
                         </a:rPr>
-                        <a:t>Customer's business functions have minor service degradation but there exists a solution/workaround allowing business functions to continue normally. </a:t>
+                        <a:t>Le funzioni operative del cliente sono interessate da deterioramento lieve del servizio, tuttavia è possibile procedere mediante una soluzione temporanea. </a:t>
                       </a:r>
-                      <a:endParaRPr lang="en-US" sz="900" b="0" i="0" spc="0" dirty="0">
-                        <a:latin typeface="Adobe Clean Light" panose="020B0303020404020204" pitchFamily="34" charset="0"/>
-                        <a:cs typeface="AdobeClean-Light"/>
-                      </a:endParaRPr>
                     </a:p>
                   </a:txBody>
                   <a:tcPr marL="0" marR="0" marT="0" marB="0" anchor="ctr">
@@ -8750,7 +7977,7 @@
                     <a:bodyPr/>
                     <a:lstStyle/>
                     <a:p>
-                      <a:pPr marL="0" marR="184785" indent="-193675" algn="ctr">
+                      <a:pPr marL="0" marR="184785" indent="0" algn="ctr">
                         <a:lnSpc>
                           <a:spcPct val="100000"/>
                         </a:lnSpc>
@@ -8762,18 +7989,18 @@
                         </a:tabLst>
                       </a:pPr>
                       <a:r>
-                        <a:rPr lang="en-US" sz="900" spc="0" dirty="0">
+                        <a:rPr lang="it-IT" sz="850" dirty="0">
                           <a:solidFill>
                             <a:srgbClr val="020302"/>
                           </a:solidFill>
                           <a:latin typeface="AdobeClean-Light"/>
                           <a:cs typeface="AdobeClean-Light"/>
                         </a:rPr>
-                        <a:t>   Business day /   </a:t>
+                        <a:t>   Giorni lavorativi/   </a:t>
                       </a:r>
                     </a:p>
                     <a:p>
-                      <a:pPr marL="0" marR="184785" indent="-194310" algn="ctr">
+                      <a:pPr marL="0" marR="184785" indent="0" algn="ctr">
                         <a:lnSpc>
                           <a:spcPct val="100000"/>
                         </a:lnSpc>
@@ -8782,19 +8009,15 @@
                         </a:spcBef>
                       </a:pPr>
                       <a:r>
-                        <a:rPr lang="en-US" sz="900" spc="0" dirty="0">
+                        <a:rPr lang="it-IT" sz="850" dirty="0">
                           <a:solidFill>
                             <a:srgbClr val="020302"/>
                           </a:solidFill>
                           <a:latin typeface="AdobeClean-Light"/>
                           <a:cs typeface="AdobeClean-Light"/>
                         </a:rPr>
-                        <a:t>4 hours</a:t>
+                        <a:t>4 ore</a:t>
                       </a:r>
-                      <a:endParaRPr lang="en-US" sz="900" spc="0" dirty="0">
-                        <a:latin typeface="AdobeClean-Light"/>
-                        <a:cs typeface="AdobeClean-Light"/>
-                      </a:endParaRPr>
                     </a:p>
                   </a:txBody>
                   <a:tcPr marL="0" marR="0" marT="0" marB="0" anchor="ctr">
@@ -8829,7 +8052,7 @@
                     <a:bodyPr/>
                     <a:lstStyle/>
                     <a:p>
-                      <a:pPr marL="0" marR="185420" indent="-193675" algn="ctr">
+                      <a:pPr marL="0" marR="185420" indent="-193675" algn="l" rtl="0">
                         <a:lnSpc>
                           <a:spcPct val="100000"/>
                         </a:lnSpc>
@@ -8881,7 +8104,7 @@
                     <a:bodyPr/>
                     <a:lstStyle/>
                     <a:p>
-                      <a:pPr marL="0" marR="184785" indent="-194310" algn="ctr">
+                      <a:pPr marL="0" marR="184785" indent="-194310" algn="l" rtl="0">
                         <a:lnSpc>
                           <a:spcPct val="100000"/>
                         </a:lnSpc>
@@ -8930,7 +8153,7 @@
                     <a:bodyPr/>
                     <a:lstStyle/>
                     <a:p>
-                      <a:pPr marL="0" marR="326390" indent="-5715" algn="ctr">
+                      <a:pPr marL="0" marR="326390" indent="-5715" algn="l" rtl="0">
                         <a:lnSpc>
                           <a:spcPct val="100000"/>
                         </a:lnSpc>
@@ -8995,19 +8218,15 @@
                         </a:spcBef>
                       </a:pPr>
                       <a:r>
-                        <a:rPr sz="900" b="1" spc="0" dirty="0">
+                        <a:rPr lang="it-IT" sz="850" b="1" dirty="0">
                           <a:solidFill>
                             <a:srgbClr val="020302"/>
                           </a:solidFill>
                           <a:latin typeface="Adobe Clean"/>
                           <a:cs typeface="Adobe Clean"/>
                         </a:rPr>
-                        <a:t>PRIORITY 4</a:t>
+                        <a:t>PRIORITÀ 4</a:t>
                       </a:r>
-                      <a:endParaRPr sz="900" spc="0" dirty="0">
-                        <a:latin typeface="Adobe Clean"/>
-                        <a:cs typeface="Adobe Clean"/>
-                      </a:endParaRPr>
                     </a:p>
                     <a:p>
                       <a:pPr marL="48895" marR="0" indent="0" defTabSz="914400" eaLnBrk="1" fontAlgn="auto" latinLnBrk="0" hangingPunct="1">
@@ -9028,19 +8247,14 @@
                         <a:defRPr/>
                       </a:pPr>
                       <a:r>
-                        <a:rPr lang="en-US" sz="900" b="0" i="0" spc="0" dirty="0">
+                        <a:rPr lang="it-IT" sz="850" b="0" i="0" dirty="0">
                           <a:solidFill>
                             <a:srgbClr val="000000"/>
                           </a:solidFill>
-                          <a:effectLst/>
                           <a:latin typeface="Adobe Clean Light" panose="020B0303020404020204" pitchFamily="34" charset="0"/>
                         </a:rPr>
-                        <a:t>General question regarding current product functionality or an enhancement request. </a:t>
+                        <a:t>Domande generali sulle attuali funzionalità del prodotto o richiesta di miglioramento. </a:t>
                       </a:r>
-                      <a:endParaRPr sz="900" b="0" i="0" spc="0" dirty="0">
-                        <a:latin typeface="Adobe Clean Light" panose="020B0303020404020204" pitchFamily="34" charset="0"/>
-                        <a:cs typeface="AdobeClean-Light"/>
-                      </a:endParaRPr>
                     </a:p>
                   </a:txBody>
                   <a:tcPr marL="0" marR="0" marT="0" marB="0" anchor="ctr">
@@ -9078,7 +8292,7 @@
                     <a:bodyPr/>
                     <a:lstStyle/>
                     <a:p>
-                      <a:pPr marL="195263" marR="184785" indent="-195263" algn="ctr">
+                      <a:pPr marL="0" marR="184785" indent="0" algn="ctr">
                         <a:lnSpc>
                           <a:spcPct val="100000"/>
                         </a:lnSpc>
@@ -9090,18 +8304,18 @@
                         </a:tabLst>
                       </a:pPr>
                       <a:r>
-                        <a:rPr lang="en-US" sz="900" spc="0" dirty="0">
+                        <a:rPr lang="it-IT" sz="850" dirty="0">
                           <a:solidFill>
                             <a:srgbClr val="020302"/>
                           </a:solidFill>
                           <a:latin typeface="AdobeClean-Light"/>
                           <a:cs typeface="AdobeClean-Light"/>
                         </a:rPr>
-                        <a:t>  Business day /   </a:t>
+                        <a:t>  Giorni lavorativi/   </a:t>
                       </a:r>
                     </a:p>
                     <a:p>
-                      <a:pPr marL="0" marR="184785" indent="-194310" algn="ctr">
+                      <a:pPr marL="0" marR="184785" indent="0" algn="ctr">
                         <a:lnSpc>
                           <a:spcPct val="100000"/>
                         </a:lnSpc>
@@ -9110,19 +8324,15 @@
                         </a:spcBef>
                       </a:pPr>
                       <a:r>
-                        <a:rPr lang="en-US" sz="900" spc="0" dirty="0">
+                        <a:rPr lang="it-IT" sz="850" dirty="0">
                           <a:solidFill>
                             <a:srgbClr val="020302"/>
                           </a:solidFill>
                           <a:latin typeface="AdobeClean-Light"/>
                           <a:cs typeface="AdobeClean-Light"/>
                         </a:rPr>
-                        <a:t>1 day </a:t>
+                        <a:t>1 giorno </a:t>
                       </a:r>
-                      <a:endParaRPr lang="en-US" sz="900" spc="0" dirty="0">
-                        <a:latin typeface="AdobeClean-Light"/>
-                        <a:cs typeface="AdobeClean-Light"/>
-                      </a:endParaRPr>
                     </a:p>
                   </a:txBody>
                   <a:tcPr marL="0" marR="0" marT="0" marB="0" anchor="ctr">
@@ -9157,7 +8367,7 @@
                     <a:bodyPr/>
                     <a:lstStyle/>
                     <a:p>
-                      <a:pPr marL="0" marR="223520" indent="-202565" algn="ctr">
+                      <a:pPr marL="0" marR="223520" indent="-202565" algn="l" rtl="0">
                         <a:lnSpc>
                           <a:spcPct val="100000"/>
                         </a:lnSpc>
@@ -9209,7 +8419,7 @@
                     <a:bodyPr/>
                     <a:lstStyle/>
                     <a:p>
-                      <a:pPr marL="0" marR="223520" indent="-202565" algn="ctr">
+                      <a:pPr marL="0" marR="223520" indent="-202565" algn="l" rtl="0">
                         <a:lnSpc>
                           <a:spcPct val="100000"/>
                         </a:lnSpc>
@@ -9258,7 +8468,7 @@
                     <a:bodyPr/>
                     <a:lstStyle/>
                     <a:p>
-                      <a:pPr marL="0" marR="223520" indent="-202565" algn="ctr">
+                      <a:pPr marL="0" marR="223520" indent="-202565" algn="l" rtl="0">
                         <a:lnSpc>
                           <a:spcPct val="100000"/>
                         </a:lnSpc>
@@ -9352,20 +8562,11 @@
               </a:spcBef>
             </a:pPr>
             <a:r>
-              <a:rPr sz="2300" dirty="0">
+              <a:rPr lang="it-IT" sz="2300">
                 <a:latin typeface="Adobe Clean" panose="020B0503020404020204" pitchFamily="34" charset="0"/>
               </a:rPr>
-              <a:t>ADOBE </a:t>
+              <a:t>PIANI DI SUPPORTO ADOBE</a:t>
             </a:r>
-            <a:r>
-              <a:rPr lang="en-US" sz="2300" dirty="0">
-                <a:latin typeface="Adobe Clean" panose="020B0503020404020204" pitchFamily="34" charset="0"/>
-              </a:rPr>
-              <a:t>SUPPORT PLANS</a:t>
-            </a:r>
-            <a:endParaRPr sz="2300" dirty="0">
-              <a:latin typeface="Adobe Clean" panose="020B0503020404020204" pitchFamily="34" charset="0"/>
-            </a:endParaRPr>
           </a:p>
         </p:txBody>
       </p:sp>
@@ -9398,13 +8599,13 @@
           <a:lstStyle/>
           <a:p>
             <a:r>
-              <a:rPr lang="en-US" sz="700" i="1" dirty="0">
+              <a:rPr lang="it-IT" sz="700" i="1">
                 <a:solidFill>
                   <a:schemeClr val="bg1"/>
                 </a:solidFill>
                 <a:latin typeface="Adobe Clean" panose="020B0503020404020204" pitchFamily="34" charset="0"/>
               </a:rPr>
-              <a:t>Adobe Creative Cloud / Adobe Document Cloud (including Adobe Sign)</a:t>
+              <a:t>Adobe Creative Cloud/Adobe Document Cloud (incluso Adobe Sign)</a:t>
             </a:r>
           </a:p>
           <a:p>
@@ -9451,7 +8652,7 @@
         <p:spPr>
           <a:xfrm>
             <a:off x="317646" y="1345469"/>
-            <a:ext cx="1371600" cy="0"/>
+            <a:ext cx="1508760" cy="0"/>
           </a:xfrm>
           <a:custGeom>
             <a:avLst/>
@@ -9556,386 +8757,32 @@
               </a:spcBef>
             </a:pPr>
             <a:r>
-              <a:rPr lang="en-US" sz="1100" spc="-20" dirty="0">
+              <a:rPr lang="it-IT" sz="1100">
                 <a:solidFill>
                   <a:srgbClr val="020302"/>
                 </a:solidFill>
                 <a:latin typeface="AdobeClean-Light"/>
                 <a:cs typeface="AdobeClean-Light"/>
               </a:rPr>
-              <a:t>Adobe Customer Support offers a</a:t>
+              <a:t>L’assistenza clienti Adobe offre l’accesso alle risorse per la documentazione e la possibilità di interagire con altri esperti e clienti per individuare le migliori pratiche. Sono disponibili diversi canali</a:t>
             </a:r>
             <a:r>
-              <a:rPr sz="1100" spc="-20" dirty="0">
+              <a:rPr lang="it-IT" sz="1100">
+                <a:latin typeface="AdobeClean-Light"/>
+                <a:cs typeface="AdobeClean-Light"/>
+              </a:rPr>
+              <a:t> </a:t>
+            </a:r>
+            <a:r>
+              <a:rPr lang="it-IT" sz="1100">
                 <a:solidFill>
                   <a:srgbClr val="020302"/>
                 </a:solidFill>
                 <a:latin typeface="AdobeClean-Light"/>
                 <a:cs typeface="AdobeClean-Light"/>
               </a:rPr>
-              <a:t>ccess</a:t>
+              <a:t>per l’inoltro di domande e richieste di assistenza.</a:t>
             </a:r>
-            <a:r>
-              <a:rPr sz="1100" spc="-90" dirty="0">
-                <a:solidFill>
-                  <a:srgbClr val="020302"/>
-                </a:solidFill>
-                <a:latin typeface="AdobeClean-Light"/>
-                <a:cs typeface="AdobeClean-Light"/>
-              </a:rPr>
-              <a:t> </a:t>
-            </a:r>
-            <a:r>
-              <a:rPr sz="1100" spc="-10" dirty="0">
-                <a:solidFill>
-                  <a:srgbClr val="020302"/>
-                </a:solidFill>
-                <a:latin typeface="AdobeClean-Light"/>
-                <a:cs typeface="AdobeClean-Light"/>
-              </a:rPr>
-              <a:t>to</a:t>
-            </a:r>
-            <a:r>
-              <a:rPr sz="1100" spc="10" dirty="0">
-                <a:solidFill>
-                  <a:srgbClr val="020302"/>
-                </a:solidFill>
-                <a:latin typeface="AdobeClean-Light"/>
-                <a:cs typeface="AdobeClean-Light"/>
-              </a:rPr>
-              <a:t> </a:t>
-            </a:r>
-            <a:r>
-              <a:rPr sz="1100" spc="-20" dirty="0">
-                <a:solidFill>
-                  <a:srgbClr val="020302"/>
-                </a:solidFill>
-                <a:latin typeface="AdobeClean-Light"/>
-                <a:cs typeface="AdobeClean-Light"/>
-              </a:rPr>
-              <a:t>resources</a:t>
-            </a:r>
-            <a:r>
-              <a:rPr sz="1100" spc="-120" dirty="0">
-                <a:solidFill>
-                  <a:srgbClr val="020302"/>
-                </a:solidFill>
-                <a:latin typeface="AdobeClean-Light"/>
-                <a:cs typeface="AdobeClean-Light"/>
-              </a:rPr>
-              <a:t> </a:t>
-            </a:r>
-            <a:r>
-              <a:rPr sz="1100" spc="-15" dirty="0">
-                <a:solidFill>
-                  <a:srgbClr val="020302"/>
-                </a:solidFill>
-                <a:latin typeface="AdobeClean-Light"/>
-                <a:cs typeface="AdobeClean-Light"/>
-              </a:rPr>
-              <a:t>for</a:t>
-            </a:r>
-            <a:r>
-              <a:rPr sz="1100" spc="-30" dirty="0">
-                <a:solidFill>
-                  <a:srgbClr val="020302"/>
-                </a:solidFill>
-                <a:latin typeface="AdobeClean-Light"/>
-                <a:cs typeface="AdobeClean-Light"/>
-              </a:rPr>
-              <a:t> </a:t>
-            </a:r>
-            <a:r>
-              <a:rPr sz="1100" spc="-15" dirty="0">
-                <a:solidFill>
-                  <a:srgbClr val="020302"/>
-                </a:solidFill>
-                <a:latin typeface="AdobeClean-Light"/>
-                <a:cs typeface="AdobeClean-Light"/>
-              </a:rPr>
-              <a:t>documentation</a:t>
-            </a:r>
-            <a:r>
-              <a:rPr lang="en-US" sz="1100" spc="-15" dirty="0">
-                <a:solidFill>
-                  <a:srgbClr val="020302"/>
-                </a:solidFill>
-                <a:latin typeface="AdobeClean-Light"/>
-                <a:cs typeface="AdobeClean-Light"/>
-              </a:rPr>
-              <a:t> and </a:t>
-            </a:r>
-            <a:r>
-              <a:rPr sz="1100" spc="-15" dirty="0">
-                <a:solidFill>
-                  <a:srgbClr val="020302"/>
-                </a:solidFill>
-                <a:latin typeface="AdobeClean-Light"/>
-                <a:cs typeface="AdobeClean-Light"/>
-              </a:rPr>
-              <a:t>engagement</a:t>
-            </a:r>
-            <a:r>
-              <a:rPr lang="en-US" sz="1100" spc="-15" dirty="0">
-                <a:solidFill>
-                  <a:srgbClr val="020302"/>
-                </a:solidFill>
-                <a:latin typeface="AdobeClean-Light"/>
-                <a:cs typeface="AdobeClean-Light"/>
-              </a:rPr>
-              <a:t> </a:t>
-            </a:r>
-            <a:r>
-              <a:rPr sz="1100" spc="-15" dirty="0">
-                <a:solidFill>
-                  <a:srgbClr val="020302"/>
-                </a:solidFill>
-                <a:latin typeface="AdobeClean-Light"/>
-                <a:cs typeface="AdobeClean-Light"/>
-              </a:rPr>
-              <a:t>with</a:t>
-            </a:r>
-            <a:r>
-              <a:rPr sz="1100" spc="-35" dirty="0">
-                <a:solidFill>
-                  <a:srgbClr val="020302"/>
-                </a:solidFill>
-                <a:latin typeface="AdobeClean-Light"/>
-                <a:cs typeface="AdobeClean-Light"/>
-              </a:rPr>
-              <a:t> </a:t>
-            </a:r>
-            <a:r>
-              <a:rPr sz="1100" spc="-20" dirty="0">
-                <a:solidFill>
-                  <a:srgbClr val="020302"/>
-                </a:solidFill>
-                <a:latin typeface="AdobeClean-Light"/>
-                <a:cs typeface="AdobeClean-Light"/>
-              </a:rPr>
-              <a:t>other experts </a:t>
-            </a:r>
-            <a:r>
-              <a:rPr sz="1100" spc="-15" dirty="0">
-                <a:solidFill>
-                  <a:srgbClr val="020302"/>
-                </a:solidFill>
-                <a:latin typeface="AdobeClean-Light"/>
-                <a:cs typeface="AdobeClean-Light"/>
-              </a:rPr>
-              <a:t>and </a:t>
-            </a:r>
-            <a:r>
-              <a:rPr sz="1100" spc="-20" dirty="0">
-                <a:solidFill>
-                  <a:srgbClr val="020302"/>
-                </a:solidFill>
-                <a:latin typeface="AdobeClean-Light"/>
-                <a:cs typeface="AdobeClean-Light"/>
-              </a:rPr>
-              <a:t>customers </a:t>
-            </a:r>
-            <a:r>
-              <a:rPr sz="1100" spc="-15" dirty="0">
-                <a:solidFill>
-                  <a:srgbClr val="020302"/>
-                </a:solidFill>
-                <a:latin typeface="AdobeClean-Light"/>
-                <a:cs typeface="AdobeClean-Light"/>
-              </a:rPr>
-              <a:t>for best </a:t>
-            </a:r>
-            <a:r>
-              <a:rPr sz="1100" spc="-20" dirty="0">
-                <a:solidFill>
-                  <a:srgbClr val="020302"/>
-                </a:solidFill>
-                <a:latin typeface="AdobeClean-Light"/>
-                <a:cs typeface="AdobeClean-Light"/>
-              </a:rPr>
-              <a:t>practices</a:t>
-            </a:r>
-            <a:r>
-              <a:rPr lang="en-US" sz="1100" spc="-20" dirty="0">
-                <a:solidFill>
-                  <a:srgbClr val="020302"/>
-                </a:solidFill>
-                <a:latin typeface="AdobeClean-Light"/>
-                <a:cs typeface="AdobeClean-Light"/>
-              </a:rPr>
-              <a:t>. </a:t>
-            </a:r>
-            <a:r>
-              <a:rPr sz="1100" spc="-20" dirty="0">
-                <a:solidFill>
-                  <a:srgbClr val="020302"/>
-                </a:solidFill>
-                <a:latin typeface="AdobeClean-Light"/>
-                <a:cs typeface="AdobeClean-Light"/>
-              </a:rPr>
-              <a:t>Several channels </a:t>
-            </a:r>
-            <a:r>
-              <a:rPr sz="1100" spc="-15" dirty="0">
-                <a:solidFill>
-                  <a:srgbClr val="020302"/>
-                </a:solidFill>
-                <a:latin typeface="AdobeClean-Light"/>
-                <a:cs typeface="AdobeClean-Light"/>
-              </a:rPr>
-              <a:t>are</a:t>
-            </a:r>
-            <a:r>
-              <a:rPr sz="1100" spc="-140" dirty="0">
-                <a:solidFill>
-                  <a:srgbClr val="020302"/>
-                </a:solidFill>
-                <a:latin typeface="AdobeClean-Light"/>
-                <a:cs typeface="AdobeClean-Light"/>
-              </a:rPr>
-              <a:t> </a:t>
-            </a:r>
-            <a:r>
-              <a:rPr sz="1100" spc="-20" dirty="0">
-                <a:solidFill>
-                  <a:srgbClr val="020302"/>
-                </a:solidFill>
-                <a:latin typeface="AdobeClean-Light"/>
-                <a:cs typeface="AdobeClean-Light"/>
-              </a:rPr>
-              <a:t>also</a:t>
-            </a:r>
-            <a:r>
-              <a:rPr lang="en-US" sz="1100" dirty="0">
-                <a:latin typeface="AdobeClean-Light"/>
-                <a:cs typeface="AdobeClean-Light"/>
-              </a:rPr>
-              <a:t> </a:t>
-            </a:r>
-            <a:r>
-              <a:rPr sz="1100" spc="-25" dirty="0">
-                <a:solidFill>
-                  <a:srgbClr val="020302"/>
-                </a:solidFill>
-                <a:latin typeface="AdobeClean-Light"/>
-                <a:cs typeface="AdobeClean-Light"/>
-              </a:rPr>
-              <a:t>available</a:t>
-            </a:r>
-            <a:r>
-              <a:rPr sz="1100" spc="-65" dirty="0">
-                <a:solidFill>
-                  <a:srgbClr val="020302"/>
-                </a:solidFill>
-                <a:latin typeface="AdobeClean-Light"/>
-                <a:cs typeface="AdobeClean-Light"/>
-              </a:rPr>
-              <a:t> </a:t>
-            </a:r>
-            <a:r>
-              <a:rPr sz="1100" spc="-15" dirty="0">
-                <a:solidFill>
-                  <a:srgbClr val="020302"/>
-                </a:solidFill>
-                <a:latin typeface="AdobeClean-Light"/>
-                <a:cs typeface="AdobeClean-Light"/>
-              </a:rPr>
-              <a:t>for</a:t>
-            </a:r>
-            <a:r>
-              <a:rPr sz="1100" spc="-25" dirty="0">
-                <a:solidFill>
-                  <a:srgbClr val="020302"/>
-                </a:solidFill>
-                <a:latin typeface="AdobeClean-Light"/>
-                <a:cs typeface="AdobeClean-Light"/>
-              </a:rPr>
-              <a:t> </a:t>
-            </a:r>
-            <a:r>
-              <a:rPr sz="1100" spc="-20" dirty="0">
-                <a:solidFill>
-                  <a:srgbClr val="020302"/>
-                </a:solidFill>
-                <a:latin typeface="AdobeClean-Light"/>
-                <a:cs typeface="AdobeClean-Light"/>
-              </a:rPr>
-              <a:t>questions</a:t>
-            </a:r>
-            <a:r>
-              <a:rPr sz="1100" spc="-114" dirty="0">
-                <a:solidFill>
-                  <a:srgbClr val="020302"/>
-                </a:solidFill>
-                <a:latin typeface="AdobeClean-Light"/>
-                <a:cs typeface="AdobeClean-Light"/>
-              </a:rPr>
-              <a:t> </a:t>
-            </a:r>
-            <a:r>
-              <a:rPr sz="1100" spc="-15" dirty="0">
-                <a:solidFill>
-                  <a:srgbClr val="020302"/>
-                </a:solidFill>
-                <a:latin typeface="AdobeClean-Light"/>
-                <a:cs typeface="AdobeClean-Light"/>
-              </a:rPr>
-              <a:t>and</a:t>
-            </a:r>
-            <a:r>
-              <a:rPr sz="1100" spc="-45" dirty="0">
-                <a:solidFill>
-                  <a:srgbClr val="020302"/>
-                </a:solidFill>
-                <a:latin typeface="AdobeClean-Light"/>
-                <a:cs typeface="AdobeClean-Light"/>
-              </a:rPr>
-              <a:t> </a:t>
-            </a:r>
-            <a:r>
-              <a:rPr sz="1100" spc="-20" dirty="0">
-                <a:solidFill>
-                  <a:srgbClr val="020302"/>
-                </a:solidFill>
-                <a:latin typeface="AdobeClean-Light"/>
-                <a:cs typeface="AdobeClean-Light"/>
-              </a:rPr>
-              <a:t>case</a:t>
-            </a:r>
-            <a:r>
-              <a:rPr sz="1100" spc="-35" dirty="0">
-                <a:solidFill>
-                  <a:srgbClr val="020302"/>
-                </a:solidFill>
-                <a:latin typeface="AdobeClean-Light"/>
-                <a:cs typeface="AdobeClean-Light"/>
-              </a:rPr>
-              <a:t> </a:t>
-            </a:r>
-            <a:r>
-              <a:rPr sz="1100" spc="-20" dirty="0">
-                <a:solidFill>
-                  <a:srgbClr val="020302"/>
-                </a:solidFill>
-                <a:latin typeface="AdobeClean-Light"/>
-                <a:cs typeface="AdobeClean-Light"/>
-              </a:rPr>
-              <a:t>submissions</a:t>
-            </a:r>
-            <a:r>
-              <a:rPr lang="en-US" sz="1100" spc="-20" dirty="0">
-                <a:solidFill>
-                  <a:srgbClr val="020302"/>
-                </a:solidFill>
-                <a:latin typeface="AdobeClean-Light"/>
-                <a:cs typeface="AdobeClean-Light"/>
-              </a:rPr>
-              <a:t>.</a:t>
-            </a:r>
-            <a:endParaRPr sz="1100" dirty="0">
-              <a:latin typeface="AdobeClean-Light"/>
-              <a:cs typeface="AdobeClean-Light"/>
-            </a:endParaRPr>
           </a:p>
         </p:txBody>
       </p:sp>
@@ -9972,114 +8819,14 @@
               </a:tabLst>
             </a:pPr>
             <a:r>
-              <a:rPr lang="en-US" sz="1100" spc="-20" dirty="0">
+              <a:rPr lang="it-IT" sz="1100">
                 <a:solidFill>
                   <a:srgbClr val="020302"/>
                 </a:solidFill>
                 <a:latin typeface="AdobeClean-Light"/>
                 <a:cs typeface="AdobeClean-Light"/>
               </a:rPr>
-              <a:t>Authorized Users (Admins) can start a chat session with Adobe Support </a:t>
-            </a:r>
-            <a:r>
-              <a:rPr sz="1100" spc="-5" dirty="0">
-                <a:solidFill>
-                  <a:srgbClr val="020302"/>
-                </a:solidFill>
-                <a:latin typeface="AdobeClean-Light"/>
-                <a:cs typeface="AdobeClean-Light"/>
-              </a:rPr>
-              <a:t>to </a:t>
-            </a:r>
-            <a:r>
-              <a:rPr sz="1100" spc="-10" dirty="0">
-                <a:solidFill>
-                  <a:srgbClr val="020302"/>
-                </a:solidFill>
-                <a:latin typeface="AdobeClean-Light"/>
-                <a:cs typeface="AdobeClean-Light"/>
-              </a:rPr>
-              <a:t>get </a:t>
-            </a:r>
-            <a:r>
-              <a:rPr sz="1100" spc="-20" dirty="0">
-                <a:solidFill>
-                  <a:srgbClr val="020302"/>
-                </a:solidFill>
-                <a:latin typeface="AdobeClean-Light"/>
-                <a:cs typeface="AdobeClean-Light"/>
-              </a:rPr>
-              <a:t>answers</a:t>
-            </a:r>
-            <a:r>
-              <a:rPr lang="en-US" sz="1100" spc="-45" dirty="0">
-                <a:solidFill>
-                  <a:srgbClr val="020302"/>
-                </a:solidFill>
-                <a:latin typeface="AdobeClean-Light"/>
-                <a:cs typeface="AdobeClean-Light"/>
-              </a:rPr>
-              <a:t> and </a:t>
-            </a:r>
-            <a:r>
-              <a:rPr sz="1100" spc="-15" dirty="0">
-                <a:solidFill>
-                  <a:srgbClr val="020302"/>
-                </a:solidFill>
-                <a:latin typeface="AdobeClean-Light"/>
-                <a:cs typeface="AdobeClean-Light"/>
-              </a:rPr>
-              <a:t>help </a:t>
-            </a:r>
-            <a:r>
-              <a:rPr sz="1100" spc="-10" dirty="0">
-                <a:solidFill>
-                  <a:srgbClr val="020302"/>
-                </a:solidFill>
-                <a:latin typeface="AdobeClean-Light"/>
-                <a:cs typeface="AdobeClean-Light"/>
-              </a:rPr>
-              <a:t>with</a:t>
-            </a:r>
-            <a:r>
-              <a:rPr sz="1100" spc="85" dirty="0">
-                <a:solidFill>
-                  <a:srgbClr val="020302"/>
-                </a:solidFill>
-                <a:latin typeface="AdobeClean-Light"/>
-                <a:cs typeface="AdobeClean-Light"/>
-              </a:rPr>
-              <a:t> </a:t>
-            </a:r>
-            <a:r>
-              <a:rPr sz="1100" spc="-10" dirty="0">
-                <a:solidFill>
-                  <a:srgbClr val="020302"/>
-                </a:solidFill>
-                <a:latin typeface="AdobeClean-Light"/>
-                <a:cs typeface="AdobeClean-Light"/>
-              </a:rPr>
-              <a:t>case </a:t>
-            </a:r>
-            <a:r>
-              <a:rPr sz="1100" spc="-20" dirty="0">
-                <a:solidFill>
-                  <a:srgbClr val="020302"/>
-                </a:solidFill>
-                <a:latin typeface="AdobeClean-Light"/>
-                <a:cs typeface="AdobeClean-Light"/>
-              </a:rPr>
-              <a:t>submission</a:t>
-            </a:r>
-            <a:r>
-              <a:rPr lang="en-US" sz="1100" spc="-20" dirty="0">
-                <a:solidFill>
-                  <a:srgbClr val="020302"/>
-                </a:solidFill>
-                <a:latin typeface="AdobeClean-Light"/>
-                <a:cs typeface="AdobeClean-Light"/>
-              </a:rPr>
-              <a:t>.</a:t>
+              <a:t>Gli utenti autorizzati (Admin) possono avviare una sessione di chat con l’assistenza Adobe per ottenere risposte e aiuto con l’invio del caso.</a:t>
             </a:r>
           </a:p>
           <a:p>
@@ -10095,19 +8842,15 @@
               </a:tabLst>
             </a:pPr>
             <a:r>
-              <a:rPr lang="en-US" sz="1100" i="1" spc="-10" dirty="0">
+              <a:rPr lang="it-IT" sz="1100" i="1">
                 <a:solidFill>
                   <a:srgbClr val="7A7A7A"/>
                 </a:solidFill>
                 <a:latin typeface="AdobeClean-LightIt"/>
                 <a:cs typeface="AdobeClean-LightIt"/>
               </a:rPr>
-              <a:t>Subject to local hours</a:t>
+              <a:t>Soggetto agli orari locali</a:t>
             </a:r>
-            <a:endParaRPr sz="1100" i="1" dirty="0">
-              <a:latin typeface="AdobeClean-Light"/>
-              <a:cs typeface="AdobeClean-Light"/>
-            </a:endParaRPr>
           </a:p>
         </p:txBody>
       </p:sp>
@@ -10155,7 +8898,7 @@
         <p:spPr>
           <a:xfrm>
             <a:off x="228600" y="1037692"/>
-            <a:ext cx="1501052" cy="307777"/>
+            <a:ext cx="1737360" cy="307777"/>
           </a:xfrm>
           <a:prstGeom prst="rect">
             <a:avLst/>
@@ -10176,19 +8919,15 @@
               </a:spcBef>
             </a:pPr>
             <a:r>
-              <a:rPr lang="en-US" sz="1400" b="1" spc="-10" dirty="0">
+              <a:rPr lang="it-IT" sz="1400" b="1" dirty="0">
                 <a:solidFill>
                   <a:srgbClr val="020302"/>
                 </a:solidFill>
                 <a:latin typeface="Adobe Clean"/>
                 <a:cs typeface="Adobe Clean"/>
               </a:rPr>
-              <a:t>Standard Support</a:t>
+              <a:t>Supporto Standard</a:t>
             </a:r>
-            <a:endParaRPr lang="en-US" sz="1400" dirty="0">
-              <a:latin typeface="Adobe Clean"/>
-              <a:cs typeface="Adobe Clean"/>
-            </a:endParaRPr>
           </a:p>
         </p:txBody>
       </p:sp>
@@ -10209,7 +8948,7 @@
         <p:spPr>
           <a:xfrm>
             <a:off x="308312" y="3141943"/>
-            <a:ext cx="1625002" cy="215444"/>
+            <a:ext cx="2926080" cy="215444"/>
           </a:xfrm>
           <a:prstGeom prst="rect">
             <a:avLst/>
@@ -10230,20 +8969,20 @@
               </a:spcAft>
             </a:pPr>
             <a:r>
-              <a:rPr lang="en-US" sz="1400" b="1" dirty="0">
+              <a:rPr lang="it-IT" sz="1400" b="1" dirty="0">
+                <a:latin typeface="Adobe Clean" panose="020B0503020404020204" pitchFamily="34" charset="0"/>
+                <a:ea typeface="Open Sans" pitchFamily="34" charset="0"/>
+                <a:cs typeface="Open Sans" pitchFamily="34" charset="0"/>
+              </a:rPr>
+              <a:t>Forum</a:t>
+            </a:r>
+            <a:r>
+              <a:rPr lang="it-IT" sz="1400" b="1" dirty="0">
                 <a:latin typeface="+mj-lt"/>
                 <a:ea typeface="Open Sans" pitchFamily="34" charset="0"/>
                 <a:cs typeface="Open Sans" pitchFamily="34" charset="0"/>
               </a:rPr>
-              <a:t>Community </a:t>
-            </a:r>
-            <a:r>
-              <a:rPr lang="en-US" sz="1400" b="1" dirty="0">
-                <a:latin typeface="Adobe Clean" panose="020B0503020404020204" pitchFamily="34" charset="0"/>
-                <a:ea typeface="Open Sans" pitchFamily="34" charset="0"/>
-                <a:cs typeface="Open Sans" pitchFamily="34" charset="0"/>
-              </a:rPr>
-              <a:t>Forums</a:t>
+              <a:t> della community</a:t>
             </a:r>
           </a:p>
         </p:txBody>
@@ -10276,13 +9015,13 @@
           <a:lstStyle/>
           <a:p>
             <a:r>
-              <a:rPr lang="en-US" sz="1100" dirty="0">
+              <a:rPr lang="it-IT" sz="1100">
                 <a:solidFill>
                   <a:srgbClr val="000000"/>
                 </a:solidFill>
                 <a:latin typeface="Adobe Clean Light" panose="020B0303020404020204" pitchFamily="34" charset="0"/>
               </a:rPr>
-              <a:t>Continuous online access to a growing database of technical solutions, product documentation, FAQs and more. Connect with other customers on Adobe Community to share best practices and lessons learned..</a:t>
+              <a:t>Accesso online continuo a un database in continua crescita di soluzioni tecniche, documentazione del prodotto, risposte alle domande più frequenti e altro ancora. Possibilità di relazionarsi con altri clienti della Community Adobe per condividere best practice ed esperienze.</a:t>
             </a:r>
           </a:p>
         </p:txBody>
@@ -10304,7 +9043,7 @@
         <p:spPr>
           <a:xfrm>
             <a:off x="3883640" y="3141943"/>
-            <a:ext cx="1191032" cy="215444"/>
+            <a:ext cx="3383280" cy="215444"/>
           </a:xfrm>
           <a:prstGeom prst="rect">
             <a:avLst/>
@@ -10325,12 +9064,12 @@
               </a:spcAft>
             </a:pPr>
             <a:r>
-              <a:rPr lang="en-US" sz="1400" b="1" dirty="0">
+              <a:rPr lang="it-IT" sz="1400" b="1" dirty="0">
                 <a:latin typeface="Adobe Clean" panose="020B0503020404020204" pitchFamily="34" charset="0"/>
                 <a:ea typeface="Open Sans" pitchFamily="34" charset="0"/>
                 <a:cs typeface="Open Sans" pitchFamily="34" charset="0"/>
               </a:rPr>
-              <a:t>Self-Help Portal</a:t>
+              <a:t>Portale di assistenza autonoma</a:t>
             </a:r>
           </a:p>
         </p:txBody>
@@ -10363,13 +9102,13 @@
           <a:lstStyle/>
           <a:p>
             <a:r>
-              <a:rPr lang="en-US" sz="1100" dirty="0">
+              <a:rPr lang="it-IT" sz="1100">
                 <a:solidFill>
                   <a:srgbClr val="000000"/>
                 </a:solidFill>
                 <a:latin typeface="Adobe Clean Light" panose="020B0303020404020204" pitchFamily="34" charset="0"/>
               </a:rPr>
-              <a:t>On-demand access to the online self-help support portal to review case status and browse other resources like our knowledge base, news and alerts, featured tips, and more.</a:t>
+              <a:t>Accesso on-demand al portale di assistenza autonoma per inviare richieste di esaminare lo stato dei casi e sfogliare altre risorse, come la knowledge base, notizie e avvisi, suggerimenti e altro ancora.</a:t>
             </a:r>
           </a:p>
         </p:txBody>
@@ -10412,12 +9151,12 @@
               </a:spcAft>
             </a:pPr>
             <a:r>
-              <a:rPr lang="en-US" sz="1400" b="1" dirty="0">
+              <a:rPr lang="it-IT" sz="1400" b="1">
                 <a:latin typeface="Adobe Clean" panose="020B0503020404020204" pitchFamily="34" charset="0"/>
                 <a:ea typeface="Open Sans" pitchFamily="34" charset="0"/>
                 <a:cs typeface="Open Sans" pitchFamily="34" charset="0"/>
               </a:rPr>
-              <a:t>Chat Support</a:t>
+              <a:t>Supporto chat</a:t>
             </a:r>
           </a:p>
         </p:txBody>
@@ -10460,12 +9199,12 @@
               </a:spcAft>
             </a:pPr>
             <a:r>
-              <a:rPr lang="en-US" sz="1400" b="1" dirty="0">
+              <a:rPr lang="it-IT" sz="1400" b="1">
                 <a:latin typeface="Adobe Clean" panose="020B0503020404020204" pitchFamily="34" charset="0"/>
                 <a:ea typeface="Open Sans" pitchFamily="34" charset="0"/>
                 <a:cs typeface="Open Sans" pitchFamily="34" charset="0"/>
               </a:rPr>
-              <a:t>Phone Support</a:t>
+              <a:t>Supporto telefonico</a:t>
             </a:r>
           </a:p>
         </p:txBody>
@@ -10485,7 +9224,7 @@
         <p:spPr>
           <a:xfrm>
             <a:off x="3874139" y="5352333"/>
-            <a:ext cx="3286720" cy="543739"/>
+            <a:ext cx="3286720" cy="713016"/>
           </a:xfrm>
           <a:prstGeom prst="rect">
             <a:avLst/>
@@ -10498,116 +9237,42 @@
           <a:lstStyle/>
           <a:p>
             <a:r>
-              <a:rPr lang="en-US" sz="1100" dirty="0">
+              <a:rPr lang="it-IT" sz="1100" dirty="0">
                 <a:solidFill>
                   <a:srgbClr val="020302"/>
                 </a:solidFill>
                 <a:latin typeface="AdobeClean-Light"/>
               </a:rPr>
-              <a:t>Authorized Users (Admins) </a:t>
+              <a:t>Gli utenti autorizzati (Admin) </a:t>
             </a:r>
             <a:r>
-              <a:rPr lang="en-US" sz="1100" dirty="0">
+              <a:rPr lang="it-IT" sz="1100" dirty="0">
                 <a:latin typeface="Adobe Clean Light"/>
               </a:rPr>
-              <a:t>can call Adobe Support via phone </a:t>
+              <a:t>possono contattare il supporto Adobe tramite telefono </a:t>
             </a:r>
             <a:r>
-              <a:rPr lang="en-US" sz="1100" spc="-5" dirty="0">
+              <a:rPr lang="it-IT" sz="1100" dirty="0">
                 <a:solidFill>
                   <a:srgbClr val="020302"/>
                 </a:solidFill>
                 <a:latin typeface="AdobeClean-Light"/>
                 <a:cs typeface="AdobeClean-Light"/>
               </a:rPr>
-              <a:t>to </a:t>
-            </a:r>
-            <a:r>
-              <a:rPr lang="en-US" sz="1100" spc="-10" dirty="0">
-                <a:solidFill>
-                  <a:srgbClr val="020302"/>
-                </a:solidFill>
-                <a:latin typeface="AdobeClean-Light"/>
-                <a:cs typeface="AdobeClean-Light"/>
-              </a:rPr>
-              <a:t>get </a:t>
-            </a:r>
-            <a:r>
-              <a:rPr lang="en-US" sz="1100" spc="-20" dirty="0">
-                <a:solidFill>
-                  <a:srgbClr val="020302"/>
-                </a:solidFill>
-                <a:latin typeface="AdobeClean-Light"/>
-                <a:cs typeface="AdobeClean-Light"/>
-              </a:rPr>
-              <a:t>answers</a:t>
-            </a:r>
-            <a:r>
-              <a:rPr lang="en-US" sz="1100" spc="-45" dirty="0">
-                <a:solidFill>
-                  <a:srgbClr val="020302"/>
-                </a:solidFill>
-                <a:latin typeface="AdobeClean-Light"/>
-                <a:cs typeface="AdobeClean-Light"/>
-              </a:rPr>
-              <a:t> and</a:t>
-            </a:r>
-            <a:r>
-              <a:rPr lang="en-US" sz="1100" dirty="0">
-                <a:solidFill>
-                  <a:srgbClr val="020302"/>
-                </a:solidFill>
-                <a:latin typeface="AdobeClean-Light"/>
-                <a:cs typeface="AdobeClean-Light"/>
-              </a:rPr>
-              <a:t> </a:t>
-            </a:r>
-            <a:r>
-              <a:rPr lang="en-US" sz="1100" spc="-15" dirty="0">
-                <a:solidFill>
-                  <a:srgbClr val="020302"/>
-                </a:solidFill>
-                <a:latin typeface="AdobeClean-Light"/>
-                <a:cs typeface="AdobeClean-Light"/>
-              </a:rPr>
-              <a:t>help </a:t>
-            </a:r>
-            <a:r>
-              <a:rPr lang="en-US" sz="1100" spc="-10" dirty="0">
-                <a:solidFill>
-                  <a:srgbClr val="020302"/>
-                </a:solidFill>
-                <a:latin typeface="AdobeClean-Light"/>
-                <a:cs typeface="AdobeClean-Light"/>
-              </a:rPr>
-              <a:t>with case </a:t>
-            </a:r>
-            <a:r>
-              <a:rPr lang="en-US" sz="1100" spc="-20" dirty="0">
-                <a:solidFill>
-                  <a:srgbClr val="020302"/>
-                </a:solidFill>
-                <a:latin typeface="AdobeClean-Light"/>
-                <a:cs typeface="AdobeClean-Light"/>
-              </a:rPr>
-              <a:t>submission.</a:t>
+              <a:t>per ottenere risposte e aiuto con l’invio del caso.</a:t>
             </a:r>
           </a:p>
           <a:p>
             <a:r>
-              <a:rPr lang="en-US" sz="1100" i="1" spc="-10" dirty="0">
+              <a:rPr lang="it-IT" sz="1100" i="1" dirty="0">
                 <a:solidFill>
                   <a:srgbClr val="7A7A7A"/>
                 </a:solidFill>
                 <a:latin typeface="Adobe Clean Light" panose="020B0303020404020204" pitchFamily="34" charset="0"/>
                 <a:cs typeface="AdobeClean-LightIt"/>
               </a:rPr>
-              <a:t>Subject to local hours</a:t>
+              <a:t>Soggetto agli orari locali</a:t>
             </a:r>
-            <a:endParaRPr lang="en-US" sz="1100" i="1" dirty="0">
-              <a:latin typeface="Adobe Clean Light" panose="020B0303020404020204" pitchFamily="34" charset="0"/>
-              <a:cs typeface="AdobeClean-Light"/>
-            </a:endParaRPr>
           </a:p>
         </p:txBody>
       </p:sp>
@@ -10649,12 +9314,12 @@
               </a:spcAft>
             </a:pPr>
             <a:r>
-              <a:rPr lang="en-US" sz="1400" b="1" dirty="0">
+              <a:rPr lang="it-IT" sz="1400" b="1">
                 <a:latin typeface="Adobe Clean" panose="020B0503020404020204" pitchFamily="34" charset="0"/>
                 <a:ea typeface="Open Sans" pitchFamily="34" charset="0"/>
                 <a:cs typeface="Open Sans" pitchFamily="34" charset="0"/>
               </a:rPr>
-              <a:t>Web Case Submission</a:t>
+              <a:t>Presentazione del caso sul web</a:t>
             </a:r>
           </a:p>
         </p:txBody>
@@ -10687,26 +9352,20 @@
           <a:lstStyle/>
           <a:p>
             <a:r>
-              <a:rPr lang="en-US" sz="1100" dirty="0">
+              <a:rPr lang="it-IT" sz="1100">
                 <a:solidFill>
                   <a:srgbClr val="020302"/>
                 </a:solidFill>
                 <a:latin typeface="AdobeClean-Light"/>
               </a:rPr>
-              <a:t>Authorized Users (Admins) </a:t>
+              <a:t>Gli utenti autorizzati (Admin) </a:t>
             </a:r>
             <a:r>
-              <a:rPr lang="en-US" sz="1100" dirty="0">
+              <a:rPr lang="it-IT" sz="1100">
                 <a:latin typeface="Adobe Clean Light"/>
               </a:rPr>
-              <a:t>can submit unlimited web cases at any time for support issues for review by our technical support team.</a:t>
+              <a:t>possono presentare un numero illimitato di casi web in qualsiasi momento per problemi di supporto da sottoporre all’esame del nostro team di supporto tecnico.</a:t>
             </a:r>
-            <a:endParaRPr lang="en-US" sz="1100" dirty="0">
-              <a:solidFill>
-                <a:srgbClr val="000000"/>
-              </a:solidFill>
-              <a:latin typeface="Adobe Clean Light"/>
-            </a:endParaRPr>
           </a:p>
         </p:txBody>
       </p:sp>
@@ -10923,8 +9582,8 @@
         </p:nvSpPr>
         <p:spPr>
           <a:xfrm>
-            <a:off x="137890" y="9852238"/>
-            <a:ext cx="2270125" cy="132729"/>
+            <a:off x="137889" y="9852238"/>
+            <a:ext cx="3566160" cy="132729"/>
           </a:xfrm>
           <a:prstGeom prst="rect">
             <a:avLst/>
@@ -10945,24 +9604,8 @@
               </a:spcBef>
             </a:pPr>
             <a:r>
-              <a:rPr spc="-5" dirty="0"/>
-              <a:t>©202</a:t>
-            </a:r>
-            <a:r>
-              <a:rPr lang="en-US" spc="-5" dirty="0"/>
-              <a:t>2</a:t>
-            </a:r>
-            <a:r>
-              <a:rPr spc="-5" dirty="0"/>
-              <a:t> Adobe. All Rights Reserved. Adobe</a:t>
-            </a:r>
-            <a:r>
-              <a:rPr spc="60" dirty="0"/>
-              <a:t> </a:t>
-            </a:r>
-            <a:r>
-              <a:rPr spc="-5" dirty="0"/>
-              <a:t>Confidential.</a:t>
+              <a:rPr lang="it-IT" dirty="0"/>
+              <a:t>©2022 Adobe. All Rights Reserved. Adobe Confidential.</a:t>
             </a:r>
           </a:p>
         </p:txBody>
@@ -11019,49 +9662,15 @@
               </a:lnSpc>
             </a:pPr>
             <a:r>
-              <a:rPr sz="500" spc="-5" dirty="0">
+              <a:rPr lang="it-IT" sz="500">
                 <a:solidFill>
                   <a:srgbClr val="6C6C6C"/>
                 </a:solidFill>
                 <a:latin typeface="Adobe Clean"/>
                 <a:cs typeface="Adobe Clean"/>
               </a:rPr>
-              <a:t>©2020 Adobe. All Rights Reserved. </a:t>
+              <a:t>©2020 Adobe. All Rights Reserved. Adobe Confidential.</a:t>
             </a:r>
-            <a:r>
-              <a:rPr sz="500" dirty="0">
-                <a:solidFill>
-                  <a:srgbClr val="6C6C6C"/>
-                </a:solidFill>
-                <a:latin typeface="Adobe Clean"/>
-                <a:cs typeface="Adobe Clean"/>
-              </a:rPr>
-              <a:t>Adobe</a:t>
-            </a:r>
-            <a:r>
-              <a:rPr sz="500" spc="5" dirty="0">
-                <a:solidFill>
-                  <a:srgbClr val="6C6C6C"/>
-                </a:solidFill>
-                <a:latin typeface="Adobe Clean"/>
-                <a:cs typeface="Adobe Clean"/>
-              </a:rPr>
-              <a:t> </a:t>
-            </a:r>
-            <a:r>
-              <a:rPr sz="500" spc="-5" dirty="0">
-                <a:solidFill>
-                  <a:srgbClr val="6C6C6C"/>
-                </a:solidFill>
-                <a:latin typeface="Adobe Clean"/>
-                <a:cs typeface="Adobe Clean"/>
-              </a:rPr>
-              <a:t>Confidential.</a:t>
-            </a:r>
-            <a:endParaRPr sz="500" dirty="0">
-              <a:latin typeface="Adobe Clean"/>
-              <a:cs typeface="Adobe Clean"/>
-            </a:endParaRPr>
           </a:p>
           <a:p>
             <a:pPr>
@@ -11087,39 +9696,15 @@
               </a:spcBef>
             </a:pPr>
             <a:r>
-              <a:rPr sz="800" spc="-5" dirty="0">
+              <a:rPr lang="it-IT" sz="800">
                 <a:solidFill>
                   <a:srgbClr val="6D6D6D"/>
                 </a:solidFill>
                 <a:latin typeface="Adobe Clean"/>
                 <a:cs typeface="Adobe Clean"/>
               </a:rPr>
-              <a:t>©2020 Adobe. All Rights Reserved. Adobe</a:t>
+              <a:t>©2020 Adobe. All Rights Reserved. Adobe Confidential.</a:t>
             </a:r>
-            <a:r>
-              <a:rPr sz="800" spc="75" dirty="0">
-                <a:solidFill>
-                  <a:srgbClr val="6D6D6D"/>
-                </a:solidFill>
-                <a:latin typeface="Adobe Clean"/>
-                <a:cs typeface="Adobe Clean"/>
-              </a:rPr>
-              <a:t> </a:t>
-            </a:r>
-            <a:r>
-              <a:rPr sz="800" spc="-5" dirty="0">
-                <a:solidFill>
-                  <a:srgbClr val="6D6D6D"/>
-                </a:solidFill>
-                <a:latin typeface="Adobe Clean"/>
-                <a:cs typeface="Adobe Clean"/>
-              </a:rPr>
-              <a:t>Confidential.</a:t>
-            </a:r>
-            <a:endParaRPr sz="800" dirty="0">
-              <a:latin typeface="Adobe Clean"/>
-              <a:cs typeface="Adobe Clean"/>
-            </a:endParaRPr>
           </a:p>
         </p:txBody>
       </p:sp>
@@ -11203,19 +9788,15 @@
               </a:spcBef>
             </a:pPr>
             <a:r>
-              <a:rPr lang="en-US" sz="1400" b="1" spc="-15" dirty="0">
+              <a:rPr lang="it-IT" sz="1400" b="1">
                 <a:solidFill>
                   <a:srgbClr val="020302"/>
                 </a:solidFill>
                 <a:latin typeface="Adobe Clean"/>
                 <a:cs typeface="Adobe Clean"/>
               </a:rPr>
-              <a:t>Resources</a:t>
+              <a:t>Risorse</a:t>
             </a:r>
-            <a:endParaRPr sz="1400" dirty="0">
-              <a:latin typeface="Adobe Clean"/>
-              <a:cs typeface="Adobe Clean"/>
-            </a:endParaRPr>
           </a:p>
         </p:txBody>
       </p:sp>
@@ -11249,7 +9830,7 @@
               </a:spcBef>
             </a:pPr>
             <a:r>
-              <a:rPr sz="800" spc="-15" dirty="0">
+              <a:rPr lang="it-IT" sz="800">
                 <a:solidFill>
                   <a:srgbClr val="777879"/>
                 </a:solidFill>
@@ -11258,10 +9839,6 @@
               </a:rPr>
               <a:t>Adobe</a:t>
             </a:r>
-            <a:endParaRPr sz="800" dirty="0">
-              <a:latin typeface="Adobe Clean"/>
-              <a:cs typeface="Adobe Clean"/>
-            </a:endParaRPr>
           </a:p>
           <a:p>
             <a:pPr marL="12700">
@@ -11270,39 +9847,15 @@
               </a:lnSpc>
             </a:pPr>
             <a:r>
-              <a:rPr sz="800" spc="-15" dirty="0">
+              <a:rPr lang="it-IT" sz="800">
                 <a:solidFill>
                   <a:srgbClr val="777879"/>
                 </a:solidFill>
                 <a:latin typeface="Adobe Clean"/>
                 <a:cs typeface="Adobe Clean"/>
               </a:rPr>
-              <a:t>345 Park</a:t>
+              <a:t>345 Park Avenue</a:t>
             </a:r>
-            <a:r>
-              <a:rPr sz="800" spc="-100" dirty="0">
-                <a:solidFill>
-                  <a:srgbClr val="777879"/>
-                </a:solidFill>
-                <a:latin typeface="Adobe Clean"/>
-                <a:cs typeface="Adobe Clean"/>
-              </a:rPr>
-              <a:t> </a:t>
-            </a:r>
-            <a:r>
-              <a:rPr sz="800" spc="-15" dirty="0">
-                <a:solidFill>
-                  <a:srgbClr val="777879"/>
-                </a:solidFill>
-                <a:latin typeface="Adobe Clean"/>
-                <a:cs typeface="Adobe Clean"/>
-              </a:rPr>
-              <a:t>Avenue</a:t>
-            </a:r>
-            <a:endParaRPr sz="800" dirty="0">
-              <a:latin typeface="Adobe Clean"/>
-              <a:cs typeface="Adobe Clean"/>
-            </a:endParaRPr>
           </a:p>
           <a:p>
             <a:pPr marL="12700">
@@ -11311,49 +9864,15 @@
               </a:lnSpc>
             </a:pPr>
             <a:r>
-              <a:rPr sz="800" spc="-10" dirty="0">
+              <a:rPr lang="it-IT" sz="800">
                 <a:solidFill>
                   <a:srgbClr val="777879"/>
                 </a:solidFill>
                 <a:latin typeface="Adobe Clean"/>
                 <a:cs typeface="Adobe Clean"/>
               </a:rPr>
-              <a:t>San </a:t>
+              <a:t>San Jose, CA 95110-2704</a:t>
             </a:r>
-            <a:r>
-              <a:rPr sz="800" spc="-15" dirty="0">
-                <a:solidFill>
-                  <a:srgbClr val="777879"/>
-                </a:solidFill>
-                <a:latin typeface="Adobe Clean"/>
-                <a:cs typeface="Adobe Clean"/>
-              </a:rPr>
-              <a:t>Jose,</a:t>
-            </a:r>
-            <a:r>
-              <a:rPr sz="800" spc="-140" dirty="0">
-                <a:solidFill>
-                  <a:srgbClr val="777879"/>
-                </a:solidFill>
-                <a:latin typeface="Adobe Clean"/>
-                <a:cs typeface="Adobe Clean"/>
-              </a:rPr>
-              <a:t> </a:t>
-            </a:r>
-            <a:r>
-              <a:rPr sz="800" spc="-20" dirty="0">
-                <a:solidFill>
-                  <a:srgbClr val="777879"/>
-                </a:solidFill>
-                <a:latin typeface="Adobe Clean"/>
-                <a:cs typeface="Adobe Clean"/>
-              </a:rPr>
-              <a:t>CA95110-2704</a:t>
-            </a:r>
-            <a:endParaRPr sz="800" dirty="0">
-              <a:latin typeface="Adobe Clean"/>
-              <a:cs typeface="Adobe Clean"/>
-            </a:endParaRPr>
           </a:p>
           <a:p>
             <a:pPr marL="12700">
@@ -11365,7 +9884,7 @@
               </a:spcBef>
             </a:pPr>
             <a:r>
-              <a:rPr sz="800" spc="-10" dirty="0">
+              <a:rPr lang="it-IT" sz="800">
                 <a:solidFill>
                   <a:srgbClr val="777879"/>
                 </a:solidFill>
@@ -11374,10 +9893,6 @@
               </a:rPr>
               <a:t>USA</a:t>
             </a:r>
-            <a:endParaRPr sz="800" dirty="0">
-              <a:latin typeface="Adobe Clean"/>
-              <a:cs typeface="Adobe Clean"/>
-            </a:endParaRPr>
           </a:p>
           <a:p>
             <a:pPr marL="12700">
@@ -11389,7 +9904,7 @@
               </a:spcBef>
             </a:pPr>
             <a:r>
-              <a:rPr sz="800" u="sng" spc="-25" dirty="0">
+              <a:rPr lang="it-IT" sz="800" u="sng">
                 <a:solidFill>
                   <a:srgbClr val="5F5F5F"/>
                 </a:solidFill>
@@ -11404,10 +9919,6 @@
               </a:rPr>
               <a:t>www.adobe.com</a:t>
             </a:r>
-            <a:endParaRPr sz="800">
-              <a:latin typeface="Adobe Clean"/>
-              <a:cs typeface="Adobe Clean"/>
-            </a:endParaRPr>
           </a:p>
         </p:txBody>
       </p:sp>
@@ -11582,439 +10093,15 @@
               </a:spcBef>
             </a:pPr>
             <a:r>
-              <a:rPr sz="1100" i="1" spc="-10" dirty="0">
+              <a:rPr lang="it-IT" sz="1100" i="1">
                 <a:solidFill>
                   <a:srgbClr val="777879"/>
                 </a:solidFill>
                 <a:latin typeface="AdobeClean-LightIt"/>
                 <a:cs typeface="AdobeClean-LightIt"/>
               </a:rPr>
-              <a:t>To</a:t>
+              <a:t>Per saperne di più sulle opzioni di Supporto Adobe e capire quale sia il livello più adatto alle tue esigenze, contatta il tuo Named Account Manager (NAM) o Customer Success Manager (CSM).</a:t>
             </a:r>
-            <a:r>
-              <a:rPr sz="1100" i="1" spc="-50" dirty="0">
-                <a:solidFill>
-                  <a:srgbClr val="777879"/>
-                </a:solidFill>
-                <a:latin typeface="AdobeClean-LightIt"/>
-                <a:cs typeface="AdobeClean-LightIt"/>
-              </a:rPr>
-              <a:t> </a:t>
-            </a:r>
-            <a:r>
-              <a:rPr sz="1100" i="1" spc="-15" dirty="0">
-                <a:solidFill>
-                  <a:srgbClr val="777879"/>
-                </a:solidFill>
-                <a:latin typeface="AdobeClean-LightIt"/>
-                <a:cs typeface="AdobeClean-LightIt"/>
-              </a:rPr>
-              <a:t>learn</a:t>
-            </a:r>
-            <a:r>
-              <a:rPr sz="1100" i="1" spc="-40" dirty="0">
-                <a:solidFill>
-                  <a:srgbClr val="777879"/>
-                </a:solidFill>
-                <a:latin typeface="AdobeClean-LightIt"/>
-                <a:cs typeface="AdobeClean-LightIt"/>
-              </a:rPr>
-              <a:t> </a:t>
-            </a:r>
-            <a:r>
-              <a:rPr sz="1100" i="1" spc="-15" dirty="0">
-                <a:solidFill>
-                  <a:srgbClr val="777879"/>
-                </a:solidFill>
-                <a:latin typeface="AdobeClean-LightIt"/>
-                <a:cs typeface="AdobeClean-LightIt"/>
-              </a:rPr>
-              <a:t>more</a:t>
-            </a:r>
-            <a:r>
-              <a:rPr sz="1100" i="1" spc="-45" dirty="0">
-                <a:solidFill>
-                  <a:srgbClr val="777879"/>
-                </a:solidFill>
-                <a:latin typeface="AdobeClean-LightIt"/>
-                <a:cs typeface="AdobeClean-LightIt"/>
-              </a:rPr>
-              <a:t> </a:t>
-            </a:r>
-            <a:r>
-              <a:rPr sz="1100" i="1" spc="-15" dirty="0">
-                <a:solidFill>
-                  <a:srgbClr val="777879"/>
-                </a:solidFill>
-                <a:latin typeface="AdobeClean-LightIt"/>
-                <a:cs typeface="AdobeClean-LightIt"/>
-              </a:rPr>
-              <a:t>about</a:t>
-            </a:r>
-            <a:r>
-              <a:rPr sz="1100" i="1" spc="-45" dirty="0">
-                <a:solidFill>
-                  <a:srgbClr val="777879"/>
-                </a:solidFill>
-                <a:latin typeface="AdobeClean-LightIt"/>
-                <a:cs typeface="AdobeClean-LightIt"/>
-              </a:rPr>
-              <a:t> </a:t>
-            </a:r>
-            <a:r>
-              <a:rPr sz="1100" i="1" spc="-15" dirty="0">
-                <a:solidFill>
-                  <a:srgbClr val="777879"/>
-                </a:solidFill>
-                <a:latin typeface="AdobeClean-LightIt"/>
-                <a:cs typeface="AdobeClean-LightIt"/>
-              </a:rPr>
-              <a:t>Adobe</a:t>
-            </a:r>
-            <a:r>
-              <a:rPr sz="1100" i="1" spc="-60" dirty="0">
-                <a:solidFill>
-                  <a:srgbClr val="777879"/>
-                </a:solidFill>
-                <a:latin typeface="AdobeClean-LightIt"/>
-                <a:cs typeface="AdobeClean-LightIt"/>
-              </a:rPr>
-              <a:t> </a:t>
-            </a:r>
-            <a:r>
-              <a:rPr sz="1100" i="1" spc="-15" dirty="0">
-                <a:solidFill>
-                  <a:srgbClr val="777879"/>
-                </a:solidFill>
-                <a:latin typeface="AdobeClean-LightIt"/>
-                <a:cs typeface="AdobeClean-LightIt"/>
-              </a:rPr>
-              <a:t>Support</a:t>
-            </a:r>
-            <a:r>
-              <a:rPr lang="en-US" sz="1100" i="1" spc="-15" dirty="0">
-                <a:solidFill>
-                  <a:srgbClr val="777879"/>
-                </a:solidFill>
-                <a:latin typeface="AdobeClean-LightIt"/>
-                <a:cs typeface="AdobeClean-LightIt"/>
-              </a:rPr>
-              <a:t> Offerings</a:t>
-            </a:r>
-            <a:r>
-              <a:rPr sz="1100" i="1" spc="-75" dirty="0">
-                <a:solidFill>
-                  <a:srgbClr val="777879"/>
-                </a:solidFill>
-                <a:latin typeface="AdobeClean-LightIt"/>
-                <a:cs typeface="AdobeClean-LightIt"/>
-              </a:rPr>
-              <a:t> </a:t>
-            </a:r>
-            <a:r>
-              <a:rPr sz="1100" i="1" spc="-15" dirty="0">
-                <a:solidFill>
-                  <a:srgbClr val="777879"/>
-                </a:solidFill>
-                <a:latin typeface="AdobeClean-LightIt"/>
-                <a:cs typeface="AdobeClean-LightIt"/>
-              </a:rPr>
-              <a:t>and</a:t>
-            </a:r>
-            <a:r>
-              <a:rPr sz="1100" i="1" spc="-50" dirty="0">
-                <a:solidFill>
-                  <a:srgbClr val="777879"/>
-                </a:solidFill>
-                <a:latin typeface="AdobeClean-LightIt"/>
-                <a:cs typeface="AdobeClean-LightIt"/>
-              </a:rPr>
-              <a:t> </a:t>
-            </a:r>
-            <a:r>
-              <a:rPr sz="1100" i="1" spc="-15" dirty="0">
-                <a:solidFill>
-                  <a:srgbClr val="777879"/>
-                </a:solidFill>
-                <a:latin typeface="AdobeClean-LightIt"/>
-                <a:cs typeface="AdobeClean-LightIt"/>
-              </a:rPr>
-              <a:t>the</a:t>
-            </a:r>
-            <a:r>
-              <a:rPr sz="1100" i="1" spc="-55" dirty="0">
-                <a:solidFill>
-                  <a:srgbClr val="777879"/>
-                </a:solidFill>
-                <a:latin typeface="AdobeClean-LightIt"/>
-                <a:cs typeface="AdobeClean-LightIt"/>
-              </a:rPr>
-              <a:t> </a:t>
-            </a:r>
-            <a:r>
-              <a:rPr sz="1100" i="1" spc="-15" dirty="0">
-                <a:solidFill>
-                  <a:srgbClr val="777879"/>
-                </a:solidFill>
-                <a:latin typeface="AdobeClean-LightIt"/>
-                <a:cs typeface="AdobeClean-LightIt"/>
-              </a:rPr>
-              <a:t>right</a:t>
-            </a:r>
-            <a:r>
-              <a:rPr sz="1100" i="1" spc="-95" dirty="0">
-                <a:solidFill>
-                  <a:srgbClr val="777879"/>
-                </a:solidFill>
-                <a:latin typeface="AdobeClean-LightIt"/>
-                <a:cs typeface="AdobeClean-LightIt"/>
-              </a:rPr>
-              <a:t> </a:t>
-            </a:r>
-            <a:r>
-              <a:rPr sz="1100" i="1" spc="-15" dirty="0">
-                <a:solidFill>
-                  <a:srgbClr val="777879"/>
-                </a:solidFill>
-                <a:latin typeface="AdobeClean-LightIt"/>
-                <a:cs typeface="AdobeClean-LightIt"/>
-              </a:rPr>
-              <a:t>level</a:t>
-            </a:r>
-            <a:r>
-              <a:rPr sz="1100" i="1" spc="-55" dirty="0">
-                <a:solidFill>
-                  <a:srgbClr val="777879"/>
-                </a:solidFill>
-                <a:latin typeface="AdobeClean-LightIt"/>
-                <a:cs typeface="AdobeClean-LightIt"/>
-              </a:rPr>
-              <a:t> </a:t>
-            </a:r>
-            <a:r>
-              <a:rPr sz="1100" i="1" spc="-15" dirty="0">
-                <a:solidFill>
-                  <a:srgbClr val="777879"/>
-                </a:solidFill>
-                <a:latin typeface="AdobeClean-LightIt"/>
-                <a:cs typeface="AdobeClean-LightIt"/>
-              </a:rPr>
-              <a:t>for</a:t>
-            </a:r>
-            <a:r>
-              <a:rPr sz="1100" i="1" spc="-85" dirty="0">
-                <a:solidFill>
-                  <a:srgbClr val="777879"/>
-                </a:solidFill>
-                <a:latin typeface="AdobeClean-LightIt"/>
-                <a:cs typeface="AdobeClean-LightIt"/>
-              </a:rPr>
-              <a:t> </a:t>
-            </a:r>
-            <a:r>
-              <a:rPr sz="1100" i="1" spc="-15" dirty="0">
-                <a:solidFill>
-                  <a:srgbClr val="777879"/>
-                </a:solidFill>
-                <a:latin typeface="AdobeClean-LightIt"/>
-                <a:cs typeface="AdobeClean-LightIt"/>
-              </a:rPr>
-              <a:t>you,</a:t>
-            </a:r>
-            <a:r>
-              <a:rPr sz="1100" i="1" spc="-65" dirty="0">
-                <a:solidFill>
-                  <a:srgbClr val="777879"/>
-                </a:solidFill>
-                <a:latin typeface="AdobeClean-LightIt"/>
-                <a:cs typeface="AdobeClean-LightIt"/>
-              </a:rPr>
-              <a:t> </a:t>
-            </a:r>
-            <a:r>
-              <a:rPr sz="1100" i="1" spc="-15" dirty="0">
-                <a:solidFill>
-                  <a:srgbClr val="777879"/>
-                </a:solidFill>
-                <a:latin typeface="AdobeClean-LightIt"/>
-                <a:cs typeface="AdobeClean-LightIt"/>
-              </a:rPr>
-              <a:t>contact</a:t>
-            </a:r>
-            <a:r>
-              <a:rPr sz="1100" i="1" spc="-85" dirty="0">
-                <a:solidFill>
-                  <a:srgbClr val="777879"/>
-                </a:solidFill>
-                <a:latin typeface="AdobeClean-LightIt"/>
-                <a:cs typeface="AdobeClean-LightIt"/>
-              </a:rPr>
-              <a:t> </a:t>
-            </a:r>
-            <a:r>
-              <a:rPr sz="1100" i="1" spc="-15" dirty="0">
-                <a:solidFill>
-                  <a:srgbClr val="777879"/>
-                </a:solidFill>
-                <a:latin typeface="AdobeClean-LightIt"/>
-                <a:cs typeface="AdobeClean-LightIt"/>
-              </a:rPr>
-              <a:t>your</a:t>
-            </a:r>
-            <a:r>
-              <a:rPr sz="1100" i="1" spc="-70" dirty="0">
-                <a:solidFill>
-                  <a:srgbClr val="777879"/>
-                </a:solidFill>
-                <a:latin typeface="AdobeClean-LightIt"/>
-                <a:cs typeface="AdobeClean-LightIt"/>
-              </a:rPr>
-              <a:t> </a:t>
-            </a:r>
-            <a:r>
-              <a:rPr sz="1100" i="1" spc="-15" dirty="0">
-                <a:solidFill>
-                  <a:srgbClr val="777879"/>
-                </a:solidFill>
-                <a:latin typeface="AdobeClean-LightIt"/>
-                <a:cs typeface="AdobeClean-LightIt"/>
-              </a:rPr>
-              <a:t>Named</a:t>
-            </a:r>
-            <a:r>
-              <a:rPr sz="1100" i="1" spc="-55" dirty="0">
-                <a:solidFill>
-                  <a:srgbClr val="777879"/>
-                </a:solidFill>
-                <a:latin typeface="AdobeClean-LightIt"/>
-                <a:cs typeface="AdobeClean-LightIt"/>
-              </a:rPr>
-              <a:t> </a:t>
-            </a:r>
-            <a:r>
-              <a:rPr sz="1100" i="1" spc="-25" dirty="0">
-                <a:solidFill>
-                  <a:srgbClr val="777879"/>
-                </a:solidFill>
-                <a:latin typeface="AdobeClean-LightIt"/>
-                <a:cs typeface="AdobeClean-LightIt"/>
-              </a:rPr>
-              <a:t>Account</a:t>
-            </a:r>
-            <a:r>
-              <a:rPr sz="1100" i="1" spc="-120" dirty="0">
-                <a:solidFill>
-                  <a:srgbClr val="777879"/>
-                </a:solidFill>
-                <a:latin typeface="AdobeClean-LightIt"/>
-                <a:cs typeface="AdobeClean-LightIt"/>
-              </a:rPr>
-              <a:t> </a:t>
-            </a:r>
-            <a:r>
-              <a:rPr sz="1100" i="1" spc="-20" dirty="0">
-                <a:solidFill>
-                  <a:srgbClr val="777879"/>
-                </a:solidFill>
-                <a:latin typeface="AdobeClean-LightIt"/>
-                <a:cs typeface="AdobeClean-LightIt"/>
-              </a:rPr>
-              <a:t>Manager </a:t>
-            </a:r>
-            <a:r>
-              <a:rPr sz="1100" i="1" spc="-15" dirty="0">
-                <a:solidFill>
-                  <a:srgbClr val="777879"/>
-                </a:solidFill>
-                <a:latin typeface="AdobeClean-LightIt"/>
-                <a:cs typeface="AdobeClean-LightIt"/>
-              </a:rPr>
-              <a:t>(NAM) </a:t>
-            </a:r>
-            <a:r>
-              <a:rPr sz="1100" i="1" spc="-10" dirty="0">
-                <a:solidFill>
-                  <a:srgbClr val="777879"/>
-                </a:solidFill>
-                <a:latin typeface="AdobeClean-LightIt"/>
-                <a:cs typeface="AdobeClean-LightIt"/>
-              </a:rPr>
-              <a:t>or </a:t>
-            </a:r>
-            <a:r>
-              <a:rPr sz="1100" i="1" spc="-15" dirty="0">
-                <a:solidFill>
-                  <a:srgbClr val="777879"/>
-                </a:solidFill>
-                <a:latin typeface="AdobeClean-LightIt"/>
-                <a:cs typeface="AdobeClean-LightIt"/>
-              </a:rPr>
-              <a:t>Customer </a:t>
-            </a:r>
-            <a:r>
-              <a:rPr sz="1100" i="1" spc="-20" dirty="0">
-                <a:solidFill>
-                  <a:srgbClr val="777879"/>
-                </a:solidFill>
-                <a:latin typeface="AdobeClean-LightIt"/>
-                <a:cs typeface="AdobeClean-LightIt"/>
-              </a:rPr>
-              <a:t>Success</a:t>
-            </a:r>
-            <a:r>
-              <a:rPr sz="1100" i="1" spc="-180" dirty="0">
-                <a:solidFill>
-                  <a:srgbClr val="777879"/>
-                </a:solidFill>
-                <a:latin typeface="AdobeClean-LightIt"/>
-                <a:cs typeface="AdobeClean-LightIt"/>
-              </a:rPr>
-              <a:t> </a:t>
-            </a:r>
-            <a:r>
-              <a:rPr sz="1100" i="1" spc="-15" dirty="0">
-                <a:solidFill>
-                  <a:srgbClr val="777879"/>
-                </a:solidFill>
-                <a:latin typeface="AdobeClean-LightIt"/>
-                <a:cs typeface="AdobeClean-LightIt"/>
-              </a:rPr>
-              <a:t>Manager</a:t>
-            </a:r>
-            <a:r>
-              <a:rPr lang="en-US" sz="1100" i="1" spc="-15" dirty="0">
-                <a:solidFill>
-                  <a:srgbClr val="777879"/>
-                </a:solidFill>
-                <a:latin typeface="AdobeClean-LightIt"/>
-                <a:cs typeface="AdobeClean-LightIt"/>
-              </a:rPr>
-              <a:t> </a:t>
-            </a:r>
-            <a:r>
-              <a:rPr sz="1100" i="1" spc="-15" dirty="0">
-                <a:solidFill>
-                  <a:srgbClr val="777879"/>
-                </a:solidFill>
-                <a:latin typeface="AdobeClean-LightIt"/>
-                <a:cs typeface="AdobeClean-LightIt"/>
-              </a:rPr>
-              <a:t>(CSM)</a:t>
-            </a:r>
-            <a:r>
-              <a:rPr lang="en-US" sz="1100" i="1" spc="-15" dirty="0">
-                <a:solidFill>
-                  <a:srgbClr val="777879"/>
-                </a:solidFill>
-                <a:latin typeface="AdobeClean-LightIt"/>
-                <a:cs typeface="AdobeClean-LightIt"/>
-              </a:rPr>
-              <a:t>.</a:t>
-            </a:r>
-            <a:endParaRPr sz="1100" dirty="0">
-              <a:latin typeface="AdobeClean-LightIt"/>
-              <a:cs typeface="AdobeClean-LightIt"/>
-            </a:endParaRPr>
           </a:p>
           <a:p>
             <a:pPr marL="34290">
@@ -12026,59 +10113,15 @@
               </a:spcBef>
             </a:pPr>
             <a:r>
-              <a:rPr sz="800" spc="-5" dirty="0">
+              <a:rPr lang="it-IT" sz="800">
                 <a:solidFill>
                   <a:srgbClr val="6D6D6D"/>
                 </a:solidFill>
                 <a:latin typeface="Adobe Clean"/>
                 <a:cs typeface="Adobe Clean"/>
               </a:rPr>
-              <a:t>©202</a:t>
+              <a:t>©2022 Adobe. All Rights Reserved. Adobe Confidential.</a:t>
             </a:r>
-            <a:r>
-              <a:rPr lang="en-US" sz="800" spc="-5" dirty="0">
-                <a:solidFill>
-                  <a:srgbClr val="6D6D6D"/>
-                </a:solidFill>
-                <a:latin typeface="Adobe Clean"/>
-                <a:cs typeface="Adobe Clean"/>
-              </a:rPr>
-              <a:t>2 </a:t>
-            </a:r>
-            <a:r>
-              <a:rPr sz="800" spc="-5" dirty="0">
-                <a:solidFill>
-                  <a:srgbClr val="6D6D6D"/>
-                </a:solidFill>
-                <a:latin typeface="Adobe Clean"/>
-                <a:cs typeface="Adobe Clean"/>
-              </a:rPr>
-              <a:t>Adobe. All Rights Reserved. Adobe</a:t>
-            </a:r>
-            <a:r>
-              <a:rPr sz="800" spc="75" dirty="0">
-                <a:solidFill>
-                  <a:srgbClr val="6D6D6D"/>
-                </a:solidFill>
-                <a:latin typeface="Adobe Clean"/>
-                <a:cs typeface="Adobe Clean"/>
-              </a:rPr>
-              <a:t> </a:t>
-            </a:r>
-            <a:r>
-              <a:rPr sz="800" spc="-5" dirty="0">
-                <a:solidFill>
-                  <a:srgbClr val="6D6D6D"/>
-                </a:solidFill>
-                <a:latin typeface="Adobe Clean"/>
-                <a:cs typeface="Adobe Clean"/>
-              </a:rPr>
-              <a:t>Confidential.</a:t>
-            </a:r>
-            <a:endParaRPr sz="800" dirty="0">
-              <a:latin typeface="Adobe Clean"/>
-              <a:cs typeface="Adobe Clean"/>
-            </a:endParaRPr>
           </a:p>
         </p:txBody>
       </p:sp>
@@ -12115,14 +10158,14 @@
               </a:spcBef>
             </a:pPr>
             <a:r>
-              <a:rPr lang="en-US" sz="1400" b="1" spc="-15" dirty="0">
+              <a:rPr lang="it-IT" sz="1400" b="1">
                 <a:solidFill>
                   <a:srgbClr val="020302"/>
                 </a:solidFill>
                 <a:latin typeface="Adobe Clean"/>
                 <a:cs typeface="Adobe Clean"/>
               </a:rPr>
-              <a:t>Core Regional Hours Of Operation And Language Support</a:t>
+              <a:t>Orario operativo principale per area geografica e lingue</a:t>
             </a:r>
           </a:p>
           <a:p>
@@ -12132,13 +10175,13 @@
               </a:spcBef>
             </a:pPr>
             <a:r>
-              <a:rPr lang="en-US" sz="1000" spc="-15" dirty="0">
+              <a:rPr lang="it-IT" sz="1000">
                 <a:solidFill>
                   <a:srgbClr val="1F1F1F"/>
                 </a:solidFill>
                 <a:latin typeface="AdobeClean-Light"/>
               </a:rPr>
-              <a:t>Adobe’s local business hours align to the customer’s billing region.</a:t>
+              <a:t>Gli orari operativi di Adobe dipendono dall’area geografica di fatturazione del cliente.</a:t>
             </a:r>
           </a:p>
         </p:txBody>
@@ -12158,7 +10201,7 @@
           <p:nvPr>
             <p:extLst>
               <p:ext uri="{D42A27DB-BD31-4B8C-83A1-F6EECF244321}">
-                <p14:modId xmlns:p14="http://schemas.microsoft.com/office/powerpoint/2010/main" val="3057365317"/>
+                <p14:modId xmlns:p14="http://schemas.microsoft.com/office/powerpoint/2010/main" val="938203157"/>
               </p:ext>
             </p:extLst>
           </p:nvPr>
@@ -12211,16 +10254,16 @@
                     <a:p>
                       <a:pPr algn="ctr"/>
                       <a:r>
-                        <a:rPr lang="en-US" sz="1100" dirty="0">
+                        <a:rPr lang="it-IT" sz="1100">
                           <a:solidFill>
                             <a:schemeClr val="tx1"/>
                           </a:solidFill>
                           <a:latin typeface="Adobe Clean" panose="020B0503020404020204" pitchFamily="34" charset="0"/>
                         </a:rPr>
-                        <a:t>Americas </a:t>
+                        <a:t>Americhe </a:t>
                       </a:r>
                       <a:r>
-                        <a:rPr lang="en-US" sz="1100" baseline="30000" dirty="0">
+                        <a:rPr lang="it-IT" sz="1100" baseline="30000">
                           <a:solidFill>
                             <a:schemeClr val="tx1"/>
                           </a:solidFill>
@@ -12285,13 +10328,13 @@
                     <a:p>
                       <a:pPr algn="ctr"/>
                       <a:r>
-                        <a:rPr lang="en-US" sz="1100" dirty="0">
+                        <a:rPr lang="it-IT" sz="1100" dirty="0">
                           <a:solidFill>
                             <a:schemeClr val="tx1"/>
                           </a:solidFill>
                           <a:latin typeface="Adobe Clean" panose="020B0503020404020204" pitchFamily="34" charset="0"/>
                         </a:rPr>
-                        <a:t>Europe, Middle East &amp; Africa</a:t>
+                        <a:t>Europa, Medio Oriente e Africa</a:t>
                       </a:r>
                     </a:p>
                   </a:txBody>
@@ -12350,13 +10393,13 @@
                     <a:p>
                       <a:pPr algn="ctr"/>
                       <a:r>
-                        <a:rPr lang="en-US" sz="1100" dirty="0">
+                        <a:rPr lang="it-IT" sz="1100">
                           <a:solidFill>
                             <a:schemeClr val="tx1"/>
                           </a:solidFill>
                           <a:latin typeface="Adobe Clean" panose="020B0503020404020204" pitchFamily="34" charset="0"/>
                         </a:rPr>
-                        <a:t>Asia Pacific</a:t>
+                        <a:t>Asia-Pacifico</a:t>
                       </a:r>
                     </a:p>
                   </a:txBody>
@@ -12415,13 +10458,13 @@
                     <a:p>
                       <a:pPr algn="ctr"/>
                       <a:r>
-                        <a:rPr lang="en-US" sz="1100" dirty="0">
+                        <a:rPr lang="it-IT" sz="1100">
                           <a:solidFill>
                             <a:schemeClr val="tx1"/>
                           </a:solidFill>
                           <a:latin typeface="Adobe Clean" panose="020B0503020404020204" pitchFamily="34" charset="0"/>
                         </a:rPr>
-                        <a:t>Japan </a:t>
+                        <a:t>Giappone </a:t>
                       </a:r>
                     </a:p>
                   </a:txBody>
@@ -12487,7 +10530,7 @@
                     <a:p>
                       <a:pPr algn="ctr"/>
                       <a:r>
-                        <a:rPr lang="en-US" sz="1100" dirty="0">
+                        <a:rPr lang="it-IT" sz="1100">
                           <a:solidFill>
                             <a:schemeClr val="tx1"/>
                           </a:solidFill>
@@ -12552,13 +10595,13 @@
                     <a:p>
                       <a:pPr algn="ctr"/>
                       <a:r>
-                        <a:rPr lang="en-US" sz="1100" dirty="0">
+                        <a:rPr lang="it-IT" sz="1100">
                           <a:solidFill>
                             <a:schemeClr val="tx1"/>
                           </a:solidFill>
                           <a:latin typeface="Adobe Clean" panose="020B0503020404020204" pitchFamily="34" charset="0"/>
                         </a:rPr>
-                        <a:t>9 am – 5 pm</a:t>
+                        <a:t>09:00 – 17:00</a:t>
                       </a:r>
                     </a:p>
                   </a:txBody>
@@ -12617,13 +10660,13 @@
                     <a:p>
                       <a:pPr algn="ctr"/>
                       <a:r>
-                        <a:rPr lang="en-US" sz="1100" dirty="0">
+                        <a:rPr lang="it-IT" sz="1100">
                           <a:solidFill>
                             <a:schemeClr val="tx1"/>
                           </a:solidFill>
                           <a:latin typeface="Adobe Clean" panose="020B0503020404020204" pitchFamily="34" charset="0"/>
                         </a:rPr>
-                        <a:t>9 am – 5 pm</a:t>
+                        <a:t>09:00 – 17:00</a:t>
                       </a:r>
                     </a:p>
                   </a:txBody>
@@ -12682,13 +10725,13 @@
                     <a:p>
                       <a:pPr algn="ctr"/>
                       <a:r>
-                        <a:rPr lang="en-US" sz="1100" dirty="0">
+                        <a:rPr lang="it-IT" sz="1100">
                           <a:solidFill>
                             <a:schemeClr val="tx1"/>
                           </a:solidFill>
                           <a:latin typeface="Adobe Clean" panose="020B0503020404020204" pitchFamily="34" charset="0"/>
                         </a:rPr>
-                        <a:t>9 am – 5:30 pm</a:t>
+                        <a:t>09:00 – 17:30</a:t>
                       </a:r>
                     </a:p>
                   </a:txBody>
@@ -12752,7 +10795,7 @@
                     <a:bodyPr/>
                     <a:lstStyle/>
                     <a:p>
-                      <a:pPr marL="0" marR="0" lvl="0" indent="0" algn="ctr" defTabSz="914400" eaLnBrk="1" fontAlgn="auto" latinLnBrk="0" hangingPunct="1">
+                      <a:pPr marL="0" marR="0" lvl="0" indent="0" algn="l" defTabSz="914400" rtl="0" eaLnBrk="1" fontAlgn="auto" latinLnBrk="0" hangingPunct="1">
                         <a:lnSpc>
                           <a:spcPct val="100000"/>
                         </a:lnSpc>
@@ -12795,7 +10838,7 @@
                         <a:defRPr/>
                       </a:pPr>
                       <a:r>
-                        <a:rPr lang="en-US" sz="1100" baseline="30000" dirty="0">
+                        <a:rPr lang="it-IT" sz="1100" baseline="30000" dirty="0">
                           <a:solidFill>
                             <a:schemeClr val="tx1"/>
                           </a:solidFill>
@@ -12804,31 +10847,17 @@
                         <a:t>1</a:t>
                       </a:r>
                       <a:r>
-                        <a:rPr lang="en-US" sz="1100" dirty="0">
+                        <a:rPr lang="it-IT" sz="1100" dirty="0">
                           <a:solidFill>
                             <a:schemeClr val="tx1"/>
                           </a:solidFill>
                           <a:latin typeface="Adobe Clean" panose="020B0503020404020204" pitchFamily="34" charset="0"/>
                         </a:rPr>
-                        <a:t>Americas Language support available in English only.</a:t>
+                        <a:t>Americhe Supporto linguistico disponibile solo in inglese.</a:t>
                       </a:r>
-                      <a:endParaRPr kumimoji="0" lang="en-US" sz="1100" b="1" i="0" u="none" strike="noStrike" kern="0" cap="none" spc="0" normalizeH="0" baseline="30000" noProof="0" dirty="0">
-                        <a:ln>
-                          <a:noFill/>
-                        </a:ln>
-                        <a:solidFill>
-                          <a:prstClr val="black"/>
-                        </a:solidFill>
-                        <a:effectLst/>
-                        <a:uLnTx/>
-                        <a:uFillTx/>
-                        <a:latin typeface="Adobe Clean" panose="020B0503020404020204" pitchFamily="34" charset="0"/>
-                        <a:ea typeface="+mn-ea"/>
-                        <a:cs typeface="+mn-cs"/>
-                      </a:endParaRPr>
-                    </a:p>
-                    <a:p>
-                      <a:pPr algn="ctr"/>
+                    </a:p>
+                    <a:p>
+                      <a:pPr algn="l" rtl="0"/>
                       <a:endParaRPr lang="en-US" sz="1100" b="1" i="0" dirty="0">
                         <a:solidFill>
                           <a:schemeClr val="tx1"/>
@@ -13189,7 +11218,7 @@
           </a:bodyPr>
           <a:lstStyle/>
           <a:p>
-            <a:pPr marL="139065" marR="5080" indent="-139065">
+            <a:pPr marR="5080" algn="ctr">
               <a:lnSpc>
                 <a:spcPts val="1390"/>
               </a:lnSpc>
@@ -13198,129 +11227,15 @@
               </a:spcBef>
             </a:pPr>
             <a:r>
-              <a:rPr sz="1200" b="1" spc="-15" dirty="0">
+              <a:rPr lang="it-IT" sz="1200" b="1" dirty="0">
                 <a:solidFill>
                   <a:srgbClr val="FFFFFF"/>
                 </a:solidFill>
                 <a:latin typeface="Adobe Clean"/>
                 <a:cs typeface="Adobe Clean"/>
               </a:rPr>
-              <a:t>U</a:t>
+              <a:t>Eccellenza tecnica</a:t>
             </a:r>
-            <a:r>
-              <a:rPr sz="1200" b="1" spc="-20" dirty="0">
-                <a:solidFill>
-                  <a:srgbClr val="FFFFFF"/>
-                </a:solidFill>
-                <a:latin typeface="Adobe Clean"/>
-                <a:cs typeface="Adobe Clean"/>
-              </a:rPr>
-              <a:t>n</a:t>
-            </a:r>
-            <a:r>
-              <a:rPr sz="1200" b="1" spc="-25" dirty="0">
-                <a:solidFill>
-                  <a:srgbClr val="FFFFFF"/>
-                </a:solidFill>
-                <a:latin typeface="Adobe Clean"/>
-                <a:cs typeface="Adobe Clean"/>
-              </a:rPr>
-              <a:t>p</a:t>
-            </a:r>
-            <a:r>
-              <a:rPr sz="1200" b="1" spc="-15" dirty="0">
-                <a:solidFill>
-                  <a:srgbClr val="FFFFFF"/>
-                </a:solidFill>
-                <a:latin typeface="Adobe Clean"/>
-                <a:cs typeface="Adobe Clean"/>
-              </a:rPr>
-              <a:t>a</a:t>
-            </a:r>
-            <a:r>
-              <a:rPr sz="1200" b="1" spc="-25" dirty="0">
-                <a:solidFill>
-                  <a:srgbClr val="FFFFFF"/>
-                </a:solidFill>
-                <a:latin typeface="Adobe Clean"/>
-                <a:cs typeface="Adobe Clean"/>
-              </a:rPr>
-              <a:t>r</a:t>
-            </a:r>
-            <a:r>
-              <a:rPr sz="1200" b="1" spc="-15" dirty="0">
-                <a:solidFill>
-                  <a:srgbClr val="FFFFFF"/>
-                </a:solidFill>
-                <a:latin typeface="Adobe Clean"/>
-                <a:cs typeface="Adobe Clean"/>
-              </a:rPr>
-              <a:t>a</a:t>
-            </a:r>
-            <a:r>
-              <a:rPr sz="1200" b="1" spc="-30" dirty="0">
-                <a:solidFill>
-                  <a:srgbClr val="FFFFFF"/>
-                </a:solidFill>
-                <a:latin typeface="Adobe Clean"/>
-                <a:cs typeface="Adobe Clean"/>
-              </a:rPr>
-              <a:t>ll</a:t>
-            </a:r>
-            <a:r>
-              <a:rPr sz="1200" b="1" spc="-25" dirty="0">
-                <a:solidFill>
-                  <a:srgbClr val="FFFFFF"/>
-                </a:solidFill>
-                <a:latin typeface="Adobe Clean"/>
-                <a:cs typeface="Adobe Clean"/>
-              </a:rPr>
-              <a:t>e</a:t>
-            </a:r>
-            <a:r>
-              <a:rPr sz="1200" b="1" spc="-30" dirty="0">
-                <a:solidFill>
-                  <a:srgbClr val="FFFFFF"/>
-                </a:solidFill>
-                <a:latin typeface="Adobe Clean"/>
-                <a:cs typeface="Adobe Clean"/>
-              </a:rPr>
-              <a:t>l</a:t>
-            </a:r>
-            <a:r>
-              <a:rPr sz="1200" b="1" spc="-25" dirty="0">
-                <a:solidFill>
-                  <a:srgbClr val="FFFFFF"/>
-                </a:solidFill>
-                <a:latin typeface="Adobe Clean"/>
-                <a:cs typeface="Adobe Clean"/>
-              </a:rPr>
-              <a:t>e</a:t>
-            </a:r>
-            <a:r>
-              <a:rPr sz="1200" b="1" dirty="0">
-                <a:solidFill>
-                  <a:srgbClr val="FFFFFF"/>
-                </a:solidFill>
-                <a:latin typeface="Adobe Clean"/>
-                <a:cs typeface="Adobe Clean"/>
-              </a:rPr>
-              <a:t>d  </a:t>
-            </a:r>
-            <a:r>
-              <a:rPr sz="1200" b="1" spc="-25" dirty="0">
-                <a:solidFill>
-                  <a:srgbClr val="FFFFFF"/>
-                </a:solidFill>
-                <a:latin typeface="Adobe Clean"/>
-                <a:cs typeface="Adobe Clean"/>
-              </a:rPr>
-              <a:t>Expertise</a:t>
-            </a:r>
-            <a:endParaRPr sz="1200" dirty="0">
-              <a:latin typeface="Adobe Clean"/>
-              <a:cs typeface="Adobe Clean"/>
-            </a:endParaRPr>
           </a:p>
         </p:txBody>
       </p:sp>
@@ -13351,7 +11266,7 @@
           </a:bodyPr>
           <a:lstStyle/>
           <a:p>
-            <a:pPr marL="139065" marR="5080" indent="-139065">
+            <a:pPr marR="5080" algn="ctr">
               <a:lnSpc>
                 <a:spcPts val="1390"/>
               </a:lnSpc>
@@ -13360,19 +11275,15 @@
               </a:spcBef>
             </a:pPr>
             <a:r>
-              <a:rPr lang="en-US" sz="1200" b="1" spc="-15" dirty="0">
+              <a:rPr lang="it-IT" sz="1200" b="1" dirty="0">
                 <a:solidFill>
                   <a:srgbClr val="FFFFFF"/>
                 </a:solidFill>
                 <a:latin typeface="Adobe Clean"/>
                 <a:cs typeface="Adobe Clean"/>
               </a:rPr>
-              <a:t>Accelerated Support</a:t>
+              <a:t>Supporto rapido</a:t>
             </a:r>
-            <a:endParaRPr sz="1200" dirty="0">
-              <a:latin typeface="Adobe Clean"/>
-              <a:cs typeface="Adobe Clean"/>
-            </a:endParaRPr>
           </a:p>
         </p:txBody>
       </p:sp>
@@ -13390,8 +11301,8 @@
         </p:nvSpPr>
         <p:spPr>
           <a:xfrm>
-            <a:off x="6624119" y="8543943"/>
-            <a:ext cx="510540" cy="385445"/>
+            <a:off x="6468275" y="8543943"/>
+            <a:ext cx="822229" cy="385445"/>
           </a:xfrm>
           <a:prstGeom prst="rect">
             <a:avLst/>
@@ -13403,7 +11314,7 @@
           </a:bodyPr>
           <a:lstStyle/>
           <a:p>
-            <a:pPr marL="50800" marR="5080" indent="-51435">
+            <a:pPr marL="50800" marR="5080" indent="-51435" algn="ctr">
               <a:lnSpc>
                 <a:spcPts val="1390"/>
               </a:lnSpc>
@@ -13412,109 +11323,15 @@
               </a:spcBef>
             </a:pPr>
             <a:r>
-              <a:rPr sz="1200" b="1" spc="-50" dirty="0">
+              <a:rPr lang="it-IT" sz="1200" b="1" dirty="0">
                 <a:solidFill>
                   <a:srgbClr val="FFFFFF"/>
                 </a:solidFill>
                 <a:latin typeface="Adobe Clean"/>
                 <a:cs typeface="Adobe Clean"/>
               </a:rPr>
-              <a:t>S</a:t>
+              <a:t>Consulenza strategica</a:t>
             </a:r>
-            <a:r>
-              <a:rPr sz="1200" b="1" spc="-20" dirty="0">
-                <a:solidFill>
-                  <a:srgbClr val="FFFFFF"/>
-                </a:solidFill>
-                <a:latin typeface="Adobe Clean"/>
-                <a:cs typeface="Adobe Clean"/>
-              </a:rPr>
-              <a:t>t</a:t>
-            </a:r>
-            <a:r>
-              <a:rPr sz="1200" b="1" spc="-75" dirty="0">
-                <a:solidFill>
-                  <a:srgbClr val="FFFFFF"/>
-                </a:solidFill>
-                <a:latin typeface="Adobe Clean"/>
-                <a:cs typeface="Adobe Clean"/>
-              </a:rPr>
-              <a:t>r</a:t>
-            </a:r>
-            <a:r>
-              <a:rPr sz="1200" b="1" spc="-90" dirty="0">
-                <a:solidFill>
-                  <a:srgbClr val="FFFFFF"/>
-                </a:solidFill>
-                <a:latin typeface="Adobe Clean"/>
-                <a:cs typeface="Adobe Clean"/>
-              </a:rPr>
-              <a:t>a</a:t>
-            </a:r>
-            <a:r>
-              <a:rPr sz="1200" b="1" spc="-55" dirty="0">
-                <a:solidFill>
-                  <a:srgbClr val="FFFFFF"/>
-                </a:solidFill>
-                <a:latin typeface="Adobe Clean"/>
-                <a:cs typeface="Adobe Clean"/>
-              </a:rPr>
-              <a:t>t</a:t>
-            </a:r>
-            <a:r>
-              <a:rPr sz="1200" b="1" spc="-100" dirty="0">
-                <a:solidFill>
-                  <a:srgbClr val="FFFFFF"/>
-                </a:solidFill>
-                <a:latin typeface="Adobe Clean"/>
-                <a:cs typeface="Adobe Clean"/>
-              </a:rPr>
-              <a:t>e</a:t>
-            </a:r>
-            <a:r>
-              <a:rPr sz="1200" b="1" spc="-80" dirty="0">
-                <a:solidFill>
-                  <a:srgbClr val="FFFFFF"/>
-                </a:solidFill>
-                <a:latin typeface="Adobe Clean"/>
-                <a:cs typeface="Adobe Clean"/>
-              </a:rPr>
-              <a:t>g</a:t>
-            </a:r>
-            <a:r>
-              <a:rPr sz="1200" b="1" spc="-35" dirty="0">
-                <a:solidFill>
-                  <a:srgbClr val="FFFFFF"/>
-                </a:solidFill>
-                <a:latin typeface="Adobe Clean"/>
-                <a:cs typeface="Adobe Clean"/>
-              </a:rPr>
-              <a:t>i</a:t>
-            </a:r>
-            <a:r>
-              <a:rPr sz="1200" b="1" dirty="0">
-                <a:solidFill>
-                  <a:srgbClr val="FFFFFF"/>
-                </a:solidFill>
-                <a:latin typeface="Adobe Clean"/>
-                <a:cs typeface="Adobe Clean"/>
-              </a:rPr>
-              <a:t>c  </a:t>
-            </a:r>
-            <a:r>
-              <a:rPr sz="1200" b="1" spc="-45" dirty="0">
-                <a:solidFill>
-                  <a:srgbClr val="FFFFFF"/>
-                </a:solidFill>
-                <a:latin typeface="Adobe Clean"/>
-                <a:cs typeface="Adobe Clean"/>
-              </a:rPr>
-              <a:t>Advice</a:t>
-            </a:r>
-            <a:endParaRPr sz="1200" dirty="0">
-              <a:latin typeface="Adobe Clean"/>
-              <a:cs typeface="Adobe Clean"/>
-            </a:endParaRPr>
           </a:p>
         </p:txBody>
       </p:sp>
@@ -13657,7 +11474,7 @@
         </p:nvGraphicFramePr>
         <p:xfrm>
           <a:off x="202054" y="1222225"/>
-          <a:ext cx="7368291" cy="2473960"/>
+          <a:ext cx="7368291" cy="2626360"/>
         </p:xfrm>
         <a:graphic>
           <a:graphicData uri="http://schemas.openxmlformats.org/drawingml/2006/table">
@@ -13691,7 +11508,7 @@
                         <a:tabLst/>
                       </a:pPr>
                       <a:r>
-                        <a:rPr lang="en-US" sz="1200" b="0" strike="noStrike" dirty="0">
+                        <a:rPr lang="it-IT" sz="1200" b="0" strike="noStrike">
                           <a:solidFill>
                             <a:srgbClr val="5F5F5F"/>
                           </a:solidFill>
@@ -13708,14 +11525,6 @@
                         </a:rPr>
                         <a:t>Experience League</a:t>
                       </a:r>
-                      <a:endParaRPr lang="en-US" sz="1200" b="0" strike="noStrike" dirty="0">
-                        <a:solidFill>
-                          <a:srgbClr val="5F5F5F"/>
-                        </a:solidFill>
-                        <a:latin typeface="Adobe Clean" panose="020B0503020404020204" pitchFamily="34" charset="0"/>
-                        <a:ea typeface="+mn-ea"/>
-                        <a:cs typeface="+mn-cs"/>
-                      </a:endParaRPr>
                     </a:p>
                   </a:txBody>
                   <a:tcPr marL="47625" marR="47625" marT="0" marB="0" anchor="ctr">
@@ -13789,7 +11598,7 @@
                         <a:defRPr/>
                       </a:pPr>
                       <a:r>
-                        <a:rPr lang="en-US" sz="1000" b="0" strike="noStrike" kern="1200" dirty="0">
+                        <a:rPr lang="it-IT" sz="1000" b="0" strike="noStrike">
                           <a:solidFill>
                             <a:schemeClr val="tx1"/>
                           </a:solidFill>
@@ -13797,7 +11606,7 @@
                           <a:ea typeface="+mn-ea"/>
                           <a:cs typeface="+mn-cs"/>
                         </a:rPr>
-                        <a:t>Experience League is a place where Adobe customers can find self-help tutorials, product documentation, instructor-led training, community and support for select Adobe Creative Cloud and Document products.</a:t>
+                        <a:t>Experience League è un luogo dove i clienti Adobe possono trovare tutorial di assistenza autonoma, documentazione dei prodotti, formazione con istruttore, community e supporto per alcuni prodotti Adobe Creative Cloud e Document.</a:t>
                       </a:r>
                     </a:p>
                   </a:txBody>
@@ -13879,11 +11688,10 @@
                         <a:defRPr/>
                       </a:pPr>
                       <a:r>
-                        <a:rPr lang="en-US" sz="1200" strike="noStrike" dirty="0">
+                        <a:rPr lang="it-IT" sz="1200" strike="noStrike">
                           <a:solidFill>
                             <a:srgbClr val="5F5F5F"/>
                           </a:solidFill>
-                          <a:effectLst/>
                           <a:latin typeface="Adobe Clean" panose="020B0503020404020204" pitchFamily="34" charset="0"/>
                           <a:ea typeface="+mn-ea"/>
                           <a:cs typeface="+mn-cs"/>
@@ -13895,17 +11703,8 @@
                             </a:extLst>
                           </a:hlinkClick>
                         </a:rPr>
-                        <a:t>Adobe Support Community </a:t>
+                        <a:t>Community di supporto Adobe </a:t>
                       </a:r>
-                      <a:endParaRPr lang="en-US" sz="1200" strike="noStrike" dirty="0">
-                        <a:solidFill>
-                          <a:srgbClr val="5F5F5F"/>
-                        </a:solidFill>
-                        <a:effectLst/>
-                        <a:latin typeface="Adobe Clean" panose="020B0503020404020204" pitchFamily="34" charset="0"/>
-                        <a:ea typeface="+mn-ea"/>
-                        <a:cs typeface="+mn-cs"/>
-                      </a:endParaRPr>
                     </a:p>
                   </a:txBody>
                   <a:tcPr anchor="ctr">
@@ -13979,7 +11778,7 @@
                         <a:defRPr/>
                       </a:pPr>
                       <a:r>
-                        <a:rPr lang="en-US" sz="1000" strike="noStrike" kern="1200" dirty="0">
+                        <a:rPr lang="it-IT" sz="1000" strike="noStrike">
                           <a:solidFill>
                             <a:schemeClr val="tx1"/>
                           </a:solidFill>
@@ -13987,19 +11786,8 @@
                           <a:ea typeface="+mn-ea"/>
                           <a:cs typeface="+mn-cs"/>
                         </a:rPr>
-                        <a:t>The Adobe Support Community is the place to ask questions, find answers, learn from experts and share your knowledge.</a:t>
+                        <a:t>La Community di supporto Adobe è il luogo in cui porre domande, trovare risposte, imparare dagli esperti e condividere le proprie conoscenze.</a:t>
                       </a:r>
-                      <a:endParaRPr lang="en-US" sz="1000" strike="noStrike" kern="1200" dirty="0">
-                        <a:solidFill>
-                          <a:schemeClr val="tx1"/>
-                        </a:solidFill>
-                        <a:highlight>
-                          <a:srgbClr val="FFFF00"/>
-                        </a:highlight>
-                        <a:latin typeface="Adobe Clean Light" panose="020B0303020404020204" pitchFamily="34" charset="0"/>
-                        <a:ea typeface="+mn-ea"/>
-                        <a:cs typeface="+mn-cs"/>
-                      </a:endParaRPr>
                     </a:p>
                   </a:txBody>
                   <a:tcPr anchor="ctr">
@@ -14080,11 +11868,10 @@
                         <a:defRPr/>
                       </a:pPr>
                       <a:r>
-                        <a:rPr lang="en-US" sz="1200" dirty="0">
+                        <a:rPr lang="it-IT" sz="1200">
                           <a:solidFill>
                             <a:srgbClr val="5F5F5F"/>
                           </a:solidFill>
-                          <a:effectLst/>
                           <a:latin typeface="Adobe Clean" panose="020B0503020404020204" pitchFamily="34" charset="0"/>
                           <a:ea typeface="+mn-ea"/>
                           <a:cs typeface="+mn-cs"/>
@@ -14096,17 +11883,8 @@
                             </a:extLst>
                           </a:hlinkClick>
                         </a:rPr>
-                        <a:t>Production Issues &amp; System Outages</a:t>
+                        <a:t>Problemi di produzione e interruzioni del sistema</a:t>
                       </a:r>
-                      <a:endParaRPr lang="en-US" sz="1200" dirty="0">
-                        <a:solidFill>
-                          <a:srgbClr val="5F5F5F"/>
-                        </a:solidFill>
-                        <a:effectLst/>
-                        <a:latin typeface="Adobe Clean" panose="020B0503020404020204" pitchFamily="34" charset="0"/>
-                        <a:ea typeface="+mn-ea"/>
-                        <a:cs typeface="+mn-cs"/>
-                      </a:endParaRPr>
                     </a:p>
                   </a:txBody>
                   <a:tcPr anchor="ctr">
@@ -14180,7 +11958,7 @@
                         <a:defRPr/>
                       </a:pPr>
                       <a:r>
-                        <a:rPr lang="en-US" sz="1000" kern="1200" dirty="0">
+                        <a:rPr lang="it-IT" sz="1000">
                           <a:solidFill>
                             <a:schemeClr val="tx1"/>
                           </a:solidFill>
@@ -14188,7 +11966,7 @@
                           <a:ea typeface="+mn-ea"/>
                           <a:cs typeface="+mn-cs"/>
                         </a:rPr>
-                        <a:t>Status.adobe.com conveys the health information of all Adobe products and services that are deployed in multi-tenant environments. Customers can choose their subscription preferences to get email notifications whenever Adobe creates, updates or resolves a product event. This can include scheduled maintenance or service issues of varying levels of severity. </a:t>
+                        <a:t>Status.adobe.com trasmette informazioni sullo stato di tutti i prodotti e i servizi Adobe implementati in ambienti multi-tenant. Puoi scegliere se ricevere notifiche e-mail ogni volta che Adobe segnala, aggiorna o risolve un problema relativo a un prodotto. Vengono segnalate ad esempio le interruzioni per manutenzione programmata o problemi relativi ai servizi con diversi livelli di gravità. </a:t>
                       </a:r>
                     </a:p>
                   </a:txBody>
@@ -14270,11 +12048,10 @@
                         <a:defRPr/>
                       </a:pPr>
                       <a:r>
-                        <a:rPr lang="en-US" sz="1200" dirty="0">
+                        <a:rPr lang="it-IT" sz="1200">
                           <a:solidFill>
                             <a:srgbClr val="5F5F5F"/>
                           </a:solidFill>
-                          <a:effectLst/>
                           <a:latin typeface="Adobe Clean" panose="020B0503020404020204" pitchFamily="34" charset="0"/>
                           <a:ea typeface="+mn-ea"/>
                           <a:cs typeface="+mn-cs"/>
@@ -14286,17 +12063,8 @@
                             </a:extLst>
                           </a:hlinkClick>
                         </a:rPr>
-                        <a:t>Terms and Conditions</a:t>
+                        <a:t>Termini e condizioni</a:t>
                       </a:r>
-                      <a:endParaRPr lang="en-US" sz="1200" dirty="0">
-                        <a:solidFill>
-                          <a:srgbClr val="5F5F5F"/>
-                        </a:solidFill>
-                        <a:effectLst/>
-                        <a:latin typeface="Adobe Clean" panose="020B0503020404020204" pitchFamily="34" charset="0"/>
-                        <a:ea typeface="+mn-ea"/>
-                        <a:cs typeface="+mn-cs"/>
-                      </a:endParaRPr>
                     </a:p>
                   </a:txBody>
                   <a:tcPr anchor="ctr">
@@ -14353,7 +12121,7 @@
                     <a:lstStyle/>
                     <a:p>
                       <a:r>
-                        <a:rPr lang="en-US" sz="1000" kern="1200" dirty="0">
+                        <a:rPr lang="it-IT" sz="1000">
                           <a:solidFill>
                             <a:schemeClr val="tx1"/>
                           </a:solidFill>
@@ -14361,7 +12129,7 @@
                           <a:ea typeface="+mn-ea"/>
                           <a:cs typeface="+mn-cs"/>
                         </a:rPr>
-                        <a:t>Terms and conditions detailing Support Services offerings.</a:t>
+                        <a:t>Termini e condizioni che descrivono i servizi di supporto disponibili.</a:t>
                       </a:r>
                     </a:p>
                   </a:txBody>
@@ -14438,7 +12206,7 @@
         <p:spPr>
           <a:xfrm>
             <a:off x="194237" y="914400"/>
-            <a:ext cx="777240" cy="0"/>
+            <a:ext cx="594360" cy="0"/>
           </a:xfrm>
           <a:custGeom>
             <a:avLst/>
